--- a/1821144_yoshii_sotsuken.pptx
+++ b/1821144_yoshii_sotsuken.pptx
@@ -239,9 +239,9 @@
           <a:bodyPr/>
           <a:lstStyle/>
           <a:p>
-            <a:fld id="{ED577E89-54D8-4F30-8147-4EBD423627ED}" type="datetimeFigureOut">
-              <a:rPr kumimoji="1" lang="ja-JP" altLang="en-US" smtClean="0"/>
-              <a:t>2021/4/15</a:t>
+            <a:fld id="{429ACBA6-3996-4EC3-95CF-F2A9B9B566E0}" type="datetimeFigureOut">
+              <a:rPr kumimoji="1" lang="ja-JP" altLang="en-US" smtClean="0"/>
+              <a:t>2021/4/29</a:t>
             </a:fld>
             <a:endParaRPr kumimoji="1" lang="ja-JP" altLang="en-US"/>
           </a:p>
@@ -281,7 +281,7 @@
           <a:bodyPr/>
           <a:lstStyle/>
           <a:p>
-            <a:fld id="{8AD1BC06-41BF-402D-8939-3539DF30DD92}" type="slidenum">
+            <a:fld id="{82B0F181-4DAC-4AF6-AAF0-BC662F10B70B}" type="slidenum">
               <a:rPr kumimoji="1" lang="ja-JP" altLang="en-US" smtClean="0"/>
               <a:t>‹#›</a:t>
             </a:fld>
@@ -292,7 +292,7 @@
     </p:spTree>
     <p:extLst>
       <p:ext uri="{BB962C8B-B14F-4D97-AF65-F5344CB8AC3E}">
-        <p14:creationId xmlns:p14="http://schemas.microsoft.com/office/powerpoint/2010/main" val="4224714588"/>
+        <p14:creationId xmlns:p14="http://schemas.microsoft.com/office/powerpoint/2010/main" val="1685237721"/>
       </p:ext>
     </p:extLst>
   </p:cSld>
@@ -441,9 +441,9 @@
           <a:bodyPr/>
           <a:lstStyle/>
           <a:p>
-            <a:fld id="{ED577E89-54D8-4F30-8147-4EBD423627ED}" type="datetimeFigureOut">
-              <a:rPr kumimoji="1" lang="ja-JP" altLang="en-US" smtClean="0"/>
-              <a:t>2021/4/15</a:t>
+            <a:fld id="{429ACBA6-3996-4EC3-95CF-F2A9B9B566E0}" type="datetimeFigureOut">
+              <a:rPr kumimoji="1" lang="ja-JP" altLang="en-US" smtClean="0"/>
+              <a:t>2021/4/29</a:t>
             </a:fld>
             <a:endParaRPr kumimoji="1" lang="ja-JP" altLang="en-US"/>
           </a:p>
@@ -483,7 +483,7 @@
           <a:bodyPr/>
           <a:lstStyle/>
           <a:p>
-            <a:fld id="{8AD1BC06-41BF-402D-8939-3539DF30DD92}" type="slidenum">
+            <a:fld id="{82B0F181-4DAC-4AF6-AAF0-BC662F10B70B}" type="slidenum">
               <a:rPr kumimoji="1" lang="ja-JP" altLang="en-US" smtClean="0"/>
               <a:t>‹#›</a:t>
             </a:fld>
@@ -494,7 +494,7 @@
     </p:spTree>
     <p:extLst>
       <p:ext uri="{BB962C8B-B14F-4D97-AF65-F5344CB8AC3E}">
-        <p14:creationId xmlns:p14="http://schemas.microsoft.com/office/powerpoint/2010/main" val="566555516"/>
+        <p14:creationId xmlns:p14="http://schemas.microsoft.com/office/powerpoint/2010/main" val="1962937439"/>
       </p:ext>
     </p:extLst>
   </p:cSld>
@@ -653,9 +653,9 @@
           <a:bodyPr/>
           <a:lstStyle/>
           <a:p>
-            <a:fld id="{ED577E89-54D8-4F30-8147-4EBD423627ED}" type="datetimeFigureOut">
-              <a:rPr kumimoji="1" lang="ja-JP" altLang="en-US" smtClean="0"/>
-              <a:t>2021/4/15</a:t>
+            <a:fld id="{429ACBA6-3996-4EC3-95CF-F2A9B9B566E0}" type="datetimeFigureOut">
+              <a:rPr kumimoji="1" lang="ja-JP" altLang="en-US" smtClean="0"/>
+              <a:t>2021/4/29</a:t>
             </a:fld>
             <a:endParaRPr kumimoji="1" lang="ja-JP" altLang="en-US"/>
           </a:p>
@@ -695,7 +695,7 @@
           <a:bodyPr/>
           <a:lstStyle/>
           <a:p>
-            <a:fld id="{8AD1BC06-41BF-402D-8939-3539DF30DD92}" type="slidenum">
+            <a:fld id="{82B0F181-4DAC-4AF6-AAF0-BC662F10B70B}" type="slidenum">
               <a:rPr kumimoji="1" lang="ja-JP" altLang="en-US" smtClean="0"/>
               <a:t>‹#›</a:t>
             </a:fld>
@@ -706,7 +706,7 @@
     </p:spTree>
     <p:extLst>
       <p:ext uri="{BB962C8B-B14F-4D97-AF65-F5344CB8AC3E}">
-        <p14:creationId xmlns:p14="http://schemas.microsoft.com/office/powerpoint/2010/main" val="2987045016"/>
+        <p14:creationId xmlns:p14="http://schemas.microsoft.com/office/powerpoint/2010/main" val="2065921400"/>
       </p:ext>
     </p:extLst>
   </p:cSld>
@@ -855,9 +855,9 @@
           <a:bodyPr/>
           <a:lstStyle/>
           <a:p>
-            <a:fld id="{ED577E89-54D8-4F30-8147-4EBD423627ED}" type="datetimeFigureOut">
-              <a:rPr kumimoji="1" lang="ja-JP" altLang="en-US" smtClean="0"/>
-              <a:t>2021/4/15</a:t>
+            <a:fld id="{429ACBA6-3996-4EC3-95CF-F2A9B9B566E0}" type="datetimeFigureOut">
+              <a:rPr kumimoji="1" lang="ja-JP" altLang="en-US" smtClean="0"/>
+              <a:t>2021/4/29</a:t>
             </a:fld>
             <a:endParaRPr kumimoji="1" lang="ja-JP" altLang="en-US"/>
           </a:p>
@@ -897,7 +897,7 @@
           <a:bodyPr/>
           <a:lstStyle/>
           <a:p>
-            <a:fld id="{8AD1BC06-41BF-402D-8939-3539DF30DD92}" type="slidenum">
+            <a:fld id="{82B0F181-4DAC-4AF6-AAF0-BC662F10B70B}" type="slidenum">
               <a:rPr kumimoji="1" lang="ja-JP" altLang="en-US" smtClean="0"/>
               <a:t>‹#›</a:t>
             </a:fld>
@@ -908,7 +908,7 @@
     </p:spTree>
     <p:extLst>
       <p:ext uri="{BB962C8B-B14F-4D97-AF65-F5344CB8AC3E}">
-        <p14:creationId xmlns:p14="http://schemas.microsoft.com/office/powerpoint/2010/main" val="847521090"/>
+        <p14:creationId xmlns:p14="http://schemas.microsoft.com/office/powerpoint/2010/main" val="1208510517"/>
       </p:ext>
     </p:extLst>
   </p:cSld>
@@ -1101,9 +1101,9 @@
           <a:bodyPr/>
           <a:lstStyle/>
           <a:p>
-            <a:fld id="{ED577E89-54D8-4F30-8147-4EBD423627ED}" type="datetimeFigureOut">
-              <a:rPr kumimoji="1" lang="ja-JP" altLang="en-US" smtClean="0"/>
-              <a:t>2021/4/15</a:t>
+            <a:fld id="{429ACBA6-3996-4EC3-95CF-F2A9B9B566E0}" type="datetimeFigureOut">
+              <a:rPr kumimoji="1" lang="ja-JP" altLang="en-US" smtClean="0"/>
+              <a:t>2021/4/29</a:t>
             </a:fld>
             <a:endParaRPr kumimoji="1" lang="ja-JP" altLang="en-US"/>
           </a:p>
@@ -1143,7 +1143,7 @@
           <a:bodyPr/>
           <a:lstStyle/>
           <a:p>
-            <a:fld id="{8AD1BC06-41BF-402D-8939-3539DF30DD92}" type="slidenum">
+            <a:fld id="{82B0F181-4DAC-4AF6-AAF0-BC662F10B70B}" type="slidenum">
               <a:rPr kumimoji="1" lang="ja-JP" altLang="en-US" smtClean="0"/>
               <a:t>‹#›</a:t>
             </a:fld>
@@ -1154,7 +1154,7 @@
     </p:spTree>
     <p:extLst>
       <p:ext uri="{BB962C8B-B14F-4D97-AF65-F5344CB8AC3E}">
-        <p14:creationId xmlns:p14="http://schemas.microsoft.com/office/powerpoint/2010/main" val="4236392021"/>
+        <p14:creationId xmlns:p14="http://schemas.microsoft.com/office/powerpoint/2010/main" val="491455706"/>
       </p:ext>
     </p:extLst>
   </p:cSld>
@@ -1397,9 +1397,9 @@
           <a:bodyPr/>
           <a:lstStyle/>
           <a:p>
-            <a:fld id="{ED577E89-54D8-4F30-8147-4EBD423627ED}" type="datetimeFigureOut">
-              <a:rPr kumimoji="1" lang="ja-JP" altLang="en-US" smtClean="0"/>
-              <a:t>2021/4/15</a:t>
+            <a:fld id="{429ACBA6-3996-4EC3-95CF-F2A9B9B566E0}" type="datetimeFigureOut">
+              <a:rPr kumimoji="1" lang="ja-JP" altLang="en-US" smtClean="0"/>
+              <a:t>2021/4/29</a:t>
             </a:fld>
             <a:endParaRPr kumimoji="1" lang="ja-JP" altLang="en-US"/>
           </a:p>
@@ -1439,7 +1439,7 @@
           <a:bodyPr/>
           <a:lstStyle/>
           <a:p>
-            <a:fld id="{8AD1BC06-41BF-402D-8939-3539DF30DD92}" type="slidenum">
+            <a:fld id="{82B0F181-4DAC-4AF6-AAF0-BC662F10B70B}" type="slidenum">
               <a:rPr kumimoji="1" lang="ja-JP" altLang="en-US" smtClean="0"/>
               <a:t>‹#›</a:t>
             </a:fld>
@@ -1450,7 +1450,7 @@
     </p:spTree>
     <p:extLst>
       <p:ext uri="{BB962C8B-B14F-4D97-AF65-F5344CB8AC3E}">
-        <p14:creationId xmlns:p14="http://schemas.microsoft.com/office/powerpoint/2010/main" val="2108299690"/>
+        <p14:creationId xmlns:p14="http://schemas.microsoft.com/office/powerpoint/2010/main" val="490798260"/>
       </p:ext>
     </p:extLst>
   </p:cSld>
@@ -1828,9 +1828,9 @@
           <a:bodyPr/>
           <a:lstStyle/>
           <a:p>
-            <a:fld id="{ED577E89-54D8-4F30-8147-4EBD423627ED}" type="datetimeFigureOut">
-              <a:rPr kumimoji="1" lang="ja-JP" altLang="en-US" smtClean="0"/>
-              <a:t>2021/4/15</a:t>
+            <a:fld id="{429ACBA6-3996-4EC3-95CF-F2A9B9B566E0}" type="datetimeFigureOut">
+              <a:rPr kumimoji="1" lang="ja-JP" altLang="en-US" smtClean="0"/>
+              <a:t>2021/4/29</a:t>
             </a:fld>
             <a:endParaRPr kumimoji="1" lang="ja-JP" altLang="en-US"/>
           </a:p>
@@ -1870,7 +1870,7 @@
           <a:bodyPr/>
           <a:lstStyle/>
           <a:p>
-            <a:fld id="{8AD1BC06-41BF-402D-8939-3539DF30DD92}" type="slidenum">
+            <a:fld id="{82B0F181-4DAC-4AF6-AAF0-BC662F10B70B}" type="slidenum">
               <a:rPr kumimoji="1" lang="ja-JP" altLang="en-US" smtClean="0"/>
               <a:t>‹#›</a:t>
             </a:fld>
@@ -1881,7 +1881,7 @@
     </p:spTree>
     <p:extLst>
       <p:ext uri="{BB962C8B-B14F-4D97-AF65-F5344CB8AC3E}">
-        <p14:creationId xmlns:p14="http://schemas.microsoft.com/office/powerpoint/2010/main" val="1498690926"/>
+        <p14:creationId xmlns:p14="http://schemas.microsoft.com/office/powerpoint/2010/main" val="50364942"/>
       </p:ext>
     </p:extLst>
   </p:cSld>
@@ -1946,9 +1946,9 @@
           <a:bodyPr/>
           <a:lstStyle/>
           <a:p>
-            <a:fld id="{ED577E89-54D8-4F30-8147-4EBD423627ED}" type="datetimeFigureOut">
-              <a:rPr kumimoji="1" lang="ja-JP" altLang="en-US" smtClean="0"/>
-              <a:t>2021/4/15</a:t>
+            <a:fld id="{429ACBA6-3996-4EC3-95CF-F2A9B9B566E0}" type="datetimeFigureOut">
+              <a:rPr kumimoji="1" lang="ja-JP" altLang="en-US" smtClean="0"/>
+              <a:t>2021/4/29</a:t>
             </a:fld>
             <a:endParaRPr kumimoji="1" lang="ja-JP" altLang="en-US"/>
           </a:p>
@@ -1988,7 +1988,7 @@
           <a:bodyPr/>
           <a:lstStyle/>
           <a:p>
-            <a:fld id="{8AD1BC06-41BF-402D-8939-3539DF30DD92}" type="slidenum">
+            <a:fld id="{82B0F181-4DAC-4AF6-AAF0-BC662F10B70B}" type="slidenum">
               <a:rPr kumimoji="1" lang="ja-JP" altLang="en-US" smtClean="0"/>
               <a:t>‹#›</a:t>
             </a:fld>
@@ -1999,7 +1999,7 @@
     </p:spTree>
     <p:extLst>
       <p:ext uri="{BB962C8B-B14F-4D97-AF65-F5344CB8AC3E}">
-        <p14:creationId xmlns:p14="http://schemas.microsoft.com/office/powerpoint/2010/main" val="1037987782"/>
+        <p14:creationId xmlns:p14="http://schemas.microsoft.com/office/powerpoint/2010/main" val="1357556030"/>
       </p:ext>
     </p:extLst>
   </p:cSld>
@@ -2041,9 +2041,9 @@
           <a:bodyPr/>
           <a:lstStyle/>
           <a:p>
-            <a:fld id="{ED577E89-54D8-4F30-8147-4EBD423627ED}" type="datetimeFigureOut">
-              <a:rPr kumimoji="1" lang="ja-JP" altLang="en-US" smtClean="0"/>
-              <a:t>2021/4/15</a:t>
+            <a:fld id="{429ACBA6-3996-4EC3-95CF-F2A9B9B566E0}" type="datetimeFigureOut">
+              <a:rPr kumimoji="1" lang="ja-JP" altLang="en-US" smtClean="0"/>
+              <a:t>2021/4/29</a:t>
             </a:fld>
             <a:endParaRPr kumimoji="1" lang="ja-JP" altLang="en-US"/>
           </a:p>
@@ -2083,7 +2083,7 @@
           <a:bodyPr/>
           <a:lstStyle/>
           <a:p>
-            <a:fld id="{8AD1BC06-41BF-402D-8939-3539DF30DD92}" type="slidenum">
+            <a:fld id="{82B0F181-4DAC-4AF6-AAF0-BC662F10B70B}" type="slidenum">
               <a:rPr kumimoji="1" lang="ja-JP" altLang="en-US" smtClean="0"/>
               <a:t>‹#›</a:t>
             </a:fld>
@@ -2094,7 +2094,7 @@
     </p:spTree>
     <p:extLst>
       <p:ext uri="{BB962C8B-B14F-4D97-AF65-F5344CB8AC3E}">
-        <p14:creationId xmlns:p14="http://schemas.microsoft.com/office/powerpoint/2010/main" val="1657387129"/>
+        <p14:creationId xmlns:p14="http://schemas.microsoft.com/office/powerpoint/2010/main" val="106510323"/>
       </p:ext>
     </p:extLst>
   </p:cSld>
@@ -2350,9 +2350,9 @@
           <a:bodyPr/>
           <a:lstStyle/>
           <a:p>
-            <a:fld id="{ED577E89-54D8-4F30-8147-4EBD423627ED}" type="datetimeFigureOut">
-              <a:rPr kumimoji="1" lang="ja-JP" altLang="en-US" smtClean="0"/>
-              <a:t>2021/4/15</a:t>
+            <a:fld id="{429ACBA6-3996-4EC3-95CF-F2A9B9B566E0}" type="datetimeFigureOut">
+              <a:rPr kumimoji="1" lang="ja-JP" altLang="en-US" smtClean="0"/>
+              <a:t>2021/4/29</a:t>
             </a:fld>
             <a:endParaRPr kumimoji="1" lang="ja-JP" altLang="en-US"/>
           </a:p>
@@ -2392,7 +2392,7 @@
           <a:bodyPr/>
           <a:lstStyle/>
           <a:p>
-            <a:fld id="{8AD1BC06-41BF-402D-8939-3539DF30DD92}" type="slidenum">
+            <a:fld id="{82B0F181-4DAC-4AF6-AAF0-BC662F10B70B}" type="slidenum">
               <a:rPr kumimoji="1" lang="ja-JP" altLang="en-US" smtClean="0"/>
               <a:t>‹#›</a:t>
             </a:fld>
@@ -2403,7 +2403,7 @@
     </p:spTree>
     <p:extLst>
       <p:ext uri="{BB962C8B-B14F-4D97-AF65-F5344CB8AC3E}">
-        <p14:creationId xmlns:p14="http://schemas.microsoft.com/office/powerpoint/2010/main" val="1581985013"/>
+        <p14:creationId xmlns:p14="http://schemas.microsoft.com/office/powerpoint/2010/main" val="3154599861"/>
       </p:ext>
     </p:extLst>
   </p:cSld>
@@ -2603,9 +2603,9 @@
           <a:bodyPr/>
           <a:lstStyle/>
           <a:p>
-            <a:fld id="{ED577E89-54D8-4F30-8147-4EBD423627ED}" type="datetimeFigureOut">
-              <a:rPr kumimoji="1" lang="ja-JP" altLang="en-US" smtClean="0"/>
-              <a:t>2021/4/15</a:t>
+            <a:fld id="{429ACBA6-3996-4EC3-95CF-F2A9B9B566E0}" type="datetimeFigureOut">
+              <a:rPr kumimoji="1" lang="ja-JP" altLang="en-US" smtClean="0"/>
+              <a:t>2021/4/29</a:t>
             </a:fld>
             <a:endParaRPr kumimoji="1" lang="ja-JP" altLang="en-US"/>
           </a:p>
@@ -2645,7 +2645,7 @@
           <a:bodyPr/>
           <a:lstStyle/>
           <a:p>
-            <a:fld id="{8AD1BC06-41BF-402D-8939-3539DF30DD92}" type="slidenum">
+            <a:fld id="{82B0F181-4DAC-4AF6-AAF0-BC662F10B70B}" type="slidenum">
               <a:rPr kumimoji="1" lang="ja-JP" altLang="en-US" smtClean="0"/>
               <a:t>‹#›</a:t>
             </a:fld>
@@ -2656,7 +2656,7 @@
     </p:spTree>
     <p:extLst>
       <p:ext uri="{BB962C8B-B14F-4D97-AF65-F5344CB8AC3E}">
-        <p14:creationId xmlns:p14="http://schemas.microsoft.com/office/powerpoint/2010/main" val="3728090460"/>
+        <p14:creationId xmlns:p14="http://schemas.microsoft.com/office/powerpoint/2010/main" val="3310379798"/>
       </p:ext>
     </p:extLst>
   </p:cSld>
@@ -2848,9 +2848,9 @@
             </a:lvl1pPr>
           </a:lstStyle>
           <a:p>
-            <a:fld id="{ED577E89-54D8-4F30-8147-4EBD423627ED}" type="datetimeFigureOut">
-              <a:rPr kumimoji="1" lang="ja-JP" altLang="en-US" smtClean="0"/>
-              <a:t>2021/4/15</a:t>
+            <a:fld id="{429ACBA6-3996-4EC3-95CF-F2A9B9B566E0}" type="datetimeFigureOut">
+              <a:rPr kumimoji="1" lang="ja-JP" altLang="en-US" smtClean="0"/>
+              <a:t>2021/4/29</a:t>
             </a:fld>
             <a:endParaRPr kumimoji="1" lang="ja-JP" altLang="en-US"/>
           </a:p>
@@ -2926,7 +2926,7 @@
             </a:lvl1pPr>
           </a:lstStyle>
           <a:p>
-            <a:fld id="{8AD1BC06-41BF-402D-8939-3539DF30DD92}" type="slidenum">
+            <a:fld id="{82B0F181-4DAC-4AF6-AAF0-BC662F10B70B}" type="slidenum">
               <a:rPr kumimoji="1" lang="ja-JP" altLang="en-US" smtClean="0"/>
               <a:t>‹#›</a:t>
             </a:fld>
@@ -2937,7 +2937,7 @@
     </p:spTree>
     <p:extLst>
       <p:ext uri="{BB962C8B-B14F-4D97-AF65-F5344CB8AC3E}">
-        <p14:creationId xmlns:p14="http://schemas.microsoft.com/office/powerpoint/2010/main" val="2881715071"/>
+        <p14:creationId xmlns:p14="http://schemas.microsoft.com/office/powerpoint/2010/main" val="2856791654"/>
       </p:ext>
     </p:extLst>
   </p:cSld>
@@ -3267,21 +3267,53 @@
         </p:nvSpPr>
         <p:spPr/>
         <p:txBody>
-          <a:bodyPr/>
-          <a:lstStyle/>
-          <a:p>
-            <a:r>
-              <a:rPr kumimoji="1" lang="ja-JP" altLang="en-US" dirty="0" smtClean="0"/>
-              <a:t>卒研候補</a:t>
-            </a:r>
-            <a:endParaRPr kumimoji="1" lang="ja-JP" altLang="en-US" dirty="0"/>
+          <a:bodyPr>
+            <a:normAutofit/>
+          </a:bodyPr>
+          <a:lstStyle/>
+          <a:p>
+            <a:r>
+              <a:rPr kumimoji="1" lang="ja-JP" altLang="en-US" sz="4400" dirty="0" smtClean="0"/>
+              <a:t>ロードバランサを利用した</a:t>
+            </a:r>
+            <a:r>
+              <a:rPr kumimoji="1" lang="en-US" altLang="ja-JP" sz="4400" dirty="0" smtClean="0"/>
+              <a:t/>
+            </a:r>
+            <a:br>
+              <a:rPr kumimoji="1" lang="en-US" altLang="ja-JP" sz="4400" dirty="0" smtClean="0"/>
+            </a:br>
+            <a:r>
+              <a:rPr kumimoji="1" lang="ja-JP" altLang="en-US" sz="4400" dirty="0" smtClean="0"/>
+              <a:t>観光地推薦に使用する</a:t>
+            </a:r>
+            <a:r>
+              <a:rPr kumimoji="1" lang="en-US" altLang="ja-JP" sz="4400" dirty="0" smtClean="0"/>
+              <a:t/>
+            </a:r>
+            <a:br>
+              <a:rPr kumimoji="1" lang="en-US" altLang="ja-JP" sz="4400" dirty="0" smtClean="0"/>
+            </a:br>
+            <a:r>
+              <a:rPr kumimoji="1" lang="ja-JP" altLang="en-US" sz="4400" dirty="0" smtClean="0"/>
+              <a:t>音楽・</a:t>
+            </a:r>
+            <a:r>
+              <a:rPr kumimoji="1" lang="en-US" altLang="ja-JP" sz="4400" dirty="0" smtClean="0"/>
+              <a:t>BGM</a:t>
+            </a:r>
+            <a:r>
+              <a:rPr kumimoji="1" lang="ja-JP" altLang="en-US" sz="4400" dirty="0" smtClean="0"/>
+              <a:t>のタグ付け</a:t>
+            </a:r>
+            <a:endParaRPr kumimoji="1" lang="ja-JP" altLang="en-US" sz="4400" dirty="0"/>
           </a:p>
         </p:txBody>
       </p:sp>
     </p:spTree>
     <p:extLst>
       <p:ext uri="{BB962C8B-B14F-4D97-AF65-F5344CB8AC3E}">
-        <p14:creationId xmlns:p14="http://schemas.microsoft.com/office/powerpoint/2010/main" val="62878699"/>
+        <p14:creationId xmlns:p14="http://schemas.microsoft.com/office/powerpoint/2010/main" val="3151899834"/>
       </p:ext>
     </p:extLst>
   </p:cSld>
@@ -3320,8 +3352,8 @@
         </p:nvSpPr>
         <p:spPr>
           <a:xfrm>
-            <a:off x="838200" y="355600"/>
-            <a:ext cx="10515600" cy="5821363"/>
+            <a:off x="838200" y="609600"/>
+            <a:ext cx="10515600" cy="5567363"/>
           </a:xfrm>
         </p:spPr>
         <p:txBody>
@@ -3334,85 +3366,45 @@
               <a:buNone/>
             </a:pPr>
             <a:r>
-              <a:rPr kumimoji="1" lang="ja-JP" altLang="en-US" sz="3600" dirty="0" smtClean="0"/>
-              <a:t>１</a:t>
-            </a:r>
-            <a:r>
-              <a:rPr kumimoji="1" lang="en-US" altLang="ja-JP" sz="3600" dirty="0" smtClean="0"/>
-              <a:t>.</a:t>
-            </a:r>
-            <a:r>
-              <a:rPr lang="ja-JP" altLang="en-US" sz="3600" dirty="0" smtClean="0"/>
-              <a:t>動画から音声を分析し</a:t>
-            </a:r>
-            <a:r>
-              <a:rPr lang="en-US" altLang="ja-JP" sz="3600" dirty="0" smtClean="0"/>
-              <a:t>Tab</a:t>
-            </a:r>
-            <a:r>
-              <a:rPr lang="ja-JP" altLang="en-US" sz="3600" dirty="0" smtClean="0"/>
-              <a:t>譜の自動生成</a:t>
-            </a:r>
-            <a:endParaRPr lang="en-US" altLang="ja-JP" sz="3600" dirty="0" smtClean="0"/>
+              <a:rPr lang="ja-JP" altLang="en-US" sz="4000" dirty="0"/>
+              <a:t>観光地推薦</a:t>
+            </a:r>
+            <a:r>
+              <a:rPr lang="ja-JP" altLang="en-US" sz="4000" dirty="0" smtClean="0"/>
+              <a:t>に合う</a:t>
+            </a:r>
+            <a:r>
+              <a:rPr lang="en-US" altLang="ja-JP" sz="4000" dirty="0" smtClean="0"/>
+              <a:t>BGM</a:t>
+            </a:r>
+            <a:r>
+              <a:rPr lang="ja-JP" altLang="en-US" sz="4000" dirty="0" smtClean="0"/>
+              <a:t>や音楽</a:t>
+            </a:r>
+            <a:endParaRPr lang="en-US" altLang="ja-JP" sz="4000" dirty="0" smtClean="0"/>
           </a:p>
           <a:p>
             <a:pPr marL="0" indent="0">
               <a:buNone/>
             </a:pPr>
-            <a:endParaRPr kumimoji="1" lang="en-US" altLang="ja-JP" sz="3600" dirty="0"/>
+            <a:endParaRPr kumimoji="1" lang="en-US" altLang="ja-JP" sz="3200" dirty="0" smtClean="0"/>
           </a:p>
           <a:p>
             <a:pPr marL="0" indent="0">
               <a:buNone/>
             </a:pPr>
-            <a:endParaRPr lang="en-US" altLang="ja-JP" sz="3600" dirty="0" smtClean="0"/>
-          </a:p>
-          <a:p>
-            <a:pPr marL="0" indent="0">
-              <a:buNone/>
-            </a:pPr>
-            <a:r>
-              <a:rPr kumimoji="1" lang="ja-JP" altLang="en-US" sz="3600" dirty="0" smtClean="0"/>
-              <a:t>２</a:t>
-            </a:r>
-            <a:r>
-              <a:rPr kumimoji="1" lang="en-US" altLang="ja-JP" sz="3600" dirty="0" smtClean="0"/>
-              <a:t>.</a:t>
-            </a:r>
-            <a:r>
-              <a:rPr kumimoji="1" lang="ja-JP" altLang="en-US" sz="3600" dirty="0" smtClean="0"/>
-              <a:t>顔認証を利用した</a:t>
-            </a:r>
-            <a:r>
-              <a:rPr lang="ja-JP" altLang="en-US" sz="3600" dirty="0"/>
-              <a:t>オンライン会議で</a:t>
-            </a:r>
-            <a:r>
-              <a:rPr lang="ja-JP" altLang="en-US" sz="3600" dirty="0" smtClean="0"/>
-              <a:t>の</a:t>
-            </a:r>
-            <a:endParaRPr lang="en-US" altLang="ja-JP" sz="3600" dirty="0" smtClean="0"/>
-          </a:p>
-          <a:p>
-            <a:pPr marL="0" indent="0">
-              <a:buNone/>
-            </a:pPr>
-            <a:r>
-              <a:rPr lang="ja-JP" altLang="en-US" sz="3600" dirty="0"/>
-              <a:t>　</a:t>
-            </a:r>
-            <a:r>
-              <a:rPr lang="ja-JP" altLang="en-US" sz="3600" dirty="0" smtClean="0"/>
-              <a:t>表情・反応の表示</a:t>
-            </a:r>
-            <a:endParaRPr kumimoji="1" lang="ja-JP" altLang="en-US" sz="3600" dirty="0"/>
+            <a:r>
+              <a:rPr kumimoji="1" lang="ja-JP" altLang="en-US" sz="3200" dirty="0" smtClean="0"/>
+              <a:t>→イメージ的には優雅なものや壮大なもの</a:t>
+            </a:r>
+            <a:endParaRPr kumimoji="1" lang="en-US" altLang="ja-JP" sz="3200" dirty="0" smtClean="0"/>
           </a:p>
         </p:txBody>
       </p:sp>
     </p:spTree>
     <p:extLst>
       <p:ext uri="{BB962C8B-B14F-4D97-AF65-F5344CB8AC3E}">
-        <p14:creationId xmlns:p14="http://schemas.microsoft.com/office/powerpoint/2010/main" val="3308982131"/>
+        <p14:creationId xmlns:p14="http://schemas.microsoft.com/office/powerpoint/2010/main" val="294407275"/>
       </p:ext>
     </p:extLst>
   </p:cSld>
@@ -3451,40 +3443,18 @@
         </p:nvSpPr>
         <p:spPr/>
         <p:txBody>
-          <a:bodyPr>
-            <a:normAutofit/>
-          </a:bodyPr>
-          <a:lstStyle/>
-          <a:p>
-            <a:r>
-              <a:rPr kumimoji="1" lang="ja-JP" altLang="en-US" sz="4000" dirty="0" smtClean="0"/>
-              <a:t>１</a:t>
-            </a:r>
-            <a:r>
-              <a:rPr kumimoji="1" lang="en-US" altLang="ja-JP" sz="4000" dirty="0" smtClean="0"/>
-              <a:t>.</a:t>
-            </a:r>
-            <a:r>
-              <a:rPr lang="ja-JP" altLang="en-US" sz="4000" dirty="0" smtClean="0"/>
-              <a:t>動画</a:t>
-            </a:r>
-            <a:r>
-              <a:rPr lang="ja-JP" altLang="en-US" sz="4000" dirty="0"/>
-              <a:t>から音声を分析し</a:t>
-            </a:r>
-            <a:r>
-              <a:rPr lang="en-US" altLang="ja-JP" sz="4000" dirty="0"/>
-              <a:t>Tab</a:t>
-            </a:r>
-            <a:r>
-              <a:rPr lang="ja-JP" altLang="en-US" sz="4000" dirty="0"/>
-              <a:t>譜の自動</a:t>
-            </a:r>
-            <a:r>
-              <a:rPr lang="ja-JP" altLang="en-US" sz="4000" dirty="0" smtClean="0"/>
-              <a:t>生成</a:t>
-            </a:r>
-            <a:endParaRPr kumimoji="1" lang="ja-JP" altLang="en-US" sz="4000" dirty="0"/>
+          <a:bodyPr/>
+          <a:lstStyle/>
+          <a:p>
+            <a:r>
+              <a:rPr kumimoji="1" lang="ja-JP" altLang="en-US" dirty="0" smtClean="0"/>
+              <a:t>フリー素材の</a:t>
+            </a:r>
+            <a:r>
+              <a:rPr kumimoji="1" lang="en-US" altLang="ja-JP" dirty="0" smtClean="0"/>
+              <a:t>BGM</a:t>
+            </a:r>
+            <a:endParaRPr kumimoji="1" lang="ja-JP" altLang="en-US" dirty="0"/>
           </a:p>
         </p:txBody>
       </p:sp>
@@ -3508,7 +3478,7 @@
             </a:pPr>
             <a:r>
               <a:rPr kumimoji="1" lang="ja-JP" altLang="en-US" dirty="0" smtClean="0"/>
-              <a:t>理由　</a:t>
+              <a:t>検索してみると様々なサイトが見つかった</a:t>
             </a:r>
             <a:endParaRPr kumimoji="1" lang="en-US" altLang="ja-JP" dirty="0" smtClean="0"/>
           </a:p>
@@ -3517,83 +3487,25 @@
               <a:buNone/>
             </a:pPr>
             <a:r>
-              <a:rPr lang="en-US" altLang="ja-JP" dirty="0"/>
-              <a:t>	</a:t>
-            </a:r>
-            <a:r>
               <a:rPr kumimoji="1" lang="ja-JP" altLang="en-US" dirty="0" smtClean="0"/>
-              <a:t>→自分が始めたての頃にやりたい楽曲の＊</a:t>
-            </a:r>
-            <a:r>
-              <a:rPr lang="en-US" altLang="ja-JP" dirty="0" smtClean="0"/>
-              <a:t>Tab</a:t>
-            </a:r>
-            <a:r>
-              <a:rPr lang="ja-JP" altLang="en-US" dirty="0" smtClean="0"/>
-              <a:t>譜がなかったため、動画などから自動生成できたらいいと思ったため。</a:t>
-            </a:r>
-            <a:endParaRPr lang="en-US" altLang="ja-JP" dirty="0" smtClean="0"/>
-          </a:p>
-          <a:p>
-            <a:pPr marL="0" indent="0">
-              <a:buNone/>
-            </a:pPr>
-            <a:endParaRPr lang="en-US" altLang="ja-JP" dirty="0"/>
-          </a:p>
-          <a:p>
-            <a:pPr marL="0" indent="0">
-              <a:buNone/>
-            </a:pPr>
-            <a:r>
-              <a:rPr lang="ja-JP" altLang="en-US" dirty="0" smtClean="0"/>
-              <a:t>＊</a:t>
-            </a:r>
-            <a:r>
-              <a:rPr lang="en-US" altLang="ja-JP" dirty="0" smtClean="0"/>
-              <a:t>Tab</a:t>
-            </a:r>
-            <a:r>
-              <a:rPr lang="ja-JP" altLang="en-US" dirty="0" smtClean="0"/>
-              <a:t>譜とは</a:t>
-            </a:r>
-            <a:endParaRPr lang="en-US" altLang="ja-JP" dirty="0" smtClean="0"/>
-          </a:p>
-        </p:txBody>
-      </p:sp>
-      <p:pic>
-        <p:nvPicPr>
-          <p:cNvPr id="6" name="図 5"/>
-          <p:cNvPicPr>
-            <a:picLocks noChangeAspect="1"/>
-          </p:cNvPicPr>
-          <p:nvPr/>
-        </p:nvPicPr>
-        <p:blipFill>
-          <a:blip r:embed="rId2">
-            <a:extLst>
-              <a:ext uri="{28A0092B-C50C-407E-A947-70E740481C1C}">
-                <a14:useLocalDpi xmlns:a14="http://schemas.microsoft.com/office/drawing/2010/main" val="0"/>
-              </a:ext>
-            </a:extLst>
-          </a:blip>
-          <a:stretch>
-            <a:fillRect/>
-          </a:stretch>
-        </p:blipFill>
-        <p:spPr>
-          <a:xfrm>
-            <a:off x="838200" y="3781385"/>
-            <a:ext cx="6534486" cy="1530429"/>
-          </a:xfrm>
-          <a:prstGeom prst="rect">
-            <a:avLst/>
-          </a:prstGeom>
-        </p:spPr>
-      </p:pic>
+              <a:t>観光地推薦にあうと思われる</a:t>
+            </a:r>
+            <a:r>
+              <a:rPr kumimoji="1" lang="en-US" altLang="ja-JP" dirty="0" smtClean="0"/>
+              <a:t>BGM</a:t>
+            </a:r>
+            <a:r>
+              <a:rPr kumimoji="1" lang="ja-JP" altLang="en-US" dirty="0" smtClean="0"/>
+              <a:t>見つかるはず</a:t>
+            </a:r>
+            <a:endParaRPr kumimoji="1" lang="ja-JP" altLang="en-US" dirty="0"/>
+          </a:p>
+        </p:txBody>
+      </p:sp>
     </p:spTree>
     <p:extLst>
       <p:ext uri="{BB962C8B-B14F-4D97-AF65-F5344CB8AC3E}">
-        <p14:creationId xmlns:p14="http://schemas.microsoft.com/office/powerpoint/2010/main" val="1402517135"/>
+        <p14:creationId xmlns:p14="http://schemas.microsoft.com/office/powerpoint/2010/main" val="1505537464"/>
       </p:ext>
     </p:extLst>
   </p:cSld>
@@ -3632,62 +3544,56 @@
         </p:nvSpPr>
         <p:spPr/>
         <p:txBody>
-          <a:bodyPr>
-            <a:normAutofit fontScale="90000"/>
-          </a:bodyPr>
+          <a:bodyPr/>
           <a:lstStyle/>
           <a:p>
             <a:r>
               <a:rPr kumimoji="1" lang="ja-JP" altLang="en-US" dirty="0" smtClean="0"/>
-              <a:t>２</a:t>
+              <a:t>これからやるべきこと</a:t>
+            </a:r>
+            <a:endParaRPr kumimoji="1" lang="ja-JP" altLang="en-US" dirty="0"/>
+          </a:p>
+        </p:txBody>
+      </p:sp>
+      <p:sp>
+        <p:nvSpPr>
+          <p:cNvPr id="3" name="コンテンツ プレースホルダー 2"/>
+          <p:cNvSpPr>
+            <a:spLocks noGrp="1"/>
+          </p:cNvSpPr>
+          <p:nvPr>
+            <p:ph idx="1"/>
+          </p:nvPr>
+        </p:nvSpPr>
+        <p:spPr/>
+        <p:txBody>
+          <a:bodyPr/>
+          <a:lstStyle/>
+          <a:p>
+            <a:pPr marL="0" indent="0">
+              <a:buNone/>
+            </a:pPr>
+            <a:r>
+              <a:rPr kumimoji="1" lang="ja-JP" altLang="en-US" dirty="0" smtClean="0"/>
+              <a:t>・</a:t>
             </a:r>
             <a:r>
               <a:rPr kumimoji="1" lang="en-US" altLang="ja-JP" dirty="0" smtClean="0"/>
-              <a:t>.</a:t>
-            </a:r>
-            <a:r>
-              <a:rPr lang="ja-JP" altLang="en-US" dirty="0"/>
-              <a:t>顔認証を利用したオンライン会議での</a:t>
-            </a:r>
-            <a:r>
-              <a:rPr lang="en-US" altLang="ja-JP" dirty="0"/>
-              <a:t/>
-            </a:r>
-            <a:br>
-              <a:rPr lang="en-US" altLang="ja-JP" dirty="0"/>
-            </a:br>
-            <a:r>
-              <a:rPr lang="ja-JP" altLang="en-US" dirty="0"/>
-              <a:t>　表情・反応の表示</a:t>
-            </a:r>
-            <a:br>
-              <a:rPr lang="ja-JP" altLang="en-US" dirty="0"/>
-            </a:br>
-            <a:endParaRPr kumimoji="1" lang="ja-JP" altLang="en-US" dirty="0"/>
-          </a:p>
-        </p:txBody>
-      </p:sp>
-      <p:sp>
-        <p:nvSpPr>
-          <p:cNvPr id="3" name="コンテンツ プレースホルダー 2"/>
-          <p:cNvSpPr>
-            <a:spLocks noGrp="1"/>
-          </p:cNvSpPr>
-          <p:nvPr>
-            <p:ph idx="1"/>
-          </p:nvPr>
-        </p:nvSpPr>
-        <p:spPr/>
-        <p:txBody>
-          <a:bodyPr/>
-          <a:lstStyle/>
+              <a:t>Python</a:t>
+            </a:r>
+            <a:r>
+              <a:rPr kumimoji="1" lang="ja-JP" altLang="en-US" dirty="0" smtClean="0"/>
+              <a:t>の勉強</a:t>
+            </a:r>
+            <a:endParaRPr kumimoji="1" lang="en-US" altLang="ja-JP" dirty="0" smtClean="0"/>
+          </a:p>
           <a:p>
             <a:pPr marL="0" indent="0">
               <a:buNone/>
             </a:pPr>
             <a:r>
               <a:rPr kumimoji="1" lang="ja-JP" altLang="en-US" dirty="0" smtClean="0"/>
-              <a:t>理由</a:t>
+              <a:t>・音楽と印象の関係性についての調査</a:t>
             </a:r>
             <a:endParaRPr kumimoji="1" lang="en-US" altLang="ja-JP" dirty="0" smtClean="0"/>
           </a:p>
@@ -3696,13 +3602,21 @@
               <a:buNone/>
             </a:pPr>
             <a:r>
-              <a:rPr lang="ja-JP" altLang="en-US" dirty="0" smtClean="0"/>
-              <a:t>→鷹野先生がオンライン会議だと</a:t>
-            </a:r>
-            <a:r>
-              <a:rPr lang="ja-JP" altLang="en-US" smtClean="0"/>
-              <a:t>表情や頷きなどが見えないため授業を理解できているか分かりづらいと言っていたため。</a:t>
-            </a:r>
+              <a:rPr kumimoji="1" lang="ja-JP" altLang="en-US" smtClean="0"/>
+              <a:t>・ロードバランサの理解を深める</a:t>
+            </a:r>
+            <a:endParaRPr kumimoji="1" lang="en-US" altLang="ja-JP" dirty="0" smtClean="0"/>
+          </a:p>
+          <a:p>
+            <a:pPr marL="0" indent="0">
+              <a:buNone/>
+            </a:pPr>
+            <a:endParaRPr kumimoji="1" lang="en-US" altLang="ja-JP" dirty="0" smtClean="0"/>
+          </a:p>
+          <a:p>
+            <a:pPr marL="0" indent="0">
+              <a:buNone/>
+            </a:pPr>
             <a:endParaRPr kumimoji="1" lang="ja-JP" altLang="en-US" dirty="0"/>
           </a:p>
         </p:txBody>
@@ -3710,7 +3624,7 @@
     </p:spTree>
     <p:extLst>
       <p:ext uri="{BB962C8B-B14F-4D97-AF65-F5344CB8AC3E}">
-        <p14:creationId xmlns:p14="http://schemas.microsoft.com/office/powerpoint/2010/main" val="3766721269"/>
+        <p14:creationId xmlns:p14="http://schemas.microsoft.com/office/powerpoint/2010/main" val="3620432896"/>
       </p:ext>
     </p:extLst>
   </p:cSld>

--- a/1821144_yoshii_sotsuken.pptx
+++ b/1821144_yoshii_sotsuken.pptx
@@ -8,7 +8,8 @@
     <p:sldId id="256" r:id="rId2"/>
     <p:sldId id="257" r:id="rId3"/>
     <p:sldId id="258" r:id="rId4"/>
-    <p:sldId id="259" r:id="rId5"/>
+    <p:sldId id="260" r:id="rId5"/>
+    <p:sldId id="259" r:id="rId6"/>
   </p:sldIdLst>
   <p:sldSz cx="12192000" cy="6858000"/>
   <p:notesSz cx="6858000" cy="9144000"/>
@@ -107,6 +108,11 @@
       </a:defRPr>
     </a:lvl9pPr>
   </p:defaultTextStyle>
+  <p:extLst>
+    <p:ext uri="{EFAFB233-063F-42B5-8137-9DF3F51BA10A}">
+      <p15:sldGuideLst xmlns:p15="http://schemas.microsoft.com/office/powerpoint/2012/main"/>
+    </p:ext>
+  </p:extLst>
 </p:presentation>
 </file>
 
@@ -241,7 +247,7 @@
           <a:p>
             <a:fld id="{429ACBA6-3996-4EC3-95CF-F2A9B9B566E0}" type="datetimeFigureOut">
               <a:rPr kumimoji="1" lang="ja-JP" altLang="en-US" smtClean="0"/>
-              <a:t>2021/4/29</a:t>
+              <a:t>2021/4/30</a:t>
             </a:fld>
             <a:endParaRPr kumimoji="1" lang="ja-JP" altLang="en-US"/>
           </a:p>
@@ -443,7 +449,7 @@
           <a:p>
             <a:fld id="{429ACBA6-3996-4EC3-95CF-F2A9B9B566E0}" type="datetimeFigureOut">
               <a:rPr kumimoji="1" lang="ja-JP" altLang="en-US" smtClean="0"/>
-              <a:t>2021/4/29</a:t>
+              <a:t>2021/4/30</a:t>
             </a:fld>
             <a:endParaRPr kumimoji="1" lang="ja-JP" altLang="en-US"/>
           </a:p>
@@ -655,7 +661,7 @@
           <a:p>
             <a:fld id="{429ACBA6-3996-4EC3-95CF-F2A9B9B566E0}" type="datetimeFigureOut">
               <a:rPr kumimoji="1" lang="ja-JP" altLang="en-US" smtClean="0"/>
-              <a:t>2021/4/29</a:t>
+              <a:t>2021/4/30</a:t>
             </a:fld>
             <a:endParaRPr kumimoji="1" lang="ja-JP" altLang="en-US"/>
           </a:p>
@@ -857,7 +863,7 @@
           <a:p>
             <a:fld id="{429ACBA6-3996-4EC3-95CF-F2A9B9B566E0}" type="datetimeFigureOut">
               <a:rPr kumimoji="1" lang="ja-JP" altLang="en-US" smtClean="0"/>
-              <a:t>2021/4/29</a:t>
+              <a:t>2021/4/30</a:t>
             </a:fld>
             <a:endParaRPr kumimoji="1" lang="ja-JP" altLang="en-US"/>
           </a:p>
@@ -1103,7 +1109,7 @@
           <a:p>
             <a:fld id="{429ACBA6-3996-4EC3-95CF-F2A9B9B566E0}" type="datetimeFigureOut">
               <a:rPr kumimoji="1" lang="ja-JP" altLang="en-US" smtClean="0"/>
-              <a:t>2021/4/29</a:t>
+              <a:t>2021/4/30</a:t>
             </a:fld>
             <a:endParaRPr kumimoji="1" lang="ja-JP" altLang="en-US"/>
           </a:p>
@@ -1399,7 +1405,7 @@
           <a:p>
             <a:fld id="{429ACBA6-3996-4EC3-95CF-F2A9B9B566E0}" type="datetimeFigureOut">
               <a:rPr kumimoji="1" lang="ja-JP" altLang="en-US" smtClean="0"/>
-              <a:t>2021/4/29</a:t>
+              <a:t>2021/4/30</a:t>
             </a:fld>
             <a:endParaRPr kumimoji="1" lang="ja-JP" altLang="en-US"/>
           </a:p>
@@ -1830,7 +1836,7 @@
           <a:p>
             <a:fld id="{429ACBA6-3996-4EC3-95CF-F2A9B9B566E0}" type="datetimeFigureOut">
               <a:rPr kumimoji="1" lang="ja-JP" altLang="en-US" smtClean="0"/>
-              <a:t>2021/4/29</a:t>
+              <a:t>2021/4/30</a:t>
             </a:fld>
             <a:endParaRPr kumimoji="1" lang="ja-JP" altLang="en-US"/>
           </a:p>
@@ -1948,7 +1954,7 @@
           <a:p>
             <a:fld id="{429ACBA6-3996-4EC3-95CF-F2A9B9B566E0}" type="datetimeFigureOut">
               <a:rPr kumimoji="1" lang="ja-JP" altLang="en-US" smtClean="0"/>
-              <a:t>2021/4/29</a:t>
+              <a:t>2021/4/30</a:t>
             </a:fld>
             <a:endParaRPr kumimoji="1" lang="ja-JP" altLang="en-US"/>
           </a:p>
@@ -2043,7 +2049,7 @@
           <a:p>
             <a:fld id="{429ACBA6-3996-4EC3-95CF-F2A9B9B566E0}" type="datetimeFigureOut">
               <a:rPr kumimoji="1" lang="ja-JP" altLang="en-US" smtClean="0"/>
-              <a:t>2021/4/29</a:t>
+              <a:t>2021/4/30</a:t>
             </a:fld>
             <a:endParaRPr kumimoji="1" lang="ja-JP" altLang="en-US"/>
           </a:p>
@@ -2352,7 +2358,7 @@
           <a:p>
             <a:fld id="{429ACBA6-3996-4EC3-95CF-F2A9B9B566E0}" type="datetimeFigureOut">
               <a:rPr kumimoji="1" lang="ja-JP" altLang="en-US" smtClean="0"/>
-              <a:t>2021/4/29</a:t>
+              <a:t>2021/4/30</a:t>
             </a:fld>
             <a:endParaRPr kumimoji="1" lang="ja-JP" altLang="en-US"/>
           </a:p>
@@ -2605,7 +2611,7 @@
           <a:p>
             <a:fld id="{429ACBA6-3996-4EC3-95CF-F2A9B9B566E0}" type="datetimeFigureOut">
               <a:rPr kumimoji="1" lang="ja-JP" altLang="en-US" smtClean="0"/>
-              <a:t>2021/4/29</a:t>
+              <a:t>2021/4/30</a:t>
             </a:fld>
             <a:endParaRPr kumimoji="1" lang="ja-JP" altLang="en-US"/>
           </a:p>
@@ -2850,7 +2856,7 @@
           <a:p>
             <a:fld id="{429ACBA6-3996-4EC3-95CF-F2A9B9B566E0}" type="datetimeFigureOut">
               <a:rPr kumimoji="1" lang="ja-JP" altLang="en-US" smtClean="0"/>
-              <a:t>2021/4/29</a:t>
+              <a:t>2021/4/30</a:t>
             </a:fld>
             <a:endParaRPr kumimoji="1" lang="ja-JP" altLang="en-US"/>
           </a:p>
@@ -3549,6 +3555,99 @@
           <a:p>
             <a:r>
               <a:rPr kumimoji="1" lang="ja-JP" altLang="en-US" dirty="0" smtClean="0"/>
+              <a:t>今週の作業</a:t>
+            </a:r>
+            <a:endParaRPr kumimoji="1" lang="ja-JP" altLang="en-US" dirty="0"/>
+          </a:p>
+        </p:txBody>
+      </p:sp>
+      <p:sp>
+        <p:nvSpPr>
+          <p:cNvPr id="3" name="コンテンツ プレースホルダー 2"/>
+          <p:cNvSpPr>
+            <a:spLocks noGrp="1"/>
+          </p:cNvSpPr>
+          <p:nvPr>
+            <p:ph idx="1"/>
+          </p:nvPr>
+        </p:nvSpPr>
+        <p:spPr/>
+        <p:txBody>
+          <a:bodyPr/>
+          <a:lstStyle/>
+          <a:p>
+            <a:pPr marL="0" indent="0">
+              <a:buNone/>
+            </a:pPr>
+            <a:r>
+              <a:rPr kumimoji="1" lang="en-US" altLang="ja-JP" dirty="0" smtClean="0"/>
+              <a:t>C</a:t>
+            </a:r>
+            <a:r>
+              <a:rPr kumimoji="1" lang="ja-JP" altLang="en-US" dirty="0" smtClean="0"/>
+              <a:t>言語の復習</a:t>
+            </a:r>
+            <a:endParaRPr kumimoji="1" lang="en-US" altLang="ja-JP" dirty="0" smtClean="0"/>
+          </a:p>
+          <a:p>
+            <a:pPr marL="0" indent="0">
+              <a:buNone/>
+            </a:pPr>
+            <a:r>
+              <a:rPr lang="ja-JP" altLang="en-US" smtClean="0"/>
+              <a:t>フリー音源サイトの調査</a:t>
+            </a:r>
+            <a:endParaRPr kumimoji="1" lang="ja-JP" altLang="en-US"/>
+          </a:p>
+        </p:txBody>
+      </p:sp>
+    </p:spTree>
+    <p:extLst>
+      <p:ext uri="{BB962C8B-B14F-4D97-AF65-F5344CB8AC3E}">
+        <p14:creationId xmlns:p14="http://schemas.microsoft.com/office/powerpoint/2010/main" val="2602878787"/>
+      </p:ext>
+    </p:extLst>
+  </p:cSld>
+  <p:clrMapOvr>
+    <a:masterClrMapping/>
+  </p:clrMapOvr>
+</p:sld>
+</file>
+
+<file path=ppt/slides/slide5.xml><?xml version="1.0" encoding="utf-8"?>
+<p:sld xmlns:a="http://schemas.openxmlformats.org/drawingml/2006/main" xmlns:r="http://schemas.openxmlformats.org/officeDocument/2006/relationships" xmlns:p="http://schemas.openxmlformats.org/presentationml/2006/main">
+  <p:cSld>
+    <p:spTree>
+      <p:nvGrpSpPr>
+        <p:cNvPr id="1" name=""/>
+        <p:cNvGrpSpPr/>
+        <p:nvPr/>
+      </p:nvGrpSpPr>
+      <p:grpSpPr>
+        <a:xfrm>
+          <a:off x="0" y="0"/>
+          <a:ext cx="0" cy="0"/>
+          <a:chOff x="0" y="0"/>
+          <a:chExt cx="0" cy="0"/>
+        </a:xfrm>
+      </p:grpSpPr>
+      <p:sp>
+        <p:nvSpPr>
+          <p:cNvPr id="2" name="タイトル 1"/>
+          <p:cNvSpPr>
+            <a:spLocks noGrp="1"/>
+          </p:cNvSpPr>
+          <p:nvPr>
+            <p:ph type="title"/>
+          </p:nvPr>
+        </p:nvSpPr>
+        <p:spPr/>
+        <p:txBody>
+          <a:bodyPr/>
+          <a:lstStyle/>
+          <a:p>
+            <a:r>
+              <a:rPr kumimoji="1" lang="ja-JP" altLang="en-US" dirty="0" smtClean="0"/>
               <a:t>これからやるべきこと</a:t>
             </a:r>
             <a:endParaRPr kumimoji="1" lang="ja-JP" altLang="en-US" dirty="0"/>

--- a/1821144_yoshii_sotsuken.pptx
+++ b/1821144_yoshii_sotsuken.pptx
@@ -4,11 +4,14 @@
   <p:sldMasterIdLst>
     <p:sldMasterId id="2147483648" r:id="rId1"/>
   </p:sldMasterIdLst>
+  <p:notesMasterIdLst>
+    <p:notesMasterId r:id="rId7"/>
+  </p:notesMasterIdLst>
   <p:sldIdLst>
     <p:sldId id="256" r:id="rId2"/>
-    <p:sldId id="257" r:id="rId3"/>
+    <p:sldId id="260" r:id="rId3"/>
     <p:sldId id="258" r:id="rId4"/>
-    <p:sldId id="260" r:id="rId5"/>
+    <p:sldId id="257" r:id="rId5"/>
     <p:sldId id="259" r:id="rId6"/>
   </p:sldIdLst>
   <p:sldSz cx="12192000" cy="6858000"/>
@@ -116,6 +119,388 @@
 </p:presentation>
 </file>
 
+<file path=ppt/notesMasters/notesMaster1.xml><?xml version="1.0" encoding="utf-8"?>
+<p:notesMaster xmlns:a="http://schemas.openxmlformats.org/drawingml/2006/main" xmlns:r="http://schemas.openxmlformats.org/officeDocument/2006/relationships" xmlns:p="http://schemas.openxmlformats.org/presentationml/2006/main">
+  <p:cSld>
+    <p:bg>
+      <p:bgRef idx="1001">
+        <a:schemeClr val="bg1"/>
+      </p:bgRef>
+    </p:bg>
+    <p:spTree>
+      <p:nvGrpSpPr>
+        <p:cNvPr id="1" name=""/>
+        <p:cNvGrpSpPr/>
+        <p:nvPr/>
+      </p:nvGrpSpPr>
+      <p:grpSpPr>
+        <a:xfrm>
+          <a:off x="0" y="0"/>
+          <a:ext cx="0" cy="0"/>
+          <a:chOff x="0" y="0"/>
+          <a:chExt cx="0" cy="0"/>
+        </a:xfrm>
+      </p:grpSpPr>
+      <p:sp>
+        <p:nvSpPr>
+          <p:cNvPr id="2" name="ヘッダー プレースホルダー 1"/>
+          <p:cNvSpPr>
+            <a:spLocks noGrp="1"/>
+          </p:cNvSpPr>
+          <p:nvPr>
+            <p:ph type="hdr" sz="quarter"/>
+          </p:nvPr>
+        </p:nvSpPr>
+        <p:spPr>
+          <a:xfrm>
+            <a:off x="0" y="0"/>
+            <a:ext cx="2971800" cy="458788"/>
+          </a:xfrm>
+          <a:prstGeom prst="rect">
+            <a:avLst/>
+          </a:prstGeom>
+        </p:spPr>
+        <p:txBody>
+          <a:bodyPr vert="horz" lIns="91440" tIns="45720" rIns="91440" bIns="45720" rtlCol="0"/>
+          <a:lstStyle>
+            <a:lvl1pPr algn="l">
+              <a:defRPr sz="1200"/>
+            </a:lvl1pPr>
+          </a:lstStyle>
+          <a:p>
+            <a:endParaRPr kumimoji="1" lang="ja-JP" altLang="en-US"/>
+          </a:p>
+        </p:txBody>
+      </p:sp>
+      <p:sp>
+        <p:nvSpPr>
+          <p:cNvPr id="3" name="日付プレースホルダー 2"/>
+          <p:cNvSpPr>
+            <a:spLocks noGrp="1"/>
+          </p:cNvSpPr>
+          <p:nvPr>
+            <p:ph type="dt" idx="1"/>
+          </p:nvPr>
+        </p:nvSpPr>
+        <p:spPr>
+          <a:xfrm>
+            <a:off x="3884613" y="0"/>
+            <a:ext cx="2971800" cy="458788"/>
+          </a:xfrm>
+          <a:prstGeom prst="rect">
+            <a:avLst/>
+          </a:prstGeom>
+        </p:spPr>
+        <p:txBody>
+          <a:bodyPr vert="horz" lIns="91440" tIns="45720" rIns="91440" bIns="45720" rtlCol="0"/>
+          <a:lstStyle>
+            <a:lvl1pPr algn="r">
+              <a:defRPr sz="1200"/>
+            </a:lvl1pPr>
+          </a:lstStyle>
+          <a:p>
+            <a:fld id="{BCB9648B-AEFE-42C2-8ABD-77434AB00849}" type="datetimeFigureOut">
+              <a:rPr kumimoji="1" lang="ja-JP" altLang="en-US" smtClean="0"/>
+              <a:t>2021/4/30</a:t>
+            </a:fld>
+            <a:endParaRPr kumimoji="1" lang="ja-JP" altLang="en-US"/>
+          </a:p>
+        </p:txBody>
+      </p:sp>
+      <p:sp>
+        <p:nvSpPr>
+          <p:cNvPr id="4" name="スライド イメージ プレースホルダー 3"/>
+          <p:cNvSpPr>
+            <a:spLocks noGrp="1" noRot="1" noChangeAspect="1"/>
+          </p:cNvSpPr>
+          <p:nvPr>
+            <p:ph type="sldImg" idx="2"/>
+          </p:nvPr>
+        </p:nvSpPr>
+        <p:spPr>
+          <a:xfrm>
+            <a:off x="685800" y="1143000"/>
+            <a:ext cx="5486400" cy="3086100"/>
+          </a:xfrm>
+          <a:prstGeom prst="rect">
+            <a:avLst/>
+          </a:prstGeom>
+          <a:noFill/>
+          <a:ln w="12700">
+            <a:solidFill>
+              <a:prstClr val="black"/>
+            </a:solidFill>
+          </a:ln>
+        </p:spPr>
+        <p:txBody>
+          <a:bodyPr vert="horz" lIns="91440" tIns="45720" rIns="91440" bIns="45720" rtlCol="0" anchor="ctr"/>
+          <a:lstStyle/>
+          <a:p>
+            <a:endParaRPr lang="ja-JP" altLang="en-US"/>
+          </a:p>
+        </p:txBody>
+      </p:sp>
+      <p:sp>
+        <p:nvSpPr>
+          <p:cNvPr id="5" name="ノート プレースホルダー 4"/>
+          <p:cNvSpPr>
+            <a:spLocks noGrp="1"/>
+          </p:cNvSpPr>
+          <p:nvPr>
+            <p:ph type="body" sz="quarter" idx="3"/>
+          </p:nvPr>
+        </p:nvSpPr>
+        <p:spPr>
+          <a:xfrm>
+            <a:off x="685800" y="4400550"/>
+            <a:ext cx="5486400" cy="3600450"/>
+          </a:xfrm>
+          <a:prstGeom prst="rect">
+            <a:avLst/>
+          </a:prstGeom>
+        </p:spPr>
+        <p:txBody>
+          <a:bodyPr vert="horz" lIns="91440" tIns="45720" rIns="91440" bIns="45720" rtlCol="0"/>
+          <a:lstStyle/>
+          <a:p>
+            <a:pPr lvl="0"/>
+            <a:r>
+              <a:rPr kumimoji="1" lang="ja-JP" altLang="en-US" smtClean="0"/>
+              <a:t>マスター テキストの書式設定</a:t>
+            </a:r>
+          </a:p>
+          <a:p>
+            <a:pPr lvl="1"/>
+            <a:r>
+              <a:rPr kumimoji="1" lang="ja-JP" altLang="en-US" smtClean="0"/>
+              <a:t>第 </a:t>
+            </a:r>
+            <a:r>
+              <a:rPr kumimoji="1" lang="en-US" altLang="ja-JP" smtClean="0"/>
+              <a:t>2 </a:t>
+            </a:r>
+            <a:r>
+              <a:rPr kumimoji="1" lang="ja-JP" altLang="en-US" smtClean="0"/>
+              <a:t>レベル</a:t>
+            </a:r>
+          </a:p>
+          <a:p>
+            <a:pPr lvl="2"/>
+            <a:r>
+              <a:rPr kumimoji="1" lang="ja-JP" altLang="en-US" smtClean="0"/>
+              <a:t>第 </a:t>
+            </a:r>
+            <a:r>
+              <a:rPr kumimoji="1" lang="en-US" altLang="ja-JP" smtClean="0"/>
+              <a:t>3 </a:t>
+            </a:r>
+            <a:r>
+              <a:rPr kumimoji="1" lang="ja-JP" altLang="en-US" smtClean="0"/>
+              <a:t>レベル</a:t>
+            </a:r>
+          </a:p>
+          <a:p>
+            <a:pPr lvl="3"/>
+            <a:r>
+              <a:rPr kumimoji="1" lang="ja-JP" altLang="en-US" smtClean="0"/>
+              <a:t>第 </a:t>
+            </a:r>
+            <a:r>
+              <a:rPr kumimoji="1" lang="en-US" altLang="ja-JP" smtClean="0"/>
+              <a:t>4 </a:t>
+            </a:r>
+            <a:r>
+              <a:rPr kumimoji="1" lang="ja-JP" altLang="en-US" smtClean="0"/>
+              <a:t>レベル</a:t>
+            </a:r>
+          </a:p>
+          <a:p>
+            <a:pPr lvl="4"/>
+            <a:r>
+              <a:rPr kumimoji="1" lang="ja-JP" altLang="en-US" smtClean="0"/>
+              <a:t>第 </a:t>
+            </a:r>
+            <a:r>
+              <a:rPr kumimoji="1" lang="en-US" altLang="ja-JP" smtClean="0"/>
+              <a:t>5 </a:t>
+            </a:r>
+            <a:r>
+              <a:rPr kumimoji="1" lang="ja-JP" altLang="en-US" smtClean="0"/>
+              <a:t>レベル</a:t>
+            </a:r>
+            <a:endParaRPr kumimoji="1" lang="ja-JP" altLang="en-US"/>
+          </a:p>
+        </p:txBody>
+      </p:sp>
+      <p:sp>
+        <p:nvSpPr>
+          <p:cNvPr id="6" name="フッター プレースホルダー 5"/>
+          <p:cNvSpPr>
+            <a:spLocks noGrp="1"/>
+          </p:cNvSpPr>
+          <p:nvPr>
+            <p:ph type="ftr" sz="quarter" idx="4"/>
+          </p:nvPr>
+        </p:nvSpPr>
+        <p:spPr>
+          <a:xfrm>
+            <a:off x="0" y="8685213"/>
+            <a:ext cx="2971800" cy="458787"/>
+          </a:xfrm>
+          <a:prstGeom prst="rect">
+            <a:avLst/>
+          </a:prstGeom>
+        </p:spPr>
+        <p:txBody>
+          <a:bodyPr vert="horz" lIns="91440" tIns="45720" rIns="91440" bIns="45720" rtlCol="0" anchor="b"/>
+          <a:lstStyle>
+            <a:lvl1pPr algn="l">
+              <a:defRPr sz="1200"/>
+            </a:lvl1pPr>
+          </a:lstStyle>
+          <a:p>
+            <a:endParaRPr kumimoji="1" lang="ja-JP" altLang="en-US"/>
+          </a:p>
+        </p:txBody>
+      </p:sp>
+      <p:sp>
+        <p:nvSpPr>
+          <p:cNvPr id="7" name="スライド番号プレースホルダー 6"/>
+          <p:cNvSpPr>
+            <a:spLocks noGrp="1"/>
+          </p:cNvSpPr>
+          <p:nvPr>
+            <p:ph type="sldNum" sz="quarter" idx="5"/>
+          </p:nvPr>
+        </p:nvSpPr>
+        <p:spPr>
+          <a:xfrm>
+            <a:off x="3884613" y="8685213"/>
+            <a:ext cx="2971800" cy="458787"/>
+          </a:xfrm>
+          <a:prstGeom prst="rect">
+            <a:avLst/>
+          </a:prstGeom>
+        </p:spPr>
+        <p:txBody>
+          <a:bodyPr vert="horz" lIns="91440" tIns="45720" rIns="91440" bIns="45720" rtlCol="0" anchor="b"/>
+          <a:lstStyle>
+            <a:lvl1pPr algn="r">
+              <a:defRPr sz="1200"/>
+            </a:lvl1pPr>
+          </a:lstStyle>
+          <a:p>
+            <a:fld id="{65BBA0F7-DD84-4D6D-9D85-4C2845D92025}" type="slidenum">
+              <a:rPr kumimoji="1" lang="ja-JP" altLang="en-US" smtClean="0"/>
+              <a:t>‹#›</a:t>
+            </a:fld>
+            <a:endParaRPr kumimoji="1" lang="ja-JP" altLang="en-US"/>
+          </a:p>
+        </p:txBody>
+      </p:sp>
+    </p:spTree>
+    <p:extLst>
+      <p:ext uri="{BB962C8B-B14F-4D97-AF65-F5344CB8AC3E}">
+        <p14:creationId xmlns:p14="http://schemas.microsoft.com/office/powerpoint/2010/main" val="486126909"/>
+      </p:ext>
+    </p:extLst>
+  </p:cSld>
+  <p:clrMap bg1="lt1" tx1="dk1" bg2="lt2" tx2="dk2" accent1="accent1" accent2="accent2" accent3="accent3" accent4="accent4" accent5="accent5" accent6="accent6" hlink="hlink" folHlink="folHlink"/>
+  <p:notesStyle>
+    <a:lvl1pPr marL="0" algn="l" defTabSz="914400" rtl="0" eaLnBrk="1" latinLnBrk="0" hangingPunct="1">
+      <a:defRPr kumimoji="1" sz="1200" kern="1200">
+        <a:solidFill>
+          <a:schemeClr val="tx1"/>
+        </a:solidFill>
+        <a:latin typeface="+mn-lt"/>
+        <a:ea typeface="+mn-ea"/>
+        <a:cs typeface="+mn-cs"/>
+      </a:defRPr>
+    </a:lvl1pPr>
+    <a:lvl2pPr marL="457200" algn="l" defTabSz="914400" rtl="0" eaLnBrk="1" latinLnBrk="0" hangingPunct="1">
+      <a:defRPr kumimoji="1" sz="1200" kern="1200">
+        <a:solidFill>
+          <a:schemeClr val="tx1"/>
+        </a:solidFill>
+        <a:latin typeface="+mn-lt"/>
+        <a:ea typeface="+mn-ea"/>
+        <a:cs typeface="+mn-cs"/>
+      </a:defRPr>
+    </a:lvl2pPr>
+    <a:lvl3pPr marL="914400" algn="l" defTabSz="914400" rtl="0" eaLnBrk="1" latinLnBrk="0" hangingPunct="1">
+      <a:defRPr kumimoji="1" sz="1200" kern="1200">
+        <a:solidFill>
+          <a:schemeClr val="tx1"/>
+        </a:solidFill>
+        <a:latin typeface="+mn-lt"/>
+        <a:ea typeface="+mn-ea"/>
+        <a:cs typeface="+mn-cs"/>
+      </a:defRPr>
+    </a:lvl3pPr>
+    <a:lvl4pPr marL="1371600" algn="l" defTabSz="914400" rtl="0" eaLnBrk="1" latinLnBrk="0" hangingPunct="1">
+      <a:defRPr kumimoji="1" sz="1200" kern="1200">
+        <a:solidFill>
+          <a:schemeClr val="tx1"/>
+        </a:solidFill>
+        <a:latin typeface="+mn-lt"/>
+        <a:ea typeface="+mn-ea"/>
+        <a:cs typeface="+mn-cs"/>
+      </a:defRPr>
+    </a:lvl4pPr>
+    <a:lvl5pPr marL="1828800" algn="l" defTabSz="914400" rtl="0" eaLnBrk="1" latinLnBrk="0" hangingPunct="1">
+      <a:defRPr kumimoji="1" sz="1200" kern="1200">
+        <a:solidFill>
+          <a:schemeClr val="tx1"/>
+        </a:solidFill>
+        <a:latin typeface="+mn-lt"/>
+        <a:ea typeface="+mn-ea"/>
+        <a:cs typeface="+mn-cs"/>
+      </a:defRPr>
+    </a:lvl5pPr>
+    <a:lvl6pPr marL="2286000" algn="l" defTabSz="914400" rtl="0" eaLnBrk="1" latinLnBrk="0" hangingPunct="1">
+      <a:defRPr kumimoji="1" sz="1200" kern="1200">
+        <a:solidFill>
+          <a:schemeClr val="tx1"/>
+        </a:solidFill>
+        <a:latin typeface="+mn-lt"/>
+        <a:ea typeface="+mn-ea"/>
+        <a:cs typeface="+mn-cs"/>
+      </a:defRPr>
+    </a:lvl6pPr>
+    <a:lvl7pPr marL="2743200" algn="l" defTabSz="914400" rtl="0" eaLnBrk="1" latinLnBrk="0" hangingPunct="1">
+      <a:defRPr kumimoji="1" sz="1200" kern="1200">
+        <a:solidFill>
+          <a:schemeClr val="tx1"/>
+        </a:solidFill>
+        <a:latin typeface="+mn-lt"/>
+        <a:ea typeface="+mn-ea"/>
+        <a:cs typeface="+mn-cs"/>
+      </a:defRPr>
+    </a:lvl7pPr>
+    <a:lvl8pPr marL="3200400" algn="l" defTabSz="914400" rtl="0" eaLnBrk="1" latinLnBrk="0" hangingPunct="1">
+      <a:defRPr kumimoji="1" sz="1200" kern="1200">
+        <a:solidFill>
+          <a:schemeClr val="tx1"/>
+        </a:solidFill>
+        <a:latin typeface="+mn-lt"/>
+        <a:ea typeface="+mn-ea"/>
+        <a:cs typeface="+mn-cs"/>
+      </a:defRPr>
+    </a:lvl8pPr>
+    <a:lvl9pPr marL="3657600" algn="l" defTabSz="914400" rtl="0" eaLnBrk="1" latinLnBrk="0" hangingPunct="1">
+      <a:defRPr kumimoji="1" sz="1200" kern="1200">
+        <a:solidFill>
+          <a:schemeClr val="tx1"/>
+        </a:solidFill>
+        <a:latin typeface="+mn-lt"/>
+        <a:ea typeface="+mn-ea"/>
+        <a:cs typeface="+mn-cs"/>
+      </a:defRPr>
+    </a:lvl9pPr>
+  </p:notesStyle>
+</p:notesMaster>
+</file>
+
 <file path=ppt/slideLayouts/slideLayout1.xml><?xml version="1.0" encoding="utf-8"?>
 <p:sldLayout xmlns:a="http://schemas.openxmlformats.org/drawingml/2006/main" xmlns:r="http://schemas.openxmlformats.org/officeDocument/2006/relationships" xmlns:p="http://schemas.openxmlformats.org/presentationml/2006/main" type="title" preserve="1">
   <p:cSld name="タイトル スライド">
@@ -245,7 +630,7 @@
           <a:bodyPr/>
           <a:lstStyle/>
           <a:p>
-            <a:fld id="{429ACBA6-3996-4EC3-95CF-F2A9B9B566E0}" type="datetimeFigureOut">
+            <a:fld id="{BC0FC1BD-A483-4243-B6A9-AEA49E313BC4}" type="datetime1">
               <a:rPr kumimoji="1" lang="ja-JP" altLang="en-US" smtClean="0"/>
               <a:t>2021/4/30</a:t>
             </a:fld>
@@ -447,7 +832,7 @@
           <a:bodyPr/>
           <a:lstStyle/>
           <a:p>
-            <a:fld id="{429ACBA6-3996-4EC3-95CF-F2A9B9B566E0}" type="datetimeFigureOut">
+            <a:fld id="{AA5417CA-F50F-45D8-8913-A64CBDFEAA11}" type="datetime1">
               <a:rPr kumimoji="1" lang="ja-JP" altLang="en-US" smtClean="0"/>
               <a:t>2021/4/30</a:t>
             </a:fld>
@@ -659,7 +1044,7 @@
           <a:bodyPr/>
           <a:lstStyle/>
           <a:p>
-            <a:fld id="{429ACBA6-3996-4EC3-95CF-F2A9B9B566E0}" type="datetimeFigureOut">
+            <a:fld id="{1227B52B-1226-4738-9D37-1BA9FBAC9F1D}" type="datetime1">
               <a:rPr kumimoji="1" lang="ja-JP" altLang="en-US" smtClean="0"/>
               <a:t>2021/4/30</a:t>
             </a:fld>
@@ -861,7 +1246,7 @@
           <a:bodyPr/>
           <a:lstStyle/>
           <a:p>
-            <a:fld id="{429ACBA6-3996-4EC3-95CF-F2A9B9B566E0}" type="datetimeFigureOut">
+            <a:fld id="{5C85E33D-31B1-4591-8E9C-3E936DED5E92}" type="datetime1">
               <a:rPr kumimoji="1" lang="ja-JP" altLang="en-US" smtClean="0"/>
               <a:t>2021/4/30</a:t>
             </a:fld>
@@ -1107,7 +1492,7 @@
           <a:bodyPr/>
           <a:lstStyle/>
           <a:p>
-            <a:fld id="{429ACBA6-3996-4EC3-95CF-F2A9B9B566E0}" type="datetimeFigureOut">
+            <a:fld id="{F27CD682-BF66-4B8E-8A63-21501F91F5E3}" type="datetime1">
               <a:rPr kumimoji="1" lang="ja-JP" altLang="en-US" smtClean="0"/>
               <a:t>2021/4/30</a:t>
             </a:fld>
@@ -1403,7 +1788,7 @@
           <a:bodyPr/>
           <a:lstStyle/>
           <a:p>
-            <a:fld id="{429ACBA6-3996-4EC3-95CF-F2A9B9B566E0}" type="datetimeFigureOut">
+            <a:fld id="{27378C8D-7596-446D-AFEB-50FDD143704D}" type="datetime1">
               <a:rPr kumimoji="1" lang="ja-JP" altLang="en-US" smtClean="0"/>
               <a:t>2021/4/30</a:t>
             </a:fld>
@@ -1834,7 +2219,7 @@
           <a:bodyPr/>
           <a:lstStyle/>
           <a:p>
-            <a:fld id="{429ACBA6-3996-4EC3-95CF-F2A9B9B566E0}" type="datetimeFigureOut">
+            <a:fld id="{A040A03A-A697-4819-835E-F2749A1B35C9}" type="datetime1">
               <a:rPr kumimoji="1" lang="ja-JP" altLang="en-US" smtClean="0"/>
               <a:t>2021/4/30</a:t>
             </a:fld>
@@ -1952,7 +2337,7 @@
           <a:bodyPr/>
           <a:lstStyle/>
           <a:p>
-            <a:fld id="{429ACBA6-3996-4EC3-95CF-F2A9B9B566E0}" type="datetimeFigureOut">
+            <a:fld id="{868B2368-AD31-4716-AEAE-64986817D583}" type="datetime1">
               <a:rPr kumimoji="1" lang="ja-JP" altLang="en-US" smtClean="0"/>
               <a:t>2021/4/30</a:t>
             </a:fld>
@@ -2047,7 +2432,7 @@
           <a:bodyPr/>
           <a:lstStyle/>
           <a:p>
-            <a:fld id="{429ACBA6-3996-4EC3-95CF-F2A9B9B566E0}" type="datetimeFigureOut">
+            <a:fld id="{756D2065-9F54-400B-9D14-6A1CF037C9AC}" type="datetime1">
               <a:rPr kumimoji="1" lang="ja-JP" altLang="en-US" smtClean="0"/>
               <a:t>2021/4/30</a:t>
             </a:fld>
@@ -2356,7 +2741,7 @@
           <a:bodyPr/>
           <a:lstStyle/>
           <a:p>
-            <a:fld id="{429ACBA6-3996-4EC3-95CF-F2A9B9B566E0}" type="datetimeFigureOut">
+            <a:fld id="{BE9CA775-0781-467A-832A-6C4D4E629D1E}" type="datetime1">
               <a:rPr kumimoji="1" lang="ja-JP" altLang="en-US" smtClean="0"/>
               <a:t>2021/4/30</a:t>
             </a:fld>
@@ -2609,7 +2994,7 @@
           <a:bodyPr/>
           <a:lstStyle/>
           <a:p>
-            <a:fld id="{429ACBA6-3996-4EC3-95CF-F2A9B9B566E0}" type="datetimeFigureOut">
+            <a:fld id="{A451F554-8CDE-45DC-9560-FC94B5583924}" type="datetime1">
               <a:rPr kumimoji="1" lang="ja-JP" altLang="en-US" smtClean="0"/>
               <a:t>2021/4/30</a:t>
             </a:fld>
@@ -2854,7 +3239,7 @@
             </a:lvl1pPr>
           </a:lstStyle>
           <a:p>
-            <a:fld id="{429ACBA6-3996-4EC3-95CF-F2A9B9B566E0}" type="datetimeFigureOut">
+            <a:fld id="{D7A02573-CF0B-4069-B388-0FE957D4161C}" type="datetime1">
               <a:rPr kumimoji="1" lang="ja-JP" altLang="en-US" smtClean="0"/>
               <a:t>2021/4/30</a:t>
             </a:fld>
@@ -2961,6 +3346,7 @@
     <p:sldLayoutId id="2147483658" r:id="rId10"/>
     <p:sldLayoutId id="2147483659" r:id="rId11"/>
   </p:sldLayoutIdLst>
+  <p:hf hdr="0" ftr="0" dt="0"/>
   <p:txStyles>
     <p:titleStyle>
       <a:lvl1pPr algn="l" defTabSz="914400" rtl="0" eaLnBrk="1" latinLnBrk="0" hangingPunct="1">
@@ -3316,6 +3702,29 @@
           </a:p>
         </p:txBody>
       </p:sp>
+      <p:sp>
+        <p:nvSpPr>
+          <p:cNvPr id="3" name="スライド番号プレースホルダー 2"/>
+          <p:cNvSpPr>
+            <a:spLocks noGrp="1"/>
+          </p:cNvSpPr>
+          <p:nvPr>
+            <p:ph type="sldNum" sz="quarter" idx="12"/>
+          </p:nvPr>
+        </p:nvSpPr>
+        <p:spPr/>
+        <p:txBody>
+          <a:bodyPr/>
+          <a:lstStyle/>
+          <a:p>
+            <a:fld id="{82B0F181-4DAC-4AF6-AAF0-BC662F10B70B}" type="slidenum">
+              <a:rPr kumimoji="1" lang="ja-JP" altLang="en-US" smtClean="0"/>
+              <a:t>1</a:t>
+            </a:fld>
+            <a:endParaRPr kumimoji="1" lang="ja-JP" altLang="en-US"/>
+          </a:p>
+        </p:txBody>
+      </p:sp>
     </p:spTree>
     <p:extLst>
       <p:ext uri="{BB962C8B-B14F-4D97-AF65-F5344CB8AC3E}">
@@ -3326,6 +3735,13 @@
   <p:clrMapOvr>
     <a:masterClrMapping/>
   </p:clrMapOvr>
+  <p:timing>
+    <p:tnLst>
+      <p:par>
+        <p:cTn id="1" dur="indefinite" restart="never" nodeType="tmRoot"/>
+      </p:par>
+    </p:tnLst>
+  </p:timing>
 </p:sld>
 </file>
 
@@ -3348,6 +3764,29 @@
       </p:grpSpPr>
       <p:sp>
         <p:nvSpPr>
+          <p:cNvPr id="2" name="タイトル 1"/>
+          <p:cNvSpPr>
+            <a:spLocks noGrp="1"/>
+          </p:cNvSpPr>
+          <p:nvPr>
+            <p:ph type="title"/>
+          </p:nvPr>
+        </p:nvSpPr>
+        <p:spPr/>
+        <p:txBody>
+          <a:bodyPr/>
+          <a:lstStyle/>
+          <a:p>
+            <a:r>
+              <a:rPr kumimoji="1" lang="ja-JP" altLang="en-US" dirty="0" smtClean="0"/>
+              <a:t>今週の作業</a:t>
+            </a:r>
+            <a:endParaRPr kumimoji="1" lang="ja-JP" altLang="en-US" dirty="0"/>
+          </a:p>
+        </p:txBody>
+      </p:sp>
+      <p:sp>
+        <p:nvSpPr>
           <p:cNvPr id="3" name="コンテンツ プレースホルダー 2"/>
           <p:cNvSpPr>
             <a:spLocks noGrp="1"/>
@@ -3356,61 +3795,99 @@
             <p:ph idx="1"/>
           </p:nvPr>
         </p:nvSpPr>
-        <p:spPr>
-          <a:xfrm>
-            <a:off x="838200" y="609600"/>
-            <a:ext cx="10515600" cy="5567363"/>
-          </a:xfrm>
-        </p:spPr>
-        <p:txBody>
-          <a:bodyPr>
-            <a:normAutofit/>
-          </a:bodyPr>
+        <p:spPr/>
+        <p:txBody>
+          <a:bodyPr/>
           <a:lstStyle/>
           <a:p>
             <a:pPr marL="0" indent="0">
               <a:buNone/>
             </a:pPr>
             <a:r>
-              <a:rPr lang="ja-JP" altLang="en-US" sz="4000" dirty="0"/>
-              <a:t>観光地推薦</a:t>
-            </a:r>
-            <a:r>
-              <a:rPr lang="ja-JP" altLang="en-US" sz="4000" dirty="0" smtClean="0"/>
-              <a:t>に合う</a:t>
-            </a:r>
-            <a:r>
-              <a:rPr lang="en-US" altLang="ja-JP" sz="4000" dirty="0" smtClean="0"/>
-              <a:t>BGM</a:t>
-            </a:r>
-            <a:r>
-              <a:rPr lang="ja-JP" altLang="en-US" sz="4000" dirty="0" smtClean="0"/>
-              <a:t>や音楽</a:t>
-            </a:r>
-            <a:endParaRPr lang="en-US" altLang="ja-JP" sz="4000" dirty="0" smtClean="0"/>
+              <a:rPr kumimoji="1" lang="en-US" altLang="ja-JP" dirty="0" smtClean="0"/>
+              <a:t>C</a:t>
+            </a:r>
+            <a:r>
+              <a:rPr kumimoji="1" lang="ja-JP" altLang="en-US" dirty="0" smtClean="0"/>
+              <a:t>言語の復習</a:t>
+            </a:r>
+            <a:endParaRPr kumimoji="1" lang="en-US" altLang="ja-JP" dirty="0" smtClean="0"/>
           </a:p>
           <a:p>
             <a:pPr marL="0" indent="0">
               <a:buNone/>
             </a:pPr>
-            <a:endParaRPr kumimoji="1" lang="en-US" altLang="ja-JP" sz="3200" dirty="0" smtClean="0"/>
+            <a:r>
+              <a:rPr lang="ja-JP" altLang="en-US" dirty="0" smtClean="0"/>
+              <a:t>フリー音源サイトの</a:t>
+            </a:r>
+            <a:r>
+              <a:rPr lang="ja-JP" altLang="en-US" dirty="0" smtClean="0"/>
+              <a:t>調査</a:t>
+            </a:r>
+            <a:endParaRPr lang="en-US" altLang="ja-JP" dirty="0" smtClean="0"/>
           </a:p>
           <a:p>
             <a:pPr marL="0" indent="0">
               <a:buNone/>
             </a:pPr>
             <a:r>
-              <a:rPr kumimoji="1" lang="ja-JP" altLang="en-US" sz="3200" dirty="0" smtClean="0"/>
-              <a:t>→イメージ的には優雅なものや壮大なもの</a:t>
-            </a:r>
-            <a:endParaRPr kumimoji="1" lang="en-US" altLang="ja-JP" sz="3200" dirty="0" smtClean="0"/>
+              <a:rPr lang="ja-JP" altLang="en-US" dirty="0"/>
+              <a:t>音楽と印象の関係性についての</a:t>
+            </a:r>
+            <a:r>
+              <a:rPr lang="ja-JP" altLang="en-US" dirty="0" smtClean="0"/>
+              <a:t>調査</a:t>
+            </a:r>
+            <a:r>
+              <a:rPr lang="en-US" altLang="ja-JP" dirty="0" smtClean="0"/>
+              <a:t>(</a:t>
+            </a:r>
+            <a:r>
+              <a:rPr lang="ja-JP" altLang="en-US" dirty="0" smtClean="0"/>
+              <a:t>途中</a:t>
+            </a:r>
+            <a:r>
+              <a:rPr lang="en-US" altLang="ja-JP" dirty="0" smtClean="0"/>
+              <a:t>)</a:t>
+            </a:r>
+            <a:endParaRPr lang="en-US" altLang="ja-JP" dirty="0"/>
+          </a:p>
+          <a:p>
+            <a:pPr marL="0" indent="0">
+              <a:buNone/>
+            </a:pPr>
+            <a:endParaRPr kumimoji="1" lang="ja-JP" altLang="en-US" dirty="0"/>
+          </a:p>
+        </p:txBody>
+      </p:sp>
+      <p:sp>
+        <p:nvSpPr>
+          <p:cNvPr id="4" name="スライド番号プレースホルダー 3"/>
+          <p:cNvSpPr>
+            <a:spLocks noGrp="1"/>
+          </p:cNvSpPr>
+          <p:nvPr>
+            <p:ph type="sldNum" sz="quarter" idx="12"/>
+          </p:nvPr>
+        </p:nvSpPr>
+        <p:spPr/>
+        <p:txBody>
+          <a:bodyPr/>
+          <a:lstStyle/>
+          <a:p>
+            <a:fld id="{82B0F181-4DAC-4AF6-AAF0-BC662F10B70B}" type="slidenum">
+              <a:rPr kumimoji="1" lang="ja-JP" altLang="en-US" smtClean="0"/>
+              <a:t>2</a:t>
+            </a:fld>
+            <a:endParaRPr kumimoji="1" lang="ja-JP" altLang="en-US"/>
           </a:p>
         </p:txBody>
       </p:sp>
     </p:spTree>
     <p:extLst>
       <p:ext uri="{BB962C8B-B14F-4D97-AF65-F5344CB8AC3E}">
-        <p14:creationId xmlns:p14="http://schemas.microsoft.com/office/powerpoint/2010/main" val="294407275"/>
+        <p14:creationId xmlns:p14="http://schemas.microsoft.com/office/powerpoint/2010/main" val="2602878787"/>
       </p:ext>
     </p:extLst>
   </p:cSld>
@@ -3505,6 +3982,29 @@
               <a:t>見つかるはず</a:t>
             </a:r>
             <a:endParaRPr kumimoji="1" lang="ja-JP" altLang="en-US" dirty="0"/>
+          </a:p>
+        </p:txBody>
+      </p:sp>
+      <p:sp>
+        <p:nvSpPr>
+          <p:cNvPr id="4" name="スライド番号プレースホルダー 3"/>
+          <p:cNvSpPr>
+            <a:spLocks noGrp="1"/>
+          </p:cNvSpPr>
+          <p:nvPr>
+            <p:ph type="sldNum" sz="quarter" idx="12"/>
+          </p:nvPr>
+        </p:nvSpPr>
+        <p:spPr/>
+        <p:txBody>
+          <a:bodyPr/>
+          <a:lstStyle/>
+          <a:p>
+            <a:fld id="{82B0F181-4DAC-4AF6-AAF0-BC662F10B70B}" type="slidenum">
+              <a:rPr kumimoji="1" lang="ja-JP" altLang="en-US" smtClean="0"/>
+              <a:t>3</a:t>
+            </a:fld>
+            <a:endParaRPr kumimoji="1" lang="ja-JP" altLang="en-US"/>
           </a:p>
         </p:txBody>
       </p:sp>
@@ -3540,29 +4040,6 @@
       </p:grpSpPr>
       <p:sp>
         <p:nvSpPr>
-          <p:cNvPr id="2" name="タイトル 1"/>
-          <p:cNvSpPr>
-            <a:spLocks noGrp="1"/>
-          </p:cNvSpPr>
-          <p:nvPr>
-            <p:ph type="title"/>
-          </p:nvPr>
-        </p:nvSpPr>
-        <p:spPr/>
-        <p:txBody>
-          <a:bodyPr/>
-          <a:lstStyle/>
-          <a:p>
-            <a:r>
-              <a:rPr kumimoji="1" lang="ja-JP" altLang="en-US" dirty="0" smtClean="0"/>
-              <a:t>今週の作業</a:t>
-            </a:r>
-            <a:endParaRPr kumimoji="1" lang="ja-JP" altLang="en-US" dirty="0"/>
-          </a:p>
-        </p:txBody>
-      </p:sp>
-      <p:sp>
-        <p:nvSpPr>
           <p:cNvPr id="3" name="コンテンツ プレースホルダー 2"/>
           <p:cNvSpPr>
             <a:spLocks noGrp="1"/>
@@ -3571,32 +4048,80 @@
             <p:ph idx="1"/>
           </p:nvPr>
         </p:nvSpPr>
-        <p:spPr/>
-        <p:txBody>
-          <a:bodyPr/>
+        <p:spPr>
+          <a:xfrm>
+            <a:off x="838200" y="609600"/>
+            <a:ext cx="10515600" cy="5567363"/>
+          </a:xfrm>
+        </p:spPr>
+        <p:txBody>
+          <a:bodyPr>
+            <a:normAutofit/>
+          </a:bodyPr>
           <a:lstStyle/>
           <a:p>
             <a:pPr marL="0" indent="0">
               <a:buNone/>
             </a:pPr>
             <a:r>
-              <a:rPr kumimoji="1" lang="en-US" altLang="ja-JP" dirty="0" smtClean="0"/>
-              <a:t>C</a:t>
-            </a:r>
-            <a:r>
-              <a:rPr kumimoji="1" lang="ja-JP" altLang="en-US" dirty="0" smtClean="0"/>
-              <a:t>言語の復習</a:t>
-            </a:r>
-            <a:endParaRPr kumimoji="1" lang="en-US" altLang="ja-JP" dirty="0" smtClean="0"/>
+              <a:rPr lang="ja-JP" altLang="en-US" sz="4000" dirty="0"/>
+              <a:t>観光地推薦</a:t>
+            </a:r>
+            <a:r>
+              <a:rPr lang="ja-JP" altLang="en-US" sz="4000" dirty="0" smtClean="0"/>
+              <a:t>に合う</a:t>
+            </a:r>
+            <a:r>
+              <a:rPr lang="en-US" altLang="ja-JP" sz="4000" dirty="0" smtClean="0"/>
+              <a:t>BGM</a:t>
+            </a:r>
+            <a:r>
+              <a:rPr lang="ja-JP" altLang="en-US" sz="4000" dirty="0" smtClean="0"/>
+              <a:t>や音楽</a:t>
+            </a:r>
+            <a:endParaRPr lang="en-US" altLang="ja-JP" sz="4000" dirty="0" smtClean="0"/>
           </a:p>
           <a:p>
             <a:pPr marL="0" indent="0">
               <a:buNone/>
             </a:pPr>
-            <a:r>
-              <a:rPr lang="ja-JP" altLang="en-US" smtClean="0"/>
-              <a:t>フリー音源サイトの調査</a:t>
-            </a:r>
+            <a:endParaRPr kumimoji="1" lang="en-US" altLang="ja-JP" sz="3200" dirty="0" smtClean="0"/>
+          </a:p>
+          <a:p>
+            <a:pPr marL="0" indent="0">
+              <a:buNone/>
+            </a:pPr>
+            <a:r>
+              <a:rPr kumimoji="1" lang="ja-JP" altLang="en-US" sz="3200" dirty="0" smtClean="0"/>
+              <a:t>→イメージ的には優雅なものや壮大な</a:t>
+            </a:r>
+            <a:r>
+              <a:rPr kumimoji="1" lang="ja-JP" altLang="en-US" sz="3200" dirty="0" smtClean="0"/>
+              <a:t>もの軽快なもの</a:t>
+            </a:r>
+            <a:endParaRPr kumimoji="1" lang="en-US" altLang="ja-JP" sz="3200" dirty="0" smtClean="0"/>
+          </a:p>
+        </p:txBody>
+      </p:sp>
+      <p:sp>
+        <p:nvSpPr>
+          <p:cNvPr id="2" name="スライド番号プレースホルダー 1"/>
+          <p:cNvSpPr>
+            <a:spLocks noGrp="1"/>
+          </p:cNvSpPr>
+          <p:nvPr>
+            <p:ph type="sldNum" sz="quarter" idx="12"/>
+          </p:nvPr>
+        </p:nvSpPr>
+        <p:spPr/>
+        <p:txBody>
+          <a:bodyPr/>
+          <a:lstStyle/>
+          <a:p>
+            <a:fld id="{82B0F181-4DAC-4AF6-AAF0-BC662F10B70B}" type="slidenum">
+              <a:rPr kumimoji="1" lang="ja-JP" altLang="en-US" smtClean="0"/>
+              <a:t>4</a:t>
+            </a:fld>
             <a:endParaRPr kumimoji="1" lang="ja-JP" altLang="en-US"/>
           </a:p>
         </p:txBody>
@@ -3604,13 +4129,20 @@
     </p:spTree>
     <p:extLst>
       <p:ext uri="{BB962C8B-B14F-4D97-AF65-F5344CB8AC3E}">
-        <p14:creationId xmlns:p14="http://schemas.microsoft.com/office/powerpoint/2010/main" val="2602878787"/>
+        <p14:creationId xmlns:p14="http://schemas.microsoft.com/office/powerpoint/2010/main" val="294407275"/>
       </p:ext>
     </p:extLst>
   </p:cSld>
   <p:clrMapOvr>
     <a:masterClrMapping/>
   </p:clrMapOvr>
+  <p:timing>
+    <p:tnLst>
+      <p:par>
+        <p:cTn id="1" dur="indefinite" restart="never" nodeType="tmRoot"/>
+      </p:par>
+    </p:tnLst>
+  </p:timing>
 </p:sld>
 </file>
 
@@ -3673,10 +4205,6 @@
               <a:buNone/>
             </a:pPr>
             <a:r>
-              <a:rPr kumimoji="1" lang="ja-JP" altLang="en-US" dirty="0" smtClean="0"/>
-              <a:t>・</a:t>
-            </a:r>
-            <a:r>
               <a:rPr kumimoji="1" lang="en-US" altLang="ja-JP" dirty="0" smtClean="0"/>
               <a:t>Python</a:t>
             </a:r>
@@ -3692,7 +4220,11 @@
             </a:pPr>
             <a:r>
               <a:rPr kumimoji="1" lang="ja-JP" altLang="en-US" dirty="0" smtClean="0"/>
-              <a:t>・音楽と印象の関係性についての調査</a:t>
+              <a:t>音楽</a:t>
+            </a:r>
+            <a:r>
+              <a:rPr kumimoji="1" lang="ja-JP" altLang="en-US" dirty="0" smtClean="0"/>
+              <a:t>と印象の関係性についての調査</a:t>
             </a:r>
             <a:endParaRPr kumimoji="1" lang="en-US" altLang="ja-JP" dirty="0" smtClean="0"/>
           </a:p>
@@ -3701,8 +4233,12 @@
               <a:buNone/>
             </a:pPr>
             <a:r>
-              <a:rPr kumimoji="1" lang="ja-JP" altLang="en-US" smtClean="0"/>
-              <a:t>・ロードバランサの理解を深める</a:t>
+              <a:rPr kumimoji="1" lang="ja-JP" altLang="en-US" dirty="0" smtClean="0"/>
+              <a:t>ロードバランサ</a:t>
+            </a:r>
+            <a:r>
+              <a:rPr kumimoji="1" lang="ja-JP" altLang="en-US" dirty="0" smtClean="0"/>
+              <a:t>の理解を深める</a:t>
             </a:r>
             <a:endParaRPr kumimoji="1" lang="en-US" altLang="ja-JP" dirty="0" smtClean="0"/>
           </a:p>
@@ -3717,6 +4253,29 @@
               <a:buNone/>
             </a:pPr>
             <a:endParaRPr kumimoji="1" lang="ja-JP" altLang="en-US" dirty="0"/>
+          </a:p>
+        </p:txBody>
+      </p:sp>
+      <p:sp>
+        <p:nvSpPr>
+          <p:cNvPr id="4" name="スライド番号プレースホルダー 3"/>
+          <p:cNvSpPr>
+            <a:spLocks noGrp="1"/>
+          </p:cNvSpPr>
+          <p:nvPr>
+            <p:ph type="sldNum" sz="quarter" idx="12"/>
+          </p:nvPr>
+        </p:nvSpPr>
+        <p:spPr/>
+        <p:txBody>
+          <a:bodyPr/>
+          <a:lstStyle/>
+          <a:p>
+            <a:fld id="{82B0F181-4DAC-4AF6-AAF0-BC662F10B70B}" type="slidenum">
+              <a:rPr kumimoji="1" lang="ja-JP" altLang="en-US" smtClean="0"/>
+              <a:t>5</a:t>
+            </a:fld>
+            <a:endParaRPr kumimoji="1" lang="ja-JP" altLang="en-US"/>
           </a:p>
         </p:txBody>
       </p:sp>
@@ -3992,4 +4551,265 @@
     </a:ext>
   </a:extLst>
 </a:theme>
+</file>
+
+<file path=ppt/theme/theme2.xml><?xml version="1.0" encoding="utf-8"?>
+<a:theme xmlns:a="http://schemas.openxmlformats.org/drawingml/2006/main" name="Office テーマ">
+  <a:themeElements>
+    <a:clrScheme name="Office">
+      <a:dk1>
+        <a:sysClr val="windowText" lastClr="000000"/>
+      </a:dk1>
+      <a:lt1>
+        <a:sysClr val="window" lastClr="FFFFFF"/>
+      </a:lt1>
+      <a:dk2>
+        <a:srgbClr val="44546A"/>
+      </a:dk2>
+      <a:lt2>
+        <a:srgbClr val="E7E6E6"/>
+      </a:lt2>
+      <a:accent1>
+        <a:srgbClr val="5B9BD5"/>
+      </a:accent1>
+      <a:accent2>
+        <a:srgbClr val="ED7D31"/>
+      </a:accent2>
+      <a:accent3>
+        <a:srgbClr val="A5A5A5"/>
+      </a:accent3>
+      <a:accent4>
+        <a:srgbClr val="FFC000"/>
+      </a:accent4>
+      <a:accent5>
+        <a:srgbClr val="4472C4"/>
+      </a:accent5>
+      <a:accent6>
+        <a:srgbClr val="70AD47"/>
+      </a:accent6>
+      <a:hlink>
+        <a:srgbClr val="0563C1"/>
+      </a:hlink>
+      <a:folHlink>
+        <a:srgbClr val="954F72"/>
+      </a:folHlink>
+    </a:clrScheme>
+    <a:fontScheme name="Office">
+      <a:majorFont>
+        <a:latin typeface="游ゴシック Light" panose="020F0302020204030204"/>
+        <a:ea typeface=""/>
+        <a:cs typeface=""/>
+        <a:font script="Jpan" typeface="游ゴシック Light"/>
+        <a:font script="Hang" typeface="맑은 고딕"/>
+        <a:font script="Hans" typeface="等线 Light"/>
+        <a:font script="Hant" typeface="新細明體"/>
+        <a:font script="Arab" typeface="Times New Roman"/>
+        <a:font script="Hebr" typeface="Times New Roman"/>
+        <a:font script="Thai" typeface="Angsana New"/>
+        <a:font script="Ethi" typeface="Nyala"/>
+        <a:font script="Beng" typeface="Vrinda"/>
+        <a:font script="Gujr" typeface="Shruti"/>
+        <a:font script="Khmr" typeface="MoolBoran"/>
+        <a:font script="Knda" typeface="Tunga"/>
+        <a:font script="Guru" typeface="Raavi"/>
+        <a:font script="Cans" typeface="Euphemia"/>
+        <a:font script="Cher" typeface="Plantagenet Cherokee"/>
+        <a:font script="Yiii" typeface="Microsoft Yi Baiti"/>
+        <a:font script="Tibt" typeface="Microsoft Himalaya"/>
+        <a:font script="Thaa" typeface="MV Boli"/>
+        <a:font script="Deva" typeface="Mangal"/>
+        <a:font script="Telu" typeface="Gautami"/>
+        <a:font script="Taml" typeface="Latha"/>
+        <a:font script="Syrc" typeface="Estrangelo Edessa"/>
+        <a:font script="Orya" typeface="Kalinga"/>
+        <a:font script="Mlym" typeface="Kartika"/>
+        <a:font script="Laoo" typeface="DokChampa"/>
+        <a:font script="Sinh" typeface="Iskoola Pota"/>
+        <a:font script="Mong" typeface="Mongolian Baiti"/>
+        <a:font script="Viet" typeface="Times New Roman"/>
+        <a:font script="Uigh" typeface="Microsoft Uighur"/>
+        <a:font script="Geor" typeface="Sylfaen"/>
+      </a:majorFont>
+      <a:minorFont>
+        <a:latin typeface="游ゴシック" panose="020F0502020204030204"/>
+        <a:ea typeface=""/>
+        <a:cs typeface=""/>
+        <a:font script="Jpan" typeface="游ゴシック"/>
+        <a:font script="Hang" typeface="맑은 고딕"/>
+        <a:font script="Hans" typeface="等线"/>
+        <a:font script="Hant" typeface="新細明體"/>
+        <a:font script="Arab" typeface="Arial"/>
+        <a:font script="Hebr" typeface="Arial"/>
+        <a:font script="Thai" typeface="Cordia New"/>
+        <a:font script="Ethi" typeface="Nyala"/>
+        <a:font script="Beng" typeface="Vrinda"/>
+        <a:font script="Gujr" typeface="Shruti"/>
+        <a:font script="Khmr" typeface="DaunPenh"/>
+        <a:font script="Knda" typeface="Tunga"/>
+        <a:font script="Guru" typeface="Raavi"/>
+        <a:font script="Cans" typeface="Euphemia"/>
+        <a:font script="Cher" typeface="Plantagenet Cherokee"/>
+        <a:font script="Yiii" typeface="Microsoft Yi Baiti"/>
+        <a:font script="Tibt" typeface="Microsoft Himalaya"/>
+        <a:font script="Thaa" typeface="MV Boli"/>
+        <a:font script="Deva" typeface="Mangal"/>
+        <a:font script="Telu" typeface="Gautami"/>
+        <a:font script="Taml" typeface="Latha"/>
+        <a:font script="Syrc" typeface="Estrangelo Edessa"/>
+        <a:font script="Orya" typeface="Kalinga"/>
+        <a:font script="Mlym" typeface="Kartika"/>
+        <a:font script="Laoo" typeface="DokChampa"/>
+        <a:font script="Sinh" typeface="Iskoola Pota"/>
+        <a:font script="Mong" typeface="Mongolian Baiti"/>
+        <a:font script="Viet" typeface="Arial"/>
+        <a:font script="Uigh" typeface="Microsoft Uighur"/>
+        <a:font script="Geor" typeface="Sylfaen"/>
+      </a:minorFont>
+    </a:fontScheme>
+    <a:fmtScheme name="Office">
+      <a:fillStyleLst>
+        <a:solidFill>
+          <a:schemeClr val="phClr"/>
+        </a:solidFill>
+        <a:gradFill rotWithShape="1">
+          <a:gsLst>
+            <a:gs pos="0">
+              <a:schemeClr val="phClr">
+                <a:lumMod val="110000"/>
+                <a:satMod val="105000"/>
+                <a:tint val="67000"/>
+              </a:schemeClr>
+            </a:gs>
+            <a:gs pos="50000">
+              <a:schemeClr val="phClr">
+                <a:lumMod val="105000"/>
+                <a:satMod val="103000"/>
+                <a:tint val="73000"/>
+              </a:schemeClr>
+            </a:gs>
+            <a:gs pos="100000">
+              <a:schemeClr val="phClr">
+                <a:lumMod val="105000"/>
+                <a:satMod val="109000"/>
+                <a:tint val="81000"/>
+              </a:schemeClr>
+            </a:gs>
+          </a:gsLst>
+          <a:lin ang="5400000" scaled="0"/>
+        </a:gradFill>
+        <a:gradFill rotWithShape="1">
+          <a:gsLst>
+            <a:gs pos="0">
+              <a:schemeClr val="phClr">
+                <a:satMod val="103000"/>
+                <a:lumMod val="102000"/>
+                <a:tint val="94000"/>
+              </a:schemeClr>
+            </a:gs>
+            <a:gs pos="50000">
+              <a:schemeClr val="phClr">
+                <a:satMod val="110000"/>
+                <a:lumMod val="100000"/>
+                <a:shade val="100000"/>
+              </a:schemeClr>
+            </a:gs>
+            <a:gs pos="100000">
+              <a:schemeClr val="phClr">
+                <a:lumMod val="99000"/>
+                <a:satMod val="120000"/>
+                <a:shade val="78000"/>
+              </a:schemeClr>
+            </a:gs>
+          </a:gsLst>
+          <a:lin ang="5400000" scaled="0"/>
+        </a:gradFill>
+      </a:fillStyleLst>
+      <a:lnStyleLst>
+        <a:ln w="6350" cap="flat" cmpd="sng" algn="ctr">
+          <a:solidFill>
+            <a:schemeClr val="phClr"/>
+          </a:solidFill>
+          <a:prstDash val="solid"/>
+          <a:miter lim="800000"/>
+        </a:ln>
+        <a:ln w="12700" cap="flat" cmpd="sng" algn="ctr">
+          <a:solidFill>
+            <a:schemeClr val="phClr"/>
+          </a:solidFill>
+          <a:prstDash val="solid"/>
+          <a:miter lim="800000"/>
+        </a:ln>
+        <a:ln w="19050" cap="flat" cmpd="sng" algn="ctr">
+          <a:solidFill>
+            <a:schemeClr val="phClr"/>
+          </a:solidFill>
+          <a:prstDash val="solid"/>
+          <a:miter lim="800000"/>
+        </a:ln>
+      </a:lnStyleLst>
+      <a:effectStyleLst>
+        <a:effectStyle>
+          <a:effectLst/>
+        </a:effectStyle>
+        <a:effectStyle>
+          <a:effectLst/>
+        </a:effectStyle>
+        <a:effectStyle>
+          <a:effectLst>
+            <a:outerShdw blurRad="57150" dist="19050" dir="5400000" algn="ctr" rotWithShape="0">
+              <a:srgbClr val="000000">
+                <a:alpha val="63000"/>
+              </a:srgbClr>
+            </a:outerShdw>
+          </a:effectLst>
+        </a:effectStyle>
+      </a:effectStyleLst>
+      <a:bgFillStyleLst>
+        <a:solidFill>
+          <a:schemeClr val="phClr"/>
+        </a:solidFill>
+        <a:solidFill>
+          <a:schemeClr val="phClr">
+            <a:tint val="95000"/>
+            <a:satMod val="170000"/>
+          </a:schemeClr>
+        </a:solidFill>
+        <a:gradFill rotWithShape="1">
+          <a:gsLst>
+            <a:gs pos="0">
+              <a:schemeClr val="phClr">
+                <a:tint val="93000"/>
+                <a:satMod val="150000"/>
+                <a:shade val="98000"/>
+                <a:lumMod val="102000"/>
+              </a:schemeClr>
+            </a:gs>
+            <a:gs pos="50000">
+              <a:schemeClr val="phClr">
+                <a:tint val="98000"/>
+                <a:satMod val="130000"/>
+                <a:shade val="90000"/>
+                <a:lumMod val="103000"/>
+              </a:schemeClr>
+            </a:gs>
+            <a:gs pos="100000">
+              <a:schemeClr val="phClr">
+                <a:shade val="63000"/>
+                <a:satMod val="120000"/>
+              </a:schemeClr>
+            </a:gs>
+          </a:gsLst>
+          <a:lin ang="5400000" scaled="0"/>
+        </a:gradFill>
+      </a:bgFillStyleLst>
+    </a:fmtScheme>
+  </a:themeElements>
+  <a:objectDefaults/>
+  <a:extraClrSchemeLst/>
+  <a:extLst>
+    <a:ext uri="{05A4C25C-085E-4340-85A3-A5531E510DB2}">
+      <thm15:themeFamily xmlns:thm15="http://schemas.microsoft.com/office/thememl/2012/main" name="Office Theme" id="{62F939B6-93AF-4DB8-9C6B-D6C7DFDC589F}" vid="{4A3C46E8-61CC-4603-A589-7422A47A8E4A}"/>
+    </a:ext>
+  </a:extLst>
+</a:theme>
 </file>
--- a/1821144_yoshii_sotsuken.pptx
+++ b/1821144_yoshii_sotsuken.pptx
@@ -5,7 +5,7 @@
     <p:sldMasterId id="2147483648" r:id="rId1"/>
   </p:sldMasterIdLst>
   <p:notesMasterIdLst>
-    <p:notesMasterId r:id="rId7"/>
+    <p:notesMasterId r:id="rId12"/>
   </p:notesMasterIdLst>
   <p:sldIdLst>
     <p:sldId id="256" r:id="rId2"/>
@@ -13,6 +13,11 @@
     <p:sldId id="258" r:id="rId4"/>
     <p:sldId id="257" r:id="rId5"/>
     <p:sldId id="259" r:id="rId6"/>
+    <p:sldId id="261" r:id="rId7"/>
+    <p:sldId id="262" r:id="rId8"/>
+    <p:sldId id="263" r:id="rId9"/>
+    <p:sldId id="264" r:id="rId10"/>
+    <p:sldId id="265" r:id="rId11"/>
   </p:sldIdLst>
   <p:sldSz cx="12192000" cy="6858000"/>
   <p:notesSz cx="6858000" cy="9144000"/>
@@ -201,7 +206,7 @@
           <a:p>
             <a:fld id="{BCB9648B-AEFE-42C2-8ABD-77434AB00849}" type="datetimeFigureOut">
               <a:rPr kumimoji="1" lang="ja-JP" altLang="en-US" smtClean="0"/>
-              <a:t>2021/4/30</a:t>
+              <a:t>2021/5/7</a:t>
             </a:fld>
             <a:endParaRPr kumimoji="1" lang="ja-JP" altLang="en-US"/>
           </a:p>
@@ -632,7 +637,7 @@
           <a:p>
             <a:fld id="{BC0FC1BD-A483-4243-B6A9-AEA49E313BC4}" type="datetime1">
               <a:rPr kumimoji="1" lang="ja-JP" altLang="en-US" smtClean="0"/>
-              <a:t>2021/4/30</a:t>
+              <a:t>2021/5/7</a:t>
             </a:fld>
             <a:endParaRPr kumimoji="1" lang="ja-JP" altLang="en-US"/>
           </a:p>
@@ -834,7 +839,7 @@
           <a:p>
             <a:fld id="{AA5417CA-F50F-45D8-8913-A64CBDFEAA11}" type="datetime1">
               <a:rPr kumimoji="1" lang="ja-JP" altLang="en-US" smtClean="0"/>
-              <a:t>2021/4/30</a:t>
+              <a:t>2021/5/7</a:t>
             </a:fld>
             <a:endParaRPr kumimoji="1" lang="ja-JP" altLang="en-US"/>
           </a:p>
@@ -1046,7 +1051,7 @@
           <a:p>
             <a:fld id="{1227B52B-1226-4738-9D37-1BA9FBAC9F1D}" type="datetime1">
               <a:rPr kumimoji="1" lang="ja-JP" altLang="en-US" smtClean="0"/>
-              <a:t>2021/4/30</a:t>
+              <a:t>2021/5/7</a:t>
             </a:fld>
             <a:endParaRPr kumimoji="1" lang="ja-JP" altLang="en-US"/>
           </a:p>
@@ -1248,7 +1253,7 @@
           <a:p>
             <a:fld id="{5C85E33D-31B1-4591-8E9C-3E936DED5E92}" type="datetime1">
               <a:rPr kumimoji="1" lang="ja-JP" altLang="en-US" smtClean="0"/>
-              <a:t>2021/4/30</a:t>
+              <a:t>2021/5/7</a:t>
             </a:fld>
             <a:endParaRPr kumimoji="1" lang="ja-JP" altLang="en-US"/>
           </a:p>
@@ -1494,7 +1499,7 @@
           <a:p>
             <a:fld id="{F27CD682-BF66-4B8E-8A63-21501F91F5E3}" type="datetime1">
               <a:rPr kumimoji="1" lang="ja-JP" altLang="en-US" smtClean="0"/>
-              <a:t>2021/4/30</a:t>
+              <a:t>2021/5/7</a:t>
             </a:fld>
             <a:endParaRPr kumimoji="1" lang="ja-JP" altLang="en-US"/>
           </a:p>
@@ -1790,7 +1795,7 @@
           <a:p>
             <a:fld id="{27378C8D-7596-446D-AFEB-50FDD143704D}" type="datetime1">
               <a:rPr kumimoji="1" lang="ja-JP" altLang="en-US" smtClean="0"/>
-              <a:t>2021/4/30</a:t>
+              <a:t>2021/5/7</a:t>
             </a:fld>
             <a:endParaRPr kumimoji="1" lang="ja-JP" altLang="en-US"/>
           </a:p>
@@ -2221,7 +2226,7 @@
           <a:p>
             <a:fld id="{A040A03A-A697-4819-835E-F2749A1B35C9}" type="datetime1">
               <a:rPr kumimoji="1" lang="ja-JP" altLang="en-US" smtClean="0"/>
-              <a:t>2021/4/30</a:t>
+              <a:t>2021/5/7</a:t>
             </a:fld>
             <a:endParaRPr kumimoji="1" lang="ja-JP" altLang="en-US"/>
           </a:p>
@@ -2339,7 +2344,7 @@
           <a:p>
             <a:fld id="{868B2368-AD31-4716-AEAE-64986817D583}" type="datetime1">
               <a:rPr kumimoji="1" lang="ja-JP" altLang="en-US" smtClean="0"/>
-              <a:t>2021/4/30</a:t>
+              <a:t>2021/5/7</a:t>
             </a:fld>
             <a:endParaRPr kumimoji="1" lang="ja-JP" altLang="en-US"/>
           </a:p>
@@ -2434,7 +2439,7 @@
           <a:p>
             <a:fld id="{756D2065-9F54-400B-9D14-6A1CF037C9AC}" type="datetime1">
               <a:rPr kumimoji="1" lang="ja-JP" altLang="en-US" smtClean="0"/>
-              <a:t>2021/4/30</a:t>
+              <a:t>2021/5/7</a:t>
             </a:fld>
             <a:endParaRPr kumimoji="1" lang="ja-JP" altLang="en-US"/>
           </a:p>
@@ -2743,7 +2748,7 @@
           <a:p>
             <a:fld id="{BE9CA775-0781-467A-832A-6C4D4E629D1E}" type="datetime1">
               <a:rPr kumimoji="1" lang="ja-JP" altLang="en-US" smtClean="0"/>
-              <a:t>2021/4/30</a:t>
+              <a:t>2021/5/7</a:t>
             </a:fld>
             <a:endParaRPr kumimoji="1" lang="ja-JP" altLang="en-US"/>
           </a:p>
@@ -2996,7 +3001,7 @@
           <a:p>
             <a:fld id="{A451F554-8CDE-45DC-9560-FC94B5583924}" type="datetime1">
               <a:rPr kumimoji="1" lang="ja-JP" altLang="en-US" smtClean="0"/>
-              <a:t>2021/4/30</a:t>
+              <a:t>2021/5/7</a:t>
             </a:fld>
             <a:endParaRPr kumimoji="1" lang="ja-JP" altLang="en-US"/>
           </a:p>
@@ -3241,7 +3246,7 @@
           <a:p>
             <a:fld id="{D7A02573-CF0B-4069-B388-0FE957D4161C}" type="datetime1">
               <a:rPr kumimoji="1" lang="ja-JP" altLang="en-US" smtClean="0"/>
-              <a:t>2021/4/30</a:t>
+              <a:t>2021/5/7</a:t>
             </a:fld>
             <a:endParaRPr kumimoji="1" lang="ja-JP" altLang="en-US"/>
           </a:p>
@@ -3745,6 +3750,148 @@
 </p:sld>
 </file>
 
+<file path=ppt/slides/slide10.xml><?xml version="1.0" encoding="utf-8"?>
+<p:sld xmlns:a="http://schemas.openxmlformats.org/drawingml/2006/main" xmlns:r="http://schemas.openxmlformats.org/officeDocument/2006/relationships" xmlns:p="http://schemas.openxmlformats.org/presentationml/2006/main">
+  <p:cSld>
+    <p:spTree>
+      <p:nvGrpSpPr>
+        <p:cNvPr id="1" name=""/>
+        <p:cNvGrpSpPr/>
+        <p:nvPr/>
+      </p:nvGrpSpPr>
+      <p:grpSpPr>
+        <a:xfrm>
+          <a:off x="0" y="0"/>
+          <a:ext cx="0" cy="0"/>
+          <a:chOff x="0" y="0"/>
+          <a:chExt cx="0" cy="0"/>
+        </a:xfrm>
+      </p:grpSpPr>
+      <p:sp>
+        <p:nvSpPr>
+          <p:cNvPr id="2" name="タイトル 1"/>
+          <p:cNvSpPr>
+            <a:spLocks noGrp="1"/>
+          </p:cNvSpPr>
+          <p:nvPr>
+            <p:ph type="title"/>
+          </p:nvPr>
+        </p:nvSpPr>
+        <p:spPr/>
+        <p:txBody>
+          <a:bodyPr/>
+          <a:lstStyle/>
+          <a:p>
+            <a:r>
+              <a:rPr kumimoji="1" lang="ja-JP" altLang="en-US" dirty="0" smtClean="0"/>
+              <a:t>次回までの作業予定</a:t>
+            </a:r>
+            <a:endParaRPr kumimoji="1" lang="ja-JP" altLang="en-US" dirty="0"/>
+          </a:p>
+        </p:txBody>
+      </p:sp>
+      <p:sp>
+        <p:nvSpPr>
+          <p:cNvPr id="3" name="コンテンツ プレースホルダー 2"/>
+          <p:cNvSpPr>
+            <a:spLocks noGrp="1"/>
+          </p:cNvSpPr>
+          <p:nvPr>
+            <p:ph idx="1"/>
+          </p:nvPr>
+        </p:nvSpPr>
+        <p:spPr/>
+        <p:txBody>
+          <a:bodyPr/>
+          <a:lstStyle/>
+          <a:p>
+            <a:pPr marL="0" indent="0">
+              <a:buNone/>
+            </a:pPr>
+            <a:r>
+              <a:rPr kumimoji="1" lang="en-US" altLang="ja-JP" dirty="0" smtClean="0"/>
+              <a:t>Python</a:t>
+            </a:r>
+            <a:r>
+              <a:rPr kumimoji="1" lang="ja-JP" altLang="en-US" dirty="0" smtClean="0"/>
+              <a:t>を勉強しつつプログラムを作ってみる。</a:t>
+            </a:r>
+            <a:endParaRPr kumimoji="1" lang="en-US" altLang="ja-JP" dirty="0" smtClean="0"/>
+          </a:p>
+          <a:p>
+            <a:pPr marL="0" indent="0">
+              <a:buNone/>
+            </a:pPr>
+            <a:r>
+              <a:rPr lang="ja-JP" altLang="en-US" dirty="0" smtClean="0"/>
+              <a:t>タグの種類に関しての調査。</a:t>
+            </a:r>
+            <a:endParaRPr lang="en-US" altLang="ja-JP" dirty="0" smtClean="0"/>
+          </a:p>
+          <a:p>
+            <a:pPr marL="0" indent="0">
+              <a:buNone/>
+            </a:pPr>
+            <a:r>
+              <a:rPr lang="ja-JP" altLang="en-US" dirty="0"/>
+              <a:t>今読んでいる</a:t>
+            </a:r>
+            <a:r>
+              <a:rPr lang="ja-JP" altLang="en-US" dirty="0" smtClean="0"/>
+              <a:t>論文を熟読する。</a:t>
+            </a:r>
+            <a:endParaRPr lang="en-US" altLang="ja-JP" smtClean="0"/>
+          </a:p>
+          <a:p>
+            <a:pPr marL="0" indent="0">
+              <a:buNone/>
+            </a:pPr>
+            <a:endParaRPr kumimoji="1" lang="en-US" altLang="ja-JP" dirty="0" smtClean="0"/>
+          </a:p>
+          <a:p>
+            <a:pPr marL="0" indent="0">
+              <a:buNone/>
+            </a:pPr>
+            <a:endParaRPr kumimoji="1" lang="en-US" altLang="ja-JP" dirty="0" smtClean="0"/>
+          </a:p>
+        </p:txBody>
+      </p:sp>
+      <p:sp>
+        <p:nvSpPr>
+          <p:cNvPr id="4" name="スライド番号プレースホルダー 3"/>
+          <p:cNvSpPr>
+            <a:spLocks noGrp="1"/>
+          </p:cNvSpPr>
+          <p:nvPr>
+            <p:ph type="sldNum" sz="quarter" idx="12"/>
+          </p:nvPr>
+        </p:nvSpPr>
+        <p:spPr/>
+        <p:txBody>
+          <a:bodyPr/>
+          <a:lstStyle/>
+          <a:p>
+            <a:fld id="{82B0F181-4DAC-4AF6-AAF0-BC662F10B70B}" type="slidenum">
+              <a:rPr kumimoji="1" lang="ja-JP" altLang="en-US" smtClean="0"/>
+              <a:t>10</a:t>
+            </a:fld>
+            <a:endParaRPr kumimoji="1" lang="ja-JP" altLang="en-US"/>
+          </a:p>
+        </p:txBody>
+      </p:sp>
+    </p:spTree>
+    <p:extLst>
+      <p:ext uri="{BB962C8B-B14F-4D97-AF65-F5344CB8AC3E}">
+        <p14:creationId xmlns:p14="http://schemas.microsoft.com/office/powerpoint/2010/main" val="2318648596"/>
+      </p:ext>
+    </p:extLst>
+  </p:cSld>
+  <p:clrMapOvr>
+    <a:masterClrMapping/>
+  </p:clrMapOvr>
+</p:sld>
+</file>
+
 <file path=ppt/slides/slide2.xml><?xml version="1.0" encoding="utf-8"?>
 <p:sld xmlns:a="http://schemas.openxmlformats.org/drawingml/2006/main" xmlns:r="http://schemas.openxmlformats.org/officeDocument/2006/relationships" xmlns:p="http://schemas.openxmlformats.org/presentationml/2006/main">
   <p:cSld>
@@ -3819,11 +3966,7 @@
             </a:pPr>
             <a:r>
               <a:rPr lang="ja-JP" altLang="en-US" dirty="0" smtClean="0"/>
-              <a:t>フリー音源サイトの</a:t>
-            </a:r>
-            <a:r>
-              <a:rPr lang="ja-JP" altLang="en-US" dirty="0" smtClean="0"/>
-              <a:t>調査</a:t>
+              <a:t>フリー音源サイトの調査</a:t>
             </a:r>
             <a:endParaRPr lang="en-US" altLang="ja-JP" dirty="0" smtClean="0"/>
           </a:p>
@@ -4093,11 +4236,7 @@
             </a:pPr>
             <a:r>
               <a:rPr kumimoji="1" lang="ja-JP" altLang="en-US" sz="3200" dirty="0" smtClean="0"/>
-              <a:t>→イメージ的には優雅なものや壮大な</a:t>
-            </a:r>
-            <a:r>
-              <a:rPr kumimoji="1" lang="ja-JP" altLang="en-US" sz="3200" dirty="0" smtClean="0"/>
-              <a:t>もの軽快なもの</a:t>
+              <a:t>→イメージ的には優雅なものや壮大なもの軽快なもの</a:t>
             </a:r>
             <a:endParaRPr kumimoji="1" lang="en-US" altLang="ja-JP" sz="3200" dirty="0" smtClean="0"/>
           </a:p>
@@ -4220,25 +4359,17 @@
             </a:pPr>
             <a:r>
               <a:rPr kumimoji="1" lang="ja-JP" altLang="en-US" dirty="0" smtClean="0"/>
-              <a:t>音楽</a:t>
-            </a:r>
+              <a:t>音楽と印象の関係性についての調査</a:t>
+            </a:r>
+            <a:endParaRPr kumimoji="1" lang="en-US" altLang="ja-JP" dirty="0" smtClean="0"/>
+          </a:p>
+          <a:p>
+            <a:pPr marL="0" indent="0">
+              <a:buNone/>
+            </a:pPr>
             <a:r>
               <a:rPr kumimoji="1" lang="ja-JP" altLang="en-US" dirty="0" smtClean="0"/>
-              <a:t>と印象の関係性についての調査</a:t>
-            </a:r>
-            <a:endParaRPr kumimoji="1" lang="en-US" altLang="ja-JP" dirty="0" smtClean="0"/>
-          </a:p>
-          <a:p>
-            <a:pPr marL="0" indent="0">
-              <a:buNone/>
-            </a:pPr>
-            <a:r>
-              <a:rPr kumimoji="1" lang="ja-JP" altLang="en-US" dirty="0" smtClean="0"/>
-              <a:t>ロードバランサ</a:t>
-            </a:r>
-            <a:r>
-              <a:rPr kumimoji="1" lang="ja-JP" altLang="en-US" dirty="0" smtClean="0"/>
-              <a:t>の理解を深める</a:t>
+              <a:t>ロードバランサの理解を深める</a:t>
             </a:r>
             <a:endParaRPr kumimoji="1" lang="en-US" altLang="ja-JP" dirty="0" smtClean="0"/>
           </a:p>
@@ -4283,6 +4414,543 @@
     <p:extLst>
       <p:ext uri="{BB962C8B-B14F-4D97-AF65-F5344CB8AC3E}">
         <p14:creationId xmlns:p14="http://schemas.microsoft.com/office/powerpoint/2010/main" val="3620432896"/>
+      </p:ext>
+    </p:extLst>
+  </p:cSld>
+  <p:clrMapOvr>
+    <a:masterClrMapping/>
+  </p:clrMapOvr>
+</p:sld>
+</file>
+
+<file path=ppt/slides/slide6.xml><?xml version="1.0" encoding="utf-8"?>
+<p:sld xmlns:a="http://schemas.openxmlformats.org/drawingml/2006/main" xmlns:r="http://schemas.openxmlformats.org/officeDocument/2006/relationships" xmlns:p="http://schemas.openxmlformats.org/presentationml/2006/main">
+  <p:cSld>
+    <p:spTree>
+      <p:nvGrpSpPr>
+        <p:cNvPr id="1" name=""/>
+        <p:cNvGrpSpPr/>
+        <p:nvPr/>
+      </p:nvGrpSpPr>
+      <p:grpSpPr>
+        <a:xfrm>
+          <a:off x="0" y="0"/>
+          <a:ext cx="0" cy="0"/>
+          <a:chOff x="0" y="0"/>
+          <a:chExt cx="0" cy="0"/>
+        </a:xfrm>
+      </p:grpSpPr>
+      <p:sp>
+        <p:nvSpPr>
+          <p:cNvPr id="2" name="タイトル 1"/>
+          <p:cNvSpPr>
+            <a:spLocks noGrp="1"/>
+          </p:cNvSpPr>
+          <p:nvPr>
+            <p:ph type="title"/>
+          </p:nvPr>
+        </p:nvSpPr>
+        <p:spPr/>
+        <p:txBody>
+          <a:bodyPr/>
+          <a:lstStyle/>
+          <a:p>
+            <a:r>
+              <a:rPr lang="ja-JP" altLang="en-US" dirty="0" smtClean="0"/>
+              <a:t>４</a:t>
+            </a:r>
+            <a:r>
+              <a:rPr lang="en-US" altLang="ja-JP" dirty="0" smtClean="0"/>
+              <a:t>/30</a:t>
+            </a:r>
+            <a:r>
+              <a:rPr lang="ja-JP" altLang="en-US" dirty="0" smtClean="0"/>
+              <a:t>～５</a:t>
+            </a:r>
+            <a:r>
+              <a:rPr lang="en-US" altLang="ja-JP" dirty="0"/>
+              <a:t>/7</a:t>
+            </a:r>
+            <a:r>
+              <a:rPr lang="ja-JP" altLang="en-US" dirty="0" err="1"/>
+              <a:t>まで</a:t>
+            </a:r>
+            <a:r>
+              <a:rPr kumimoji="1" lang="ja-JP" altLang="en-US" dirty="0" err="1" smtClean="0"/>
+              <a:t>の</a:t>
+            </a:r>
+            <a:r>
+              <a:rPr kumimoji="1" lang="ja-JP" altLang="en-US" dirty="0" smtClean="0"/>
+              <a:t>作業</a:t>
+            </a:r>
+            <a:endParaRPr kumimoji="1" lang="ja-JP" altLang="en-US" dirty="0"/>
+          </a:p>
+        </p:txBody>
+      </p:sp>
+      <p:sp>
+        <p:nvSpPr>
+          <p:cNvPr id="3" name="コンテンツ プレースホルダー 2"/>
+          <p:cNvSpPr>
+            <a:spLocks noGrp="1"/>
+          </p:cNvSpPr>
+          <p:nvPr>
+            <p:ph idx="1"/>
+          </p:nvPr>
+        </p:nvSpPr>
+        <p:spPr/>
+        <p:txBody>
+          <a:bodyPr/>
+          <a:lstStyle/>
+          <a:p>
+            <a:pPr marL="0" indent="0">
+              <a:buNone/>
+            </a:pPr>
+            <a:r>
+              <a:rPr kumimoji="1" lang="en-US" altLang="ja-JP" dirty="0" smtClean="0"/>
+              <a:t>Python</a:t>
+            </a:r>
+            <a:r>
+              <a:rPr kumimoji="1" lang="ja-JP" altLang="en-US" dirty="0" smtClean="0"/>
+              <a:t>の勉強</a:t>
+            </a:r>
+            <a:endParaRPr kumimoji="1" lang="en-US" altLang="ja-JP" dirty="0" smtClean="0"/>
+          </a:p>
+          <a:p>
+            <a:pPr marL="0" indent="0">
+              <a:buNone/>
+            </a:pPr>
+            <a:r>
+              <a:rPr lang="ja-JP" altLang="en-US" dirty="0" smtClean="0"/>
+              <a:t>Ｃの復習</a:t>
+            </a:r>
+            <a:endParaRPr lang="en-US" altLang="ja-JP" dirty="0" smtClean="0"/>
+          </a:p>
+          <a:p>
+            <a:pPr marL="0" indent="0">
+              <a:buNone/>
+            </a:pPr>
+            <a:r>
+              <a:rPr kumimoji="1" lang="ja-JP" altLang="en-US" dirty="0"/>
+              <a:t>タグ付けに関して</a:t>
+            </a:r>
+            <a:r>
+              <a:rPr kumimoji="1" lang="ja-JP" altLang="en-US" dirty="0" smtClean="0"/>
+              <a:t>の論文調査</a:t>
+            </a:r>
+            <a:endParaRPr kumimoji="1" lang="en-US" altLang="ja-JP" dirty="0" smtClean="0"/>
+          </a:p>
+        </p:txBody>
+      </p:sp>
+      <p:sp>
+        <p:nvSpPr>
+          <p:cNvPr id="4" name="スライド番号プレースホルダー 3"/>
+          <p:cNvSpPr>
+            <a:spLocks noGrp="1"/>
+          </p:cNvSpPr>
+          <p:nvPr>
+            <p:ph type="sldNum" sz="quarter" idx="12"/>
+          </p:nvPr>
+        </p:nvSpPr>
+        <p:spPr/>
+        <p:txBody>
+          <a:bodyPr/>
+          <a:lstStyle/>
+          <a:p>
+            <a:fld id="{82B0F181-4DAC-4AF6-AAF0-BC662F10B70B}" type="slidenum">
+              <a:rPr kumimoji="1" lang="ja-JP" altLang="en-US" smtClean="0"/>
+              <a:t>6</a:t>
+            </a:fld>
+            <a:endParaRPr kumimoji="1" lang="ja-JP" altLang="en-US"/>
+          </a:p>
+        </p:txBody>
+      </p:sp>
+    </p:spTree>
+    <p:extLst>
+      <p:ext uri="{BB962C8B-B14F-4D97-AF65-F5344CB8AC3E}">
+        <p14:creationId xmlns:p14="http://schemas.microsoft.com/office/powerpoint/2010/main" val="2441586109"/>
+      </p:ext>
+    </p:extLst>
+  </p:cSld>
+  <p:clrMapOvr>
+    <a:masterClrMapping/>
+  </p:clrMapOvr>
+</p:sld>
+</file>
+
+<file path=ppt/slides/slide7.xml><?xml version="1.0" encoding="utf-8"?>
+<p:sld xmlns:a="http://schemas.openxmlformats.org/drawingml/2006/main" xmlns:r="http://schemas.openxmlformats.org/officeDocument/2006/relationships" xmlns:p="http://schemas.openxmlformats.org/presentationml/2006/main">
+  <p:cSld>
+    <p:spTree>
+      <p:nvGrpSpPr>
+        <p:cNvPr id="1" name=""/>
+        <p:cNvGrpSpPr/>
+        <p:nvPr/>
+      </p:nvGrpSpPr>
+      <p:grpSpPr>
+        <a:xfrm>
+          <a:off x="0" y="0"/>
+          <a:ext cx="0" cy="0"/>
+          <a:chOff x="0" y="0"/>
+          <a:chExt cx="0" cy="0"/>
+        </a:xfrm>
+      </p:grpSpPr>
+      <p:sp>
+        <p:nvSpPr>
+          <p:cNvPr id="2" name="タイトル 1"/>
+          <p:cNvSpPr>
+            <a:spLocks noGrp="1"/>
+          </p:cNvSpPr>
+          <p:nvPr>
+            <p:ph type="title"/>
+          </p:nvPr>
+        </p:nvSpPr>
+        <p:spPr/>
+        <p:txBody>
+          <a:bodyPr/>
+          <a:lstStyle/>
+          <a:p>
+            <a:r>
+              <a:rPr kumimoji="1" lang="en-US" altLang="ja-JP" dirty="0" smtClean="0"/>
+              <a:t>Python</a:t>
+            </a:r>
+            <a:r>
+              <a:rPr kumimoji="1" lang="ja-JP" altLang="en-US" dirty="0" smtClean="0"/>
+              <a:t>の勉強</a:t>
+            </a:r>
+            <a:endParaRPr kumimoji="1" lang="ja-JP" altLang="en-US" dirty="0"/>
+          </a:p>
+        </p:txBody>
+      </p:sp>
+      <p:sp>
+        <p:nvSpPr>
+          <p:cNvPr id="3" name="コンテンツ プレースホルダー 2"/>
+          <p:cNvSpPr>
+            <a:spLocks noGrp="1"/>
+          </p:cNvSpPr>
+          <p:nvPr>
+            <p:ph idx="1"/>
+          </p:nvPr>
+        </p:nvSpPr>
+        <p:spPr/>
+        <p:txBody>
+          <a:bodyPr/>
+          <a:lstStyle/>
+          <a:p>
+            <a:pPr marL="0" indent="0">
+              <a:buNone/>
+            </a:pPr>
+            <a:r>
+              <a:rPr lang="ja-JP" altLang="en-US" b="1" dirty="0"/>
+              <a:t>出版社 </a:t>
+            </a:r>
+            <a:r>
+              <a:rPr lang="en-US" altLang="ja-JP" b="1" dirty="0"/>
+              <a:t>: </a:t>
+            </a:r>
+            <a:r>
+              <a:rPr lang="ja-JP" altLang="en-US" dirty="0"/>
+              <a:t>オライリージャパン</a:t>
+            </a:r>
+            <a:r>
+              <a:rPr lang="en-US" altLang="ja-JP" dirty="0"/>
+              <a:t>; </a:t>
+            </a:r>
+            <a:r>
+              <a:rPr lang="ja-JP" altLang="en-US" dirty="0"/>
+              <a:t>第</a:t>
+            </a:r>
+            <a:r>
+              <a:rPr lang="en-US" altLang="ja-JP" dirty="0"/>
+              <a:t>2</a:t>
+            </a:r>
+            <a:r>
+              <a:rPr lang="ja-JP" altLang="en-US" dirty="0"/>
+              <a:t>版</a:t>
+            </a:r>
+            <a:endParaRPr lang="en-US" altLang="ja-JP" b="1" dirty="0" smtClean="0"/>
+          </a:p>
+          <a:p>
+            <a:pPr marL="0" indent="0">
+              <a:buNone/>
+            </a:pPr>
+            <a:r>
+              <a:rPr lang="ja-JP" altLang="en-US" b="1" dirty="0" smtClean="0"/>
+              <a:t>入門 </a:t>
+            </a:r>
+            <a:r>
+              <a:rPr lang="en-US" altLang="ja-JP" b="1" dirty="0"/>
+              <a:t>Python 3 </a:t>
+            </a:r>
+            <a:r>
+              <a:rPr lang="ja-JP" altLang="en-US" b="1" dirty="0"/>
+              <a:t>第</a:t>
+            </a:r>
+            <a:r>
+              <a:rPr lang="en-US" altLang="ja-JP" b="1" dirty="0"/>
+              <a:t>2</a:t>
+            </a:r>
+            <a:r>
+              <a:rPr lang="ja-JP" altLang="en-US" b="1" dirty="0"/>
+              <a:t>版</a:t>
+            </a:r>
+          </a:p>
+          <a:p>
+            <a:pPr marL="0" indent="0">
+              <a:buNone/>
+            </a:pPr>
+            <a:r>
+              <a:rPr kumimoji="1" lang="ja-JP" altLang="en-US" dirty="0" smtClean="0"/>
+              <a:t>を購入し読み始めた</a:t>
+            </a:r>
+            <a:endParaRPr kumimoji="1" lang="ja-JP" altLang="en-US" dirty="0"/>
+          </a:p>
+        </p:txBody>
+      </p:sp>
+      <p:sp>
+        <p:nvSpPr>
+          <p:cNvPr id="4" name="スライド番号プレースホルダー 3"/>
+          <p:cNvSpPr>
+            <a:spLocks noGrp="1"/>
+          </p:cNvSpPr>
+          <p:nvPr>
+            <p:ph type="sldNum" sz="quarter" idx="12"/>
+          </p:nvPr>
+        </p:nvSpPr>
+        <p:spPr/>
+        <p:txBody>
+          <a:bodyPr/>
+          <a:lstStyle/>
+          <a:p>
+            <a:fld id="{82B0F181-4DAC-4AF6-AAF0-BC662F10B70B}" type="slidenum">
+              <a:rPr kumimoji="1" lang="ja-JP" altLang="en-US" smtClean="0"/>
+              <a:t>7</a:t>
+            </a:fld>
+            <a:endParaRPr kumimoji="1" lang="ja-JP" altLang="en-US"/>
+          </a:p>
+        </p:txBody>
+      </p:sp>
+    </p:spTree>
+    <p:extLst>
+      <p:ext uri="{BB962C8B-B14F-4D97-AF65-F5344CB8AC3E}">
+        <p14:creationId xmlns:p14="http://schemas.microsoft.com/office/powerpoint/2010/main" val="1973234972"/>
+      </p:ext>
+    </p:extLst>
+  </p:cSld>
+  <p:clrMapOvr>
+    <a:masterClrMapping/>
+  </p:clrMapOvr>
+</p:sld>
+</file>
+
+<file path=ppt/slides/slide8.xml><?xml version="1.0" encoding="utf-8"?>
+<p:sld xmlns:a="http://schemas.openxmlformats.org/drawingml/2006/main" xmlns:r="http://schemas.openxmlformats.org/officeDocument/2006/relationships" xmlns:p="http://schemas.openxmlformats.org/presentationml/2006/main">
+  <p:cSld>
+    <p:spTree>
+      <p:nvGrpSpPr>
+        <p:cNvPr id="1" name=""/>
+        <p:cNvGrpSpPr/>
+        <p:nvPr/>
+      </p:nvGrpSpPr>
+      <p:grpSpPr>
+        <a:xfrm>
+          <a:off x="0" y="0"/>
+          <a:ext cx="0" cy="0"/>
+          <a:chOff x="0" y="0"/>
+          <a:chExt cx="0" cy="0"/>
+        </a:xfrm>
+      </p:grpSpPr>
+      <p:sp>
+        <p:nvSpPr>
+          <p:cNvPr id="2" name="タイトル 1"/>
+          <p:cNvSpPr>
+            <a:spLocks noGrp="1"/>
+          </p:cNvSpPr>
+          <p:nvPr>
+            <p:ph type="title"/>
+          </p:nvPr>
+        </p:nvSpPr>
+        <p:spPr/>
+        <p:txBody>
+          <a:bodyPr/>
+          <a:lstStyle/>
+          <a:p>
+            <a:r>
+              <a:rPr kumimoji="1" lang="ja-JP" altLang="en-US" dirty="0" smtClean="0"/>
+              <a:t>タグ付けに関しての論文</a:t>
+            </a:r>
+            <a:endParaRPr kumimoji="1" lang="ja-JP" altLang="en-US" dirty="0"/>
+          </a:p>
+        </p:txBody>
+      </p:sp>
+      <p:sp>
+        <p:nvSpPr>
+          <p:cNvPr id="3" name="コンテンツ プレースホルダー 2"/>
+          <p:cNvSpPr>
+            <a:spLocks noGrp="1"/>
+          </p:cNvSpPr>
+          <p:nvPr>
+            <p:ph idx="1"/>
+          </p:nvPr>
+        </p:nvSpPr>
+        <p:spPr/>
+        <p:txBody>
+          <a:bodyPr/>
+          <a:lstStyle/>
+          <a:p>
+            <a:pPr marL="0" indent="0">
+              <a:buNone/>
+            </a:pPr>
+            <a:r>
+              <a:rPr lang="ja-JP" altLang="en-US" dirty="0"/>
+              <a:t>音楽動画への印象評価データセット構築とその特性の</a:t>
+            </a:r>
+            <a:r>
+              <a:rPr lang="ja-JP" altLang="en-US" dirty="0" smtClean="0"/>
+              <a:t>調査</a:t>
+            </a:r>
+            <a:endParaRPr lang="en-US" altLang="ja-JP" dirty="0" smtClean="0"/>
+          </a:p>
+          <a:p>
+            <a:pPr marL="0" indent="0">
+              <a:buNone/>
+            </a:pPr>
+            <a:r>
+              <a:rPr lang="ja-JP" altLang="en-US" dirty="0" smtClean="0"/>
+              <a:t>という論文を読み進めている。</a:t>
+            </a:r>
+            <a:endParaRPr kumimoji="1" lang="ja-JP" altLang="en-US" dirty="0"/>
+          </a:p>
+        </p:txBody>
+      </p:sp>
+      <p:sp>
+        <p:nvSpPr>
+          <p:cNvPr id="4" name="スライド番号プレースホルダー 3"/>
+          <p:cNvSpPr>
+            <a:spLocks noGrp="1"/>
+          </p:cNvSpPr>
+          <p:nvPr>
+            <p:ph type="sldNum" sz="quarter" idx="12"/>
+          </p:nvPr>
+        </p:nvSpPr>
+        <p:spPr/>
+        <p:txBody>
+          <a:bodyPr/>
+          <a:lstStyle/>
+          <a:p>
+            <a:fld id="{82B0F181-4DAC-4AF6-AAF0-BC662F10B70B}" type="slidenum">
+              <a:rPr kumimoji="1" lang="ja-JP" altLang="en-US" smtClean="0"/>
+              <a:t>8</a:t>
+            </a:fld>
+            <a:endParaRPr kumimoji="1" lang="ja-JP" altLang="en-US"/>
+          </a:p>
+        </p:txBody>
+      </p:sp>
+    </p:spTree>
+    <p:extLst>
+      <p:ext uri="{BB962C8B-B14F-4D97-AF65-F5344CB8AC3E}">
+        <p14:creationId xmlns:p14="http://schemas.microsoft.com/office/powerpoint/2010/main" val="1872226156"/>
+      </p:ext>
+    </p:extLst>
+  </p:cSld>
+  <p:clrMapOvr>
+    <a:masterClrMapping/>
+  </p:clrMapOvr>
+</p:sld>
+</file>
+
+<file path=ppt/slides/slide9.xml><?xml version="1.0" encoding="utf-8"?>
+<p:sld xmlns:a="http://schemas.openxmlformats.org/drawingml/2006/main" xmlns:r="http://schemas.openxmlformats.org/officeDocument/2006/relationships" xmlns:p="http://schemas.openxmlformats.org/presentationml/2006/main">
+  <p:cSld>
+    <p:spTree>
+      <p:nvGrpSpPr>
+        <p:cNvPr id="1" name=""/>
+        <p:cNvGrpSpPr/>
+        <p:nvPr/>
+      </p:nvGrpSpPr>
+      <p:grpSpPr>
+        <a:xfrm>
+          <a:off x="0" y="0"/>
+          <a:ext cx="0" cy="0"/>
+          <a:chOff x="0" y="0"/>
+          <a:chExt cx="0" cy="0"/>
+        </a:xfrm>
+      </p:grpSpPr>
+      <p:sp>
+        <p:nvSpPr>
+          <p:cNvPr id="2" name="タイトル 1"/>
+          <p:cNvSpPr>
+            <a:spLocks noGrp="1"/>
+          </p:cNvSpPr>
+          <p:nvPr>
+            <p:ph type="title"/>
+          </p:nvPr>
+        </p:nvSpPr>
+        <p:spPr/>
+        <p:txBody>
+          <a:bodyPr/>
+          <a:lstStyle/>
+          <a:p>
+            <a:r>
+              <a:rPr kumimoji="1" lang="ja-JP" altLang="en-US" dirty="0" smtClean="0"/>
+              <a:t>音楽のタグについて</a:t>
+            </a:r>
+            <a:endParaRPr kumimoji="1" lang="ja-JP" altLang="en-US" dirty="0"/>
+          </a:p>
+        </p:txBody>
+      </p:sp>
+      <p:sp>
+        <p:nvSpPr>
+          <p:cNvPr id="3" name="コンテンツ プレースホルダー 2"/>
+          <p:cNvSpPr>
+            <a:spLocks noGrp="1"/>
+          </p:cNvSpPr>
+          <p:nvPr>
+            <p:ph idx="1"/>
+          </p:nvPr>
+        </p:nvSpPr>
+        <p:spPr/>
+        <p:txBody>
+          <a:bodyPr/>
+          <a:lstStyle/>
+          <a:p>
+            <a:pPr marL="0" indent="0">
+              <a:buNone/>
+            </a:pPr>
+            <a:r>
+              <a:rPr kumimoji="1" lang="ja-JP" altLang="en-US" dirty="0" smtClean="0"/>
+              <a:t>前回指摘があったがタグの種類に関しては昼か夜かでも変わってくるし。観光地の街並みなどでも変わってくるのでもう少し深く考える必要があると感じた。</a:t>
+            </a:r>
+            <a:endParaRPr kumimoji="1" lang="ja-JP" altLang="en-US" dirty="0"/>
+          </a:p>
+        </p:txBody>
+      </p:sp>
+      <p:sp>
+        <p:nvSpPr>
+          <p:cNvPr id="4" name="スライド番号プレースホルダー 3"/>
+          <p:cNvSpPr>
+            <a:spLocks noGrp="1"/>
+          </p:cNvSpPr>
+          <p:nvPr>
+            <p:ph type="sldNum" sz="quarter" idx="12"/>
+          </p:nvPr>
+        </p:nvSpPr>
+        <p:spPr/>
+        <p:txBody>
+          <a:bodyPr/>
+          <a:lstStyle/>
+          <a:p>
+            <a:fld id="{82B0F181-4DAC-4AF6-AAF0-BC662F10B70B}" type="slidenum">
+              <a:rPr kumimoji="1" lang="ja-JP" altLang="en-US" smtClean="0"/>
+              <a:t>9</a:t>
+            </a:fld>
+            <a:endParaRPr kumimoji="1" lang="ja-JP" altLang="en-US"/>
+          </a:p>
+        </p:txBody>
+      </p:sp>
+    </p:spTree>
+    <p:extLst>
+      <p:ext uri="{BB962C8B-B14F-4D97-AF65-F5344CB8AC3E}">
+        <p14:creationId xmlns:p14="http://schemas.microsoft.com/office/powerpoint/2010/main" val="3595796538"/>
       </p:ext>
     </p:extLst>
   </p:cSld>

--- a/1821144_yoshii_sotsuken.pptx
+++ b/1821144_yoshii_sotsuken.pptx
@@ -5,7 +5,7 @@
     <p:sldMasterId id="2147483648" r:id="rId1"/>
   </p:sldMasterIdLst>
   <p:notesMasterIdLst>
-    <p:notesMasterId r:id="rId12"/>
+    <p:notesMasterId r:id="rId16"/>
   </p:notesMasterIdLst>
   <p:sldIdLst>
     <p:sldId id="256" r:id="rId2"/>
@@ -18,6 +18,10 @@
     <p:sldId id="263" r:id="rId9"/>
     <p:sldId id="264" r:id="rId10"/>
     <p:sldId id="265" r:id="rId11"/>
+    <p:sldId id="266" r:id="rId12"/>
+    <p:sldId id="267" r:id="rId13"/>
+    <p:sldId id="268" r:id="rId14"/>
+    <p:sldId id="269" r:id="rId15"/>
   </p:sldIdLst>
   <p:sldSz cx="12192000" cy="6858000"/>
   <p:notesSz cx="6858000" cy="9144000"/>
@@ -206,7 +210,7 @@
           <a:p>
             <a:fld id="{BCB9648B-AEFE-42C2-8ABD-77434AB00849}" type="datetimeFigureOut">
               <a:rPr kumimoji="1" lang="ja-JP" altLang="en-US" smtClean="0"/>
-              <a:t>2021/5/7</a:t>
+              <a:t>2021/5/14</a:t>
             </a:fld>
             <a:endParaRPr kumimoji="1" lang="ja-JP" altLang="en-US"/>
           </a:p>
@@ -637,7 +641,7 @@
           <a:p>
             <a:fld id="{BC0FC1BD-A483-4243-B6A9-AEA49E313BC4}" type="datetime1">
               <a:rPr kumimoji="1" lang="ja-JP" altLang="en-US" smtClean="0"/>
-              <a:t>2021/5/7</a:t>
+              <a:t>2021/5/14</a:t>
             </a:fld>
             <a:endParaRPr kumimoji="1" lang="ja-JP" altLang="en-US"/>
           </a:p>
@@ -839,7 +843,7 @@
           <a:p>
             <a:fld id="{AA5417CA-F50F-45D8-8913-A64CBDFEAA11}" type="datetime1">
               <a:rPr kumimoji="1" lang="ja-JP" altLang="en-US" smtClean="0"/>
-              <a:t>2021/5/7</a:t>
+              <a:t>2021/5/14</a:t>
             </a:fld>
             <a:endParaRPr kumimoji="1" lang="ja-JP" altLang="en-US"/>
           </a:p>
@@ -1051,7 +1055,7 @@
           <a:p>
             <a:fld id="{1227B52B-1226-4738-9D37-1BA9FBAC9F1D}" type="datetime1">
               <a:rPr kumimoji="1" lang="ja-JP" altLang="en-US" smtClean="0"/>
-              <a:t>2021/5/7</a:t>
+              <a:t>2021/5/14</a:t>
             </a:fld>
             <a:endParaRPr kumimoji="1" lang="ja-JP" altLang="en-US"/>
           </a:p>
@@ -1253,7 +1257,7 @@
           <a:p>
             <a:fld id="{5C85E33D-31B1-4591-8E9C-3E936DED5E92}" type="datetime1">
               <a:rPr kumimoji="1" lang="ja-JP" altLang="en-US" smtClean="0"/>
-              <a:t>2021/5/7</a:t>
+              <a:t>2021/5/14</a:t>
             </a:fld>
             <a:endParaRPr kumimoji="1" lang="ja-JP" altLang="en-US"/>
           </a:p>
@@ -1499,7 +1503,7 @@
           <a:p>
             <a:fld id="{F27CD682-BF66-4B8E-8A63-21501F91F5E3}" type="datetime1">
               <a:rPr kumimoji="1" lang="ja-JP" altLang="en-US" smtClean="0"/>
-              <a:t>2021/5/7</a:t>
+              <a:t>2021/5/14</a:t>
             </a:fld>
             <a:endParaRPr kumimoji="1" lang="ja-JP" altLang="en-US"/>
           </a:p>
@@ -1795,7 +1799,7 @@
           <a:p>
             <a:fld id="{27378C8D-7596-446D-AFEB-50FDD143704D}" type="datetime1">
               <a:rPr kumimoji="1" lang="ja-JP" altLang="en-US" smtClean="0"/>
-              <a:t>2021/5/7</a:t>
+              <a:t>2021/5/14</a:t>
             </a:fld>
             <a:endParaRPr kumimoji="1" lang="ja-JP" altLang="en-US"/>
           </a:p>
@@ -2226,7 +2230,7 @@
           <a:p>
             <a:fld id="{A040A03A-A697-4819-835E-F2749A1B35C9}" type="datetime1">
               <a:rPr kumimoji="1" lang="ja-JP" altLang="en-US" smtClean="0"/>
-              <a:t>2021/5/7</a:t>
+              <a:t>2021/5/14</a:t>
             </a:fld>
             <a:endParaRPr kumimoji="1" lang="ja-JP" altLang="en-US"/>
           </a:p>
@@ -2344,7 +2348,7 @@
           <a:p>
             <a:fld id="{868B2368-AD31-4716-AEAE-64986817D583}" type="datetime1">
               <a:rPr kumimoji="1" lang="ja-JP" altLang="en-US" smtClean="0"/>
-              <a:t>2021/5/7</a:t>
+              <a:t>2021/5/14</a:t>
             </a:fld>
             <a:endParaRPr kumimoji="1" lang="ja-JP" altLang="en-US"/>
           </a:p>
@@ -2439,7 +2443,7 @@
           <a:p>
             <a:fld id="{756D2065-9F54-400B-9D14-6A1CF037C9AC}" type="datetime1">
               <a:rPr kumimoji="1" lang="ja-JP" altLang="en-US" smtClean="0"/>
-              <a:t>2021/5/7</a:t>
+              <a:t>2021/5/14</a:t>
             </a:fld>
             <a:endParaRPr kumimoji="1" lang="ja-JP" altLang="en-US"/>
           </a:p>
@@ -2748,7 +2752,7 @@
           <a:p>
             <a:fld id="{BE9CA775-0781-467A-832A-6C4D4E629D1E}" type="datetime1">
               <a:rPr kumimoji="1" lang="ja-JP" altLang="en-US" smtClean="0"/>
-              <a:t>2021/5/7</a:t>
+              <a:t>2021/5/14</a:t>
             </a:fld>
             <a:endParaRPr kumimoji="1" lang="ja-JP" altLang="en-US"/>
           </a:p>
@@ -3001,7 +3005,7 @@
           <a:p>
             <a:fld id="{A451F554-8CDE-45DC-9560-FC94B5583924}" type="datetime1">
               <a:rPr kumimoji="1" lang="ja-JP" altLang="en-US" smtClean="0"/>
-              <a:t>2021/5/7</a:t>
+              <a:t>2021/5/14</a:t>
             </a:fld>
             <a:endParaRPr kumimoji="1" lang="ja-JP" altLang="en-US"/>
           </a:p>
@@ -3246,7 +3250,7 @@
           <a:p>
             <a:fld id="{D7A02573-CF0B-4069-B388-0FE957D4161C}" type="datetime1">
               <a:rPr kumimoji="1" lang="ja-JP" altLang="en-US" smtClean="0"/>
-              <a:t>2021/5/7</a:t>
+              <a:t>2021/5/14</a:t>
             </a:fld>
             <a:endParaRPr kumimoji="1" lang="ja-JP" altLang="en-US"/>
           </a:p>
@@ -3883,6 +3887,634 @@
     <p:extLst>
       <p:ext uri="{BB962C8B-B14F-4D97-AF65-F5344CB8AC3E}">
         <p14:creationId xmlns:p14="http://schemas.microsoft.com/office/powerpoint/2010/main" val="2318648596"/>
+      </p:ext>
+    </p:extLst>
+  </p:cSld>
+  <p:clrMapOvr>
+    <a:masterClrMapping/>
+  </p:clrMapOvr>
+</p:sld>
+</file>
+
+<file path=ppt/slides/slide11.xml><?xml version="1.0" encoding="utf-8"?>
+<p:sld xmlns:a="http://schemas.openxmlformats.org/drawingml/2006/main" xmlns:r="http://schemas.openxmlformats.org/officeDocument/2006/relationships" xmlns:p="http://schemas.openxmlformats.org/presentationml/2006/main">
+  <p:cSld>
+    <p:spTree>
+      <p:nvGrpSpPr>
+        <p:cNvPr id="1" name=""/>
+        <p:cNvGrpSpPr/>
+        <p:nvPr/>
+      </p:nvGrpSpPr>
+      <p:grpSpPr>
+        <a:xfrm>
+          <a:off x="0" y="0"/>
+          <a:ext cx="0" cy="0"/>
+          <a:chOff x="0" y="0"/>
+          <a:chExt cx="0" cy="0"/>
+        </a:xfrm>
+      </p:grpSpPr>
+      <p:sp>
+        <p:nvSpPr>
+          <p:cNvPr id="2" name="タイトル 1"/>
+          <p:cNvSpPr>
+            <a:spLocks noGrp="1"/>
+          </p:cNvSpPr>
+          <p:nvPr>
+            <p:ph type="title"/>
+          </p:nvPr>
+        </p:nvSpPr>
+        <p:spPr/>
+        <p:txBody>
+          <a:bodyPr/>
+          <a:lstStyle/>
+          <a:p>
+            <a:r>
+              <a:rPr kumimoji="1" lang="en-US" altLang="ja-JP" dirty="0" smtClean="0"/>
+              <a:t>5/7</a:t>
+            </a:r>
+            <a:r>
+              <a:rPr kumimoji="1" lang="ja-JP" altLang="en-US" dirty="0" smtClean="0"/>
+              <a:t>～</a:t>
+            </a:r>
+            <a:r>
+              <a:rPr kumimoji="1" lang="en-US" altLang="ja-JP" dirty="0" smtClean="0"/>
+              <a:t>5/14</a:t>
+            </a:r>
+            <a:r>
+              <a:rPr kumimoji="1" lang="ja-JP" altLang="en-US" dirty="0" smtClean="0"/>
+              <a:t>の作業</a:t>
+            </a:r>
+            <a:endParaRPr kumimoji="1" lang="ja-JP" altLang="en-US" dirty="0"/>
+          </a:p>
+        </p:txBody>
+      </p:sp>
+      <p:sp>
+        <p:nvSpPr>
+          <p:cNvPr id="3" name="コンテンツ プレースホルダー 2"/>
+          <p:cNvSpPr>
+            <a:spLocks noGrp="1"/>
+          </p:cNvSpPr>
+          <p:nvPr>
+            <p:ph idx="1"/>
+          </p:nvPr>
+        </p:nvSpPr>
+        <p:spPr/>
+        <p:txBody>
+          <a:bodyPr/>
+          <a:lstStyle/>
+          <a:p>
+            <a:pPr marL="0" indent="0">
+              <a:buNone/>
+            </a:pPr>
+            <a:r>
+              <a:rPr lang="ja-JP" altLang="en-US" dirty="0"/>
+              <a:t>・論文の読了</a:t>
+            </a:r>
+            <a:endParaRPr lang="en-US" altLang="ja-JP" dirty="0"/>
+          </a:p>
+          <a:p>
+            <a:pPr marL="0" indent="0">
+              <a:buNone/>
+            </a:pPr>
+            <a:r>
+              <a:rPr kumimoji="1" lang="ja-JP" altLang="en-US" dirty="0" smtClean="0"/>
+              <a:t>・</a:t>
+            </a:r>
+            <a:r>
+              <a:rPr kumimoji="1" lang="en-US" altLang="ja-JP" dirty="0" smtClean="0"/>
+              <a:t>Python</a:t>
+            </a:r>
+            <a:r>
+              <a:rPr kumimoji="1" lang="ja-JP" altLang="en-US" dirty="0" smtClean="0"/>
+              <a:t>の勉強（継続）</a:t>
+            </a:r>
+            <a:endParaRPr kumimoji="1" lang="en-US" altLang="ja-JP" dirty="0" smtClean="0"/>
+          </a:p>
+          <a:p>
+            <a:pPr marL="0" indent="0">
+              <a:buNone/>
+            </a:pPr>
+            <a:endParaRPr kumimoji="1" lang="ja-JP" altLang="en-US" dirty="0"/>
+          </a:p>
+        </p:txBody>
+      </p:sp>
+      <p:sp>
+        <p:nvSpPr>
+          <p:cNvPr id="4" name="スライド番号プレースホルダー 3"/>
+          <p:cNvSpPr>
+            <a:spLocks noGrp="1"/>
+          </p:cNvSpPr>
+          <p:nvPr>
+            <p:ph type="sldNum" sz="quarter" idx="12"/>
+          </p:nvPr>
+        </p:nvSpPr>
+        <p:spPr/>
+        <p:txBody>
+          <a:bodyPr/>
+          <a:lstStyle/>
+          <a:p>
+            <a:fld id="{82B0F181-4DAC-4AF6-AAF0-BC662F10B70B}" type="slidenum">
+              <a:rPr kumimoji="1" lang="ja-JP" altLang="en-US" smtClean="0"/>
+              <a:t>11</a:t>
+            </a:fld>
+            <a:endParaRPr kumimoji="1" lang="ja-JP" altLang="en-US"/>
+          </a:p>
+        </p:txBody>
+      </p:sp>
+    </p:spTree>
+    <p:extLst>
+      <p:ext uri="{BB962C8B-B14F-4D97-AF65-F5344CB8AC3E}">
+        <p14:creationId xmlns:p14="http://schemas.microsoft.com/office/powerpoint/2010/main" val="3583897365"/>
+      </p:ext>
+    </p:extLst>
+  </p:cSld>
+  <p:clrMapOvr>
+    <a:masterClrMapping/>
+  </p:clrMapOvr>
+</p:sld>
+</file>
+
+<file path=ppt/slides/slide12.xml><?xml version="1.0" encoding="utf-8"?>
+<p:sld xmlns:a="http://schemas.openxmlformats.org/drawingml/2006/main" xmlns:r="http://schemas.openxmlformats.org/officeDocument/2006/relationships" xmlns:p="http://schemas.openxmlformats.org/presentationml/2006/main">
+  <p:cSld>
+    <p:spTree>
+      <p:nvGrpSpPr>
+        <p:cNvPr id="1" name=""/>
+        <p:cNvGrpSpPr/>
+        <p:nvPr/>
+      </p:nvGrpSpPr>
+      <p:grpSpPr>
+        <a:xfrm>
+          <a:off x="0" y="0"/>
+          <a:ext cx="0" cy="0"/>
+          <a:chOff x="0" y="0"/>
+          <a:chExt cx="0" cy="0"/>
+        </a:xfrm>
+      </p:grpSpPr>
+      <p:sp>
+        <p:nvSpPr>
+          <p:cNvPr id="2" name="タイトル 1"/>
+          <p:cNvSpPr>
+            <a:spLocks noGrp="1"/>
+          </p:cNvSpPr>
+          <p:nvPr>
+            <p:ph type="title"/>
+          </p:nvPr>
+        </p:nvSpPr>
+        <p:spPr/>
+        <p:txBody>
+          <a:bodyPr/>
+          <a:lstStyle/>
+          <a:p>
+            <a:r>
+              <a:rPr kumimoji="1" lang="ja-JP" altLang="en-US" dirty="0" smtClean="0"/>
+              <a:t>論文の読了</a:t>
+            </a:r>
+            <a:endParaRPr kumimoji="1" lang="ja-JP" altLang="en-US" dirty="0"/>
+          </a:p>
+        </p:txBody>
+      </p:sp>
+      <p:sp>
+        <p:nvSpPr>
+          <p:cNvPr id="3" name="コンテンツ プレースホルダー 2"/>
+          <p:cNvSpPr>
+            <a:spLocks noGrp="1"/>
+          </p:cNvSpPr>
+          <p:nvPr>
+            <p:ph idx="1"/>
+          </p:nvPr>
+        </p:nvSpPr>
+        <p:spPr/>
+        <p:txBody>
+          <a:bodyPr/>
+          <a:lstStyle/>
+          <a:p>
+            <a:pPr marL="0" indent="0">
+              <a:buNone/>
+            </a:pPr>
+            <a:r>
+              <a:rPr lang="en-US" altLang="ja-JP" dirty="0" smtClean="0"/>
+              <a:t>『</a:t>
+            </a:r>
+            <a:r>
+              <a:rPr lang="ja-JP" altLang="en-US" dirty="0" smtClean="0"/>
+              <a:t>音楽</a:t>
+            </a:r>
+            <a:r>
+              <a:rPr lang="ja-JP" altLang="en-US" dirty="0"/>
+              <a:t>動画への印象評価データセット構築とその</a:t>
+            </a:r>
+            <a:r>
+              <a:rPr lang="ja-JP" altLang="en-US" dirty="0" smtClean="0"/>
+              <a:t>特性</a:t>
+            </a:r>
+            <a:r>
+              <a:rPr lang="en-US" altLang="ja-JP" dirty="0" smtClean="0"/>
+              <a:t>』</a:t>
+            </a:r>
+            <a:r>
+              <a:rPr lang="ja-JP" altLang="en-US" dirty="0" smtClean="0"/>
+              <a:t>の読了。</a:t>
+            </a:r>
+            <a:endParaRPr lang="en-US" altLang="ja-JP" dirty="0" smtClean="0"/>
+          </a:p>
+          <a:p>
+            <a:pPr marL="0" indent="0">
+              <a:buNone/>
+            </a:pPr>
+            <a:r>
+              <a:rPr lang="ja-JP" altLang="en-US" dirty="0" smtClean="0"/>
+              <a:t>サビのみで評価するかフルで評価するかで印象が変わるため、ひとつの音楽でも様々な印象がある。</a:t>
+            </a:r>
+            <a:endParaRPr lang="en-US" altLang="ja-JP" dirty="0" smtClean="0"/>
+          </a:p>
+          <a:p>
+            <a:pPr marL="0" indent="0">
+              <a:buNone/>
+            </a:pPr>
+            <a:r>
+              <a:rPr lang="ja-JP" altLang="en-US" dirty="0" smtClean="0"/>
+              <a:t>→観光地推薦なので短いサビのみで印象評価をするのがよさそう</a:t>
+            </a:r>
+            <a:endParaRPr lang="en-US" altLang="ja-JP" dirty="0" smtClean="0"/>
+          </a:p>
+          <a:p>
+            <a:pPr marL="0" indent="0">
+              <a:buNone/>
+            </a:pPr>
+            <a:endParaRPr lang="en-US" altLang="ja-JP" dirty="0"/>
+          </a:p>
+          <a:p>
+            <a:pPr marL="0" indent="0">
+              <a:buNone/>
+            </a:pPr>
+            <a:r>
+              <a:rPr lang="ja-JP" altLang="en-US" dirty="0" smtClean="0"/>
+              <a:t>論文内で</a:t>
+            </a:r>
+            <a:r>
+              <a:rPr lang="en-US" altLang="ja-JP" dirty="0" smtClean="0"/>
+              <a:t>8</a:t>
+            </a:r>
+            <a:r>
+              <a:rPr lang="ja-JP" altLang="en-US" dirty="0" err="1" smtClean="0"/>
+              <a:t>つの</a:t>
+            </a:r>
+            <a:r>
+              <a:rPr lang="ja-JP" altLang="en-US" dirty="0" smtClean="0"/>
+              <a:t>印象軸を使用していたのでこれを参考にしようと思う</a:t>
+            </a:r>
+            <a:endParaRPr lang="en-US" altLang="ja-JP" dirty="0"/>
+          </a:p>
+        </p:txBody>
+      </p:sp>
+      <p:sp>
+        <p:nvSpPr>
+          <p:cNvPr id="4" name="スライド番号プレースホルダー 3"/>
+          <p:cNvSpPr>
+            <a:spLocks noGrp="1"/>
+          </p:cNvSpPr>
+          <p:nvPr>
+            <p:ph type="sldNum" sz="quarter" idx="12"/>
+          </p:nvPr>
+        </p:nvSpPr>
+        <p:spPr/>
+        <p:txBody>
+          <a:bodyPr/>
+          <a:lstStyle/>
+          <a:p>
+            <a:fld id="{82B0F181-4DAC-4AF6-AAF0-BC662F10B70B}" type="slidenum">
+              <a:rPr kumimoji="1" lang="ja-JP" altLang="en-US" smtClean="0"/>
+              <a:t>12</a:t>
+            </a:fld>
+            <a:endParaRPr kumimoji="1" lang="ja-JP" altLang="en-US"/>
+          </a:p>
+        </p:txBody>
+      </p:sp>
+    </p:spTree>
+    <p:extLst>
+      <p:ext uri="{BB962C8B-B14F-4D97-AF65-F5344CB8AC3E}">
+        <p14:creationId xmlns:p14="http://schemas.microsoft.com/office/powerpoint/2010/main" val="4030204984"/>
+      </p:ext>
+    </p:extLst>
+  </p:cSld>
+  <p:clrMapOvr>
+    <a:masterClrMapping/>
+  </p:clrMapOvr>
+</p:sld>
+</file>
+
+<file path=ppt/slides/slide13.xml><?xml version="1.0" encoding="utf-8"?>
+<p:sld xmlns:a="http://schemas.openxmlformats.org/drawingml/2006/main" xmlns:r="http://schemas.openxmlformats.org/officeDocument/2006/relationships" xmlns:p="http://schemas.openxmlformats.org/presentationml/2006/main">
+  <p:cSld>
+    <p:spTree>
+      <p:nvGrpSpPr>
+        <p:cNvPr id="1" name=""/>
+        <p:cNvGrpSpPr/>
+        <p:nvPr/>
+      </p:nvGrpSpPr>
+      <p:grpSpPr>
+        <a:xfrm>
+          <a:off x="0" y="0"/>
+          <a:ext cx="0" cy="0"/>
+          <a:chOff x="0" y="0"/>
+          <a:chExt cx="0" cy="0"/>
+        </a:xfrm>
+      </p:grpSpPr>
+      <p:sp>
+        <p:nvSpPr>
+          <p:cNvPr id="2" name="タイトル 1"/>
+          <p:cNvSpPr>
+            <a:spLocks noGrp="1"/>
+          </p:cNvSpPr>
+          <p:nvPr>
+            <p:ph type="title"/>
+          </p:nvPr>
+        </p:nvSpPr>
+        <p:spPr/>
+        <p:txBody>
+          <a:bodyPr/>
+          <a:lstStyle/>
+          <a:p>
+            <a:r>
+              <a:rPr kumimoji="1" lang="en-US" altLang="ja-JP" dirty="0" smtClean="0"/>
+              <a:t>Python</a:t>
+            </a:r>
+            <a:r>
+              <a:rPr kumimoji="1" lang="ja-JP" altLang="en-US" dirty="0" smtClean="0"/>
+              <a:t>の勉強</a:t>
+            </a:r>
+            <a:endParaRPr kumimoji="1" lang="ja-JP" altLang="en-US" dirty="0"/>
+          </a:p>
+        </p:txBody>
+      </p:sp>
+      <p:sp>
+        <p:nvSpPr>
+          <p:cNvPr id="3" name="コンテンツ プレースホルダー 2"/>
+          <p:cNvSpPr>
+            <a:spLocks noGrp="1"/>
+          </p:cNvSpPr>
+          <p:nvPr>
+            <p:ph idx="1"/>
+          </p:nvPr>
+        </p:nvSpPr>
+        <p:spPr>
+          <a:xfrm>
+            <a:off x="516467" y="1825625"/>
+            <a:ext cx="11421533" cy="4351338"/>
+          </a:xfrm>
+        </p:spPr>
+        <p:txBody>
+          <a:bodyPr/>
+          <a:lstStyle/>
+          <a:p>
+            <a:pPr marL="0" indent="0">
+              <a:buNone/>
+            </a:pPr>
+            <a:r>
+              <a:rPr lang="ja-JP" altLang="en-US" dirty="0"/>
+              <a:t>一から</a:t>
+            </a:r>
+            <a:r>
+              <a:rPr lang="ja-JP" altLang="en-US" dirty="0" smtClean="0"/>
+              <a:t>読んで勉強していたがこれだと時間が足りなくなるので必要な部分を勉強する必要がある。</a:t>
+            </a:r>
+            <a:endParaRPr lang="en-US" altLang="ja-JP" dirty="0" smtClean="0"/>
+          </a:p>
+          <a:p>
+            <a:pPr marL="0" indent="0">
+              <a:buNone/>
+            </a:pPr>
+            <a:r>
+              <a:rPr lang="ja-JP" altLang="en-US" dirty="0"/>
+              <a:t>ラウンドロビン</a:t>
+            </a:r>
+            <a:r>
+              <a:rPr lang="ja-JP" altLang="en-US" dirty="0" smtClean="0"/>
+              <a:t>でデータを高速にさばくのでラウンドロビンの勉強</a:t>
+            </a:r>
+            <a:endParaRPr lang="en-US" altLang="ja-JP" dirty="0" smtClean="0"/>
+          </a:p>
+          <a:p>
+            <a:pPr marL="0" indent="0">
+              <a:buNone/>
+            </a:pPr>
+            <a:r>
+              <a:rPr lang="en-US" altLang="ja-JP" dirty="0" smtClean="0"/>
+              <a:t>https</a:t>
+            </a:r>
+            <a:r>
+              <a:rPr lang="en-US" altLang="ja-JP" dirty="0"/>
+              <a:t>://lonely-journalclub.com/algorithm/mynavi-book/post-516</a:t>
+            </a:r>
+            <a:r>
+              <a:rPr lang="en-US" altLang="ja-JP" dirty="0" smtClean="0"/>
+              <a:t>/</a:t>
+            </a:r>
+          </a:p>
+          <a:p>
+            <a:pPr marL="0" indent="0">
+              <a:buNone/>
+            </a:pPr>
+            <a:r>
+              <a:rPr kumimoji="1" lang="ja-JP" altLang="en-US" dirty="0" smtClean="0"/>
+              <a:t>ラウンドロビンに関しては上記プログラムを参考に</a:t>
+            </a:r>
+            <a:r>
+              <a:rPr kumimoji="1" lang="ja-JP" altLang="en-US" dirty="0" err="1" smtClean="0"/>
+              <a:t>し</a:t>
+            </a:r>
+            <a:r>
+              <a:rPr kumimoji="1" lang="ja-JP" altLang="en-US" dirty="0" smtClean="0"/>
+              <a:t>分からない部分を勉強しようと思う。</a:t>
+            </a:r>
+            <a:endParaRPr kumimoji="1" lang="en-US" altLang="ja-JP" dirty="0"/>
+          </a:p>
+          <a:p>
+            <a:pPr marL="0" indent="0">
+              <a:buNone/>
+            </a:pPr>
+            <a:endParaRPr kumimoji="1" lang="ja-JP" altLang="en-US" dirty="0"/>
+          </a:p>
+        </p:txBody>
+      </p:sp>
+      <p:sp>
+        <p:nvSpPr>
+          <p:cNvPr id="4" name="スライド番号プレースホルダー 3"/>
+          <p:cNvSpPr>
+            <a:spLocks noGrp="1"/>
+          </p:cNvSpPr>
+          <p:nvPr>
+            <p:ph type="sldNum" sz="quarter" idx="12"/>
+          </p:nvPr>
+        </p:nvSpPr>
+        <p:spPr/>
+        <p:txBody>
+          <a:bodyPr/>
+          <a:lstStyle/>
+          <a:p>
+            <a:fld id="{82B0F181-4DAC-4AF6-AAF0-BC662F10B70B}" type="slidenum">
+              <a:rPr kumimoji="1" lang="ja-JP" altLang="en-US" smtClean="0"/>
+              <a:t>13</a:t>
+            </a:fld>
+            <a:endParaRPr kumimoji="1" lang="ja-JP" altLang="en-US"/>
+          </a:p>
+        </p:txBody>
+      </p:sp>
+    </p:spTree>
+    <p:extLst>
+      <p:ext uri="{BB962C8B-B14F-4D97-AF65-F5344CB8AC3E}">
+        <p14:creationId xmlns:p14="http://schemas.microsoft.com/office/powerpoint/2010/main" val="1183395967"/>
+      </p:ext>
+    </p:extLst>
+  </p:cSld>
+  <p:clrMapOvr>
+    <a:masterClrMapping/>
+  </p:clrMapOvr>
+</p:sld>
+</file>
+
+<file path=ppt/slides/slide14.xml><?xml version="1.0" encoding="utf-8"?>
+<p:sld xmlns:a="http://schemas.openxmlformats.org/drawingml/2006/main" xmlns:r="http://schemas.openxmlformats.org/officeDocument/2006/relationships" xmlns:p="http://schemas.openxmlformats.org/presentationml/2006/main">
+  <p:cSld>
+    <p:spTree>
+      <p:nvGrpSpPr>
+        <p:cNvPr id="1" name=""/>
+        <p:cNvGrpSpPr/>
+        <p:nvPr/>
+      </p:nvGrpSpPr>
+      <p:grpSpPr>
+        <a:xfrm>
+          <a:off x="0" y="0"/>
+          <a:ext cx="0" cy="0"/>
+          <a:chOff x="0" y="0"/>
+          <a:chExt cx="0" cy="0"/>
+        </a:xfrm>
+      </p:grpSpPr>
+      <p:sp>
+        <p:nvSpPr>
+          <p:cNvPr id="2" name="タイトル 1"/>
+          <p:cNvSpPr>
+            <a:spLocks noGrp="1"/>
+          </p:cNvSpPr>
+          <p:nvPr>
+            <p:ph type="title"/>
+          </p:nvPr>
+        </p:nvSpPr>
+        <p:spPr/>
+        <p:txBody>
+          <a:bodyPr/>
+          <a:lstStyle/>
+          <a:p>
+            <a:r>
+              <a:rPr lang="ja-JP" altLang="en-US" dirty="0" smtClean="0"/>
+              <a:t>これからやるべきこと・気づいたこと</a:t>
+            </a:r>
+            <a:endParaRPr kumimoji="1" lang="ja-JP" altLang="en-US" dirty="0"/>
+          </a:p>
+        </p:txBody>
+      </p:sp>
+      <p:sp>
+        <p:nvSpPr>
+          <p:cNvPr id="3" name="コンテンツ プレースホルダー 2"/>
+          <p:cNvSpPr>
+            <a:spLocks noGrp="1"/>
+          </p:cNvSpPr>
+          <p:nvPr>
+            <p:ph idx="1"/>
+          </p:nvPr>
+        </p:nvSpPr>
+        <p:spPr/>
+        <p:txBody>
+          <a:bodyPr/>
+          <a:lstStyle/>
+          <a:p>
+            <a:pPr marL="0" indent="0">
+              <a:buNone/>
+            </a:pPr>
+            <a:r>
+              <a:rPr kumimoji="1" lang="ja-JP" altLang="en-US" dirty="0" smtClean="0"/>
+              <a:t>ラウンドロビンのプログラムを実際に作成してみる。</a:t>
+            </a:r>
+            <a:endParaRPr kumimoji="1" lang="en-US" altLang="ja-JP" dirty="0" smtClean="0"/>
+          </a:p>
+          <a:p>
+            <a:pPr marL="0" indent="0">
+              <a:buNone/>
+            </a:pPr>
+            <a:r>
+              <a:rPr kumimoji="1" lang="ja-JP" altLang="en-US" dirty="0" smtClean="0"/>
+              <a:t>大量の音楽データを準備するプログラムの勉強。</a:t>
+            </a:r>
+            <a:endParaRPr kumimoji="1" lang="en-US" altLang="ja-JP" dirty="0" smtClean="0"/>
+          </a:p>
+          <a:p>
+            <a:pPr marL="0" indent="0">
+              <a:buNone/>
+            </a:pPr>
+            <a:r>
+              <a:rPr lang="ja-JP" altLang="en-US" dirty="0" smtClean="0"/>
+              <a:t>調べることしかしていなので作業を実践してみてわからない部分を勉強する必要がある。</a:t>
+            </a:r>
+            <a:endParaRPr lang="en-US" altLang="ja-JP" dirty="0" smtClean="0"/>
+          </a:p>
+          <a:p>
+            <a:pPr marL="0" indent="0">
+              <a:buNone/>
+            </a:pPr>
+            <a:r>
+              <a:rPr lang="ja-JP" altLang="en-US" dirty="0"/>
+              <a:t>日付</a:t>
+            </a:r>
+            <a:r>
+              <a:rPr lang="ja-JP" altLang="en-US" dirty="0" smtClean="0"/>
+              <a:t>を決めないと中々動くことができない性格なので</a:t>
+            </a:r>
+            <a:r>
+              <a:rPr lang="ja-JP" altLang="en-US" dirty="0"/>
+              <a:t>日曜日</a:t>
+            </a:r>
+            <a:r>
+              <a:rPr lang="ja-JP" altLang="en-US" dirty="0" smtClean="0"/>
+              <a:t>を作業日とする。</a:t>
+            </a:r>
+            <a:endParaRPr kumimoji="1" lang="en-US" altLang="ja-JP" dirty="0" smtClean="0"/>
+          </a:p>
+          <a:p>
+            <a:pPr marL="0" indent="0">
+              <a:buNone/>
+            </a:pPr>
+            <a:endParaRPr kumimoji="1" lang="ja-JP" altLang="en-US" dirty="0"/>
+          </a:p>
+        </p:txBody>
+      </p:sp>
+      <p:sp>
+        <p:nvSpPr>
+          <p:cNvPr id="4" name="スライド番号プレースホルダー 3"/>
+          <p:cNvSpPr>
+            <a:spLocks noGrp="1"/>
+          </p:cNvSpPr>
+          <p:nvPr>
+            <p:ph type="sldNum" sz="quarter" idx="12"/>
+          </p:nvPr>
+        </p:nvSpPr>
+        <p:spPr/>
+        <p:txBody>
+          <a:bodyPr/>
+          <a:lstStyle/>
+          <a:p>
+            <a:fld id="{82B0F181-4DAC-4AF6-AAF0-BC662F10B70B}" type="slidenum">
+              <a:rPr kumimoji="1" lang="ja-JP" altLang="en-US" smtClean="0"/>
+              <a:t>14</a:t>
+            </a:fld>
+            <a:endParaRPr kumimoji="1" lang="ja-JP" altLang="en-US"/>
+          </a:p>
+        </p:txBody>
+      </p:sp>
+    </p:spTree>
+    <p:extLst>
+      <p:ext uri="{BB962C8B-B14F-4D97-AF65-F5344CB8AC3E}">
+        <p14:creationId xmlns:p14="http://schemas.microsoft.com/office/powerpoint/2010/main" val="1985603738"/>
       </p:ext>
     </p:extLst>
   </p:cSld>

--- a/1821144_yoshii_sotsuken.pptx
+++ b/1821144_yoshii_sotsuken.pptx
@@ -5,7 +5,7 @@
     <p:sldMasterId id="2147483648" r:id="rId1"/>
   </p:sldMasterIdLst>
   <p:notesMasterIdLst>
-    <p:notesMasterId r:id="rId16"/>
+    <p:notesMasterId r:id="rId17"/>
   </p:notesMasterIdLst>
   <p:sldIdLst>
     <p:sldId id="256" r:id="rId2"/>
@@ -20,8 +20,9 @@
     <p:sldId id="265" r:id="rId11"/>
     <p:sldId id="266" r:id="rId12"/>
     <p:sldId id="267" r:id="rId13"/>
-    <p:sldId id="268" r:id="rId14"/>
-    <p:sldId id="269" r:id="rId15"/>
+    <p:sldId id="270" r:id="rId14"/>
+    <p:sldId id="268" r:id="rId15"/>
+    <p:sldId id="269" r:id="rId16"/>
   </p:sldIdLst>
   <p:sldSz cx="12192000" cy="6858000"/>
   <p:notesSz cx="6858000" cy="9144000"/>
@@ -4238,11 +4239,15 @@
           <a:p>
             <a:r>
               <a:rPr kumimoji="1" lang="en-US" altLang="ja-JP" dirty="0" smtClean="0"/>
-              <a:t>Python</a:t>
+              <a:t>8</a:t>
+            </a:r>
+            <a:r>
+              <a:rPr kumimoji="1" lang="ja-JP" altLang="en-US" dirty="0" err="1" smtClean="0"/>
+              <a:t>つの</a:t>
             </a:r>
             <a:r>
               <a:rPr kumimoji="1" lang="ja-JP" altLang="en-US" dirty="0" smtClean="0"/>
-              <a:t>の勉強</a:t>
+              <a:t>印象軸</a:t>
             </a:r>
             <a:endParaRPr kumimoji="1" lang="ja-JP" altLang="en-US" dirty="0"/>
           </a:p>
@@ -4260,80 +4265,88 @@
         </p:nvSpPr>
         <p:spPr>
           <a:xfrm>
-            <a:off x="516467" y="1825625"/>
-            <a:ext cx="11421533" cy="4351338"/>
+            <a:off x="76200" y="1825625"/>
+            <a:ext cx="11709400" cy="4351338"/>
           </a:xfrm>
         </p:spPr>
         <p:txBody>
-          <a:bodyPr/>
-          <a:lstStyle/>
-          <a:p>
-            <a:pPr marL="0" indent="0">
-              <a:buNone/>
-            </a:pPr>
-            <a:r>
-              <a:rPr lang="ja-JP" altLang="en-US" dirty="0"/>
-              <a:t>一から</a:t>
-            </a:r>
+          <a:bodyPr>
+            <a:normAutofit fontScale="92500"/>
+          </a:bodyPr>
+          <a:lstStyle/>
+          <a:p>
             <a:r>
               <a:rPr lang="ja-JP" altLang="en-US" dirty="0" smtClean="0"/>
-              <a:t>読んで勉強していたがこれだと時間が足りなくなるので必要な部分を勉強する必要がある。</a:t>
+              <a:t>堂々（堂々とした、どっしりとした、心躍る、にぎやかな）</a:t>
             </a:r>
             <a:endParaRPr lang="en-US" altLang="ja-JP" dirty="0" smtClean="0"/>
           </a:p>
           <a:p>
-            <a:pPr marL="0" indent="0">
-              <a:buNone/>
-            </a:pPr>
-            <a:r>
-              <a:rPr lang="ja-JP" altLang="en-US" dirty="0"/>
-              <a:t>ラウンドロビン</a:t>
-            </a:r>
+            <a:r>
+              <a:rPr kumimoji="1" lang="ja-JP" altLang="en-US" dirty="0"/>
+              <a:t>元気が</a:t>
+            </a:r>
+            <a:r>
+              <a:rPr kumimoji="1" lang="ja-JP" altLang="en-US" dirty="0" smtClean="0"/>
+              <a:t>出る（元気が出る、楽しい気持ちにさせる、陽気な、心地よい）</a:t>
+            </a:r>
+            <a:endParaRPr kumimoji="1" lang="en-US" altLang="ja-JP" dirty="0" smtClean="0"/>
+          </a:p>
+          <a:p>
             <a:r>
               <a:rPr lang="ja-JP" altLang="en-US" dirty="0" smtClean="0"/>
-              <a:t>でデータを高速にさばくのでラウンドロビンの勉強</a:t>
+              <a:t>切ない（切ない、悲痛な、ほろ苦い、気が滅入る）</a:t>
             </a:r>
             <a:endParaRPr lang="en-US" altLang="ja-JP" dirty="0" smtClean="0"/>
           </a:p>
           <a:p>
-            <a:pPr marL="0" indent="0">
-              <a:buNone/>
-            </a:pPr>
+            <a:r>
+              <a:rPr kumimoji="1" lang="ja-JP" altLang="en-US" dirty="0" smtClean="0"/>
+              <a:t>激しい（アグレッシブな、激しい、興奮させる、感情的な、感情あらわな）</a:t>
+            </a:r>
+            <a:endParaRPr kumimoji="1" lang="en-US" altLang="ja-JP" dirty="0" smtClean="0"/>
+          </a:p>
+          <a:p>
+            <a:r>
+              <a:rPr lang="ja-JP" altLang="en-US" dirty="0" smtClean="0"/>
+              <a:t>滑稽（滑稽な、ユーモラスな、おもしろげな、奇抜な、気まぐれ、いたずらっぽい）</a:t>
+            </a:r>
+            <a:endParaRPr lang="en-US" altLang="ja-JP" dirty="0" smtClean="0"/>
+          </a:p>
+          <a:p>
+            <a:r>
+              <a:rPr kumimoji="1" lang="ja-JP" altLang="en-US" dirty="0"/>
+              <a:t>かわいい</a:t>
+            </a:r>
+            <a:r>
+              <a:rPr kumimoji="1" lang="ja-JP" altLang="en-US" dirty="0" smtClean="0"/>
+              <a:t>（かわいらしい、愛くるしげ、愛おしい、かわいい）</a:t>
+            </a:r>
+            <a:endParaRPr kumimoji="1" lang="en-US" altLang="ja-JP" dirty="0" smtClean="0"/>
+          </a:p>
+          <a:p>
+            <a:r>
+              <a:rPr kumimoji="1" lang="en-US" altLang="ja-JP" dirty="0" smtClean="0"/>
+              <a:t>Valance(</a:t>
+            </a:r>
+            <a:r>
+              <a:rPr kumimoji="1" lang="ja-JP" altLang="en-US" dirty="0" smtClean="0"/>
+              <a:t>明るい気持になる、楽しい、暗い気持ちになる、悲しい</a:t>
+            </a:r>
+            <a:r>
+              <a:rPr kumimoji="1" lang="en-US" altLang="ja-JP" dirty="0" smtClean="0"/>
+              <a:t>)</a:t>
+            </a:r>
+          </a:p>
+          <a:p>
             <a:r>
               <a:rPr lang="en-US" altLang="ja-JP" dirty="0" smtClean="0"/>
-              <a:t>https</a:t>
-            </a:r>
-            <a:r>
-              <a:rPr lang="en-US" altLang="ja-JP" dirty="0"/>
-              <a:t>://lonely-journalclub.com/algorithm/mynavi-book/post-516</a:t>
-            </a:r>
-            <a:r>
-              <a:rPr lang="en-US" altLang="ja-JP" dirty="0" smtClean="0"/>
-              <a:t>/</a:t>
-            </a:r>
-          </a:p>
-          <a:p>
-            <a:pPr marL="0" indent="0">
-              <a:buNone/>
-            </a:pPr>
-            <a:r>
-              <a:rPr kumimoji="1" lang="ja-JP" altLang="en-US" dirty="0" smtClean="0"/>
-              <a:t>ラウンドロビンに関しては上記プログラムを参考に</a:t>
-            </a:r>
-            <a:r>
-              <a:rPr kumimoji="1" lang="ja-JP" altLang="en-US" dirty="0" err="1" smtClean="0"/>
-              <a:t>し</a:t>
-            </a:r>
-            <a:r>
-              <a:rPr kumimoji="1" lang="ja-JP" altLang="en-US" dirty="0" smtClean="0"/>
-              <a:t>分からない部分を勉強しようと思う。</a:t>
-            </a:r>
-            <a:endParaRPr kumimoji="1" lang="en-US" altLang="ja-JP" dirty="0"/>
-          </a:p>
-          <a:p>
-            <a:pPr marL="0" indent="0">
-              <a:buNone/>
-            </a:pPr>
+              <a:t>Arousal</a:t>
+            </a:r>
+            <a:r>
+              <a:rPr lang="ja-JP" altLang="en-US" dirty="0" smtClean="0"/>
+              <a:t>（激しい、積極的な、強気な、穏やかな、消極的な、弱気な）</a:t>
+            </a:r>
             <a:endParaRPr kumimoji="1" lang="ja-JP" altLang="en-US" dirty="0"/>
           </a:p>
         </p:txBody>
@@ -4364,7 +4377,7 @@
     </p:spTree>
     <p:extLst>
       <p:ext uri="{BB962C8B-B14F-4D97-AF65-F5344CB8AC3E}">
-        <p14:creationId xmlns:p14="http://schemas.microsoft.com/office/powerpoint/2010/main" val="1183395967"/>
+        <p14:creationId xmlns:p14="http://schemas.microsoft.com/office/powerpoint/2010/main" val="892577381"/>
       </p:ext>
     </p:extLst>
   </p:cSld>
@@ -4407,6 +4420,176 @@
           <a:lstStyle/>
           <a:p>
             <a:r>
+              <a:rPr kumimoji="1" lang="en-US" altLang="ja-JP" dirty="0" smtClean="0"/>
+              <a:t>Python</a:t>
+            </a:r>
+            <a:r>
+              <a:rPr kumimoji="1" lang="ja-JP" altLang="en-US" dirty="0" smtClean="0"/>
+              <a:t>の勉強</a:t>
+            </a:r>
+            <a:endParaRPr kumimoji="1" lang="ja-JP" altLang="en-US" dirty="0"/>
+          </a:p>
+        </p:txBody>
+      </p:sp>
+      <p:sp>
+        <p:nvSpPr>
+          <p:cNvPr id="3" name="コンテンツ プレースホルダー 2"/>
+          <p:cNvSpPr>
+            <a:spLocks noGrp="1"/>
+          </p:cNvSpPr>
+          <p:nvPr>
+            <p:ph idx="1"/>
+          </p:nvPr>
+        </p:nvSpPr>
+        <p:spPr>
+          <a:xfrm>
+            <a:off x="516467" y="1825625"/>
+            <a:ext cx="11421533" cy="4351338"/>
+          </a:xfrm>
+        </p:spPr>
+        <p:txBody>
+          <a:bodyPr/>
+          <a:lstStyle/>
+          <a:p>
+            <a:pPr marL="0" indent="0">
+              <a:buNone/>
+            </a:pPr>
+            <a:r>
+              <a:rPr lang="ja-JP" altLang="en-US" dirty="0"/>
+              <a:t>一から</a:t>
+            </a:r>
+            <a:r>
+              <a:rPr lang="ja-JP" altLang="en-US" dirty="0" smtClean="0"/>
+              <a:t>読んで勉強していたがこれだと時間が足りなくなるので必要な部分を勉強する必要がある。</a:t>
+            </a:r>
+            <a:endParaRPr lang="en-US" altLang="ja-JP" dirty="0" smtClean="0"/>
+          </a:p>
+          <a:p>
+            <a:pPr marL="0" indent="0">
+              <a:buNone/>
+            </a:pPr>
+            <a:r>
+              <a:rPr lang="ja-JP" altLang="en-US" dirty="0"/>
+              <a:t>ラウンドロビン</a:t>
+            </a:r>
+            <a:r>
+              <a:rPr lang="ja-JP" altLang="en-US" dirty="0" smtClean="0"/>
+              <a:t>でデータを高速にさばくのでラウンドロビンの勉強</a:t>
+            </a:r>
+            <a:endParaRPr lang="en-US" altLang="ja-JP" dirty="0" smtClean="0"/>
+          </a:p>
+          <a:p>
+            <a:pPr marL="0" indent="0">
+              <a:buNone/>
+            </a:pPr>
+            <a:r>
+              <a:rPr lang="en-US" altLang="ja-JP" dirty="0" smtClean="0"/>
+              <a:t>https</a:t>
+            </a:r>
+            <a:r>
+              <a:rPr lang="en-US" altLang="ja-JP" dirty="0"/>
+              <a:t>://lonely-journalclub.com/algorithm/mynavi-book/post-516</a:t>
+            </a:r>
+            <a:r>
+              <a:rPr lang="en-US" altLang="ja-JP" dirty="0" smtClean="0"/>
+              <a:t>/</a:t>
+            </a:r>
+          </a:p>
+          <a:p>
+            <a:pPr marL="0" indent="0">
+              <a:buNone/>
+            </a:pPr>
+            <a:r>
+              <a:rPr kumimoji="1" lang="ja-JP" altLang="en-US" dirty="0" smtClean="0"/>
+              <a:t>ラウンドロビンに関しては上記プログラムを参考に</a:t>
+            </a:r>
+            <a:r>
+              <a:rPr kumimoji="1" lang="ja-JP" altLang="en-US" dirty="0" err="1" smtClean="0"/>
+              <a:t>し</a:t>
+            </a:r>
+            <a:r>
+              <a:rPr kumimoji="1" lang="ja-JP" altLang="en-US" dirty="0" smtClean="0"/>
+              <a:t>分からない部分を勉強しようと思う。</a:t>
+            </a:r>
+            <a:endParaRPr kumimoji="1" lang="en-US" altLang="ja-JP" dirty="0"/>
+          </a:p>
+          <a:p>
+            <a:pPr marL="0" indent="0">
+              <a:buNone/>
+            </a:pPr>
+            <a:endParaRPr kumimoji="1" lang="ja-JP" altLang="en-US" dirty="0"/>
+          </a:p>
+        </p:txBody>
+      </p:sp>
+      <p:sp>
+        <p:nvSpPr>
+          <p:cNvPr id="4" name="スライド番号プレースホルダー 3"/>
+          <p:cNvSpPr>
+            <a:spLocks noGrp="1"/>
+          </p:cNvSpPr>
+          <p:nvPr>
+            <p:ph type="sldNum" sz="quarter" idx="12"/>
+          </p:nvPr>
+        </p:nvSpPr>
+        <p:spPr/>
+        <p:txBody>
+          <a:bodyPr/>
+          <a:lstStyle/>
+          <a:p>
+            <a:fld id="{82B0F181-4DAC-4AF6-AAF0-BC662F10B70B}" type="slidenum">
+              <a:rPr kumimoji="1" lang="ja-JP" altLang="en-US" smtClean="0"/>
+              <a:t>14</a:t>
+            </a:fld>
+            <a:endParaRPr kumimoji="1" lang="ja-JP" altLang="en-US"/>
+          </a:p>
+        </p:txBody>
+      </p:sp>
+    </p:spTree>
+    <p:extLst>
+      <p:ext uri="{BB962C8B-B14F-4D97-AF65-F5344CB8AC3E}">
+        <p14:creationId xmlns:p14="http://schemas.microsoft.com/office/powerpoint/2010/main" val="1183395967"/>
+      </p:ext>
+    </p:extLst>
+  </p:cSld>
+  <p:clrMapOvr>
+    <a:masterClrMapping/>
+  </p:clrMapOvr>
+</p:sld>
+</file>
+
+<file path=ppt/slides/slide15.xml><?xml version="1.0" encoding="utf-8"?>
+<p:sld xmlns:a="http://schemas.openxmlformats.org/drawingml/2006/main" xmlns:r="http://schemas.openxmlformats.org/officeDocument/2006/relationships" xmlns:p="http://schemas.openxmlformats.org/presentationml/2006/main">
+  <p:cSld>
+    <p:spTree>
+      <p:nvGrpSpPr>
+        <p:cNvPr id="1" name=""/>
+        <p:cNvGrpSpPr/>
+        <p:nvPr/>
+      </p:nvGrpSpPr>
+      <p:grpSpPr>
+        <a:xfrm>
+          <a:off x="0" y="0"/>
+          <a:ext cx="0" cy="0"/>
+          <a:chOff x="0" y="0"/>
+          <a:chExt cx="0" cy="0"/>
+        </a:xfrm>
+      </p:grpSpPr>
+      <p:sp>
+        <p:nvSpPr>
+          <p:cNvPr id="2" name="タイトル 1"/>
+          <p:cNvSpPr>
+            <a:spLocks noGrp="1"/>
+          </p:cNvSpPr>
+          <p:nvPr>
+            <p:ph type="title"/>
+          </p:nvPr>
+        </p:nvSpPr>
+        <p:spPr/>
+        <p:txBody>
+          <a:bodyPr/>
+          <a:lstStyle/>
+          <a:p>
+            <a:r>
               <a:rPr lang="ja-JP" altLang="en-US" dirty="0" smtClean="0"/>
               <a:t>これからやるべきこと・気づいたこと</a:t>
             </a:r>
@@ -4426,7 +4609,9 @@
         </p:nvSpPr>
         <p:spPr/>
         <p:txBody>
-          <a:bodyPr/>
+          <a:bodyPr>
+            <a:normAutofit lnSpcReduction="10000"/>
+          </a:bodyPr>
           <a:lstStyle/>
           <a:p>
             <a:pPr marL="0" indent="0">
@@ -4442,9 +4627,19 @@
             <a:pPr marL="0" indent="0">
               <a:buNone/>
             </a:pPr>
+            <a:endParaRPr kumimoji="1" lang="en-US" altLang="ja-JP" dirty="0" smtClean="0"/>
+          </a:p>
+          <a:p>
+            <a:pPr marL="0" indent="0">
+              <a:buNone/>
+            </a:pPr>
             <a:r>
               <a:rPr kumimoji="1" lang="ja-JP" altLang="en-US" dirty="0" smtClean="0"/>
-              <a:t>大量の音楽データを準備するプログラムの勉強。</a:t>
+              <a:t>大量</a:t>
+            </a:r>
+            <a:r>
+              <a:rPr kumimoji="1" lang="ja-JP" altLang="en-US" dirty="0" smtClean="0"/>
+              <a:t>の音楽データを準備するプログラムの勉強。</a:t>
             </a:r>
             <a:endParaRPr kumimoji="1" lang="en-US" altLang="ja-JP" dirty="0" smtClean="0"/>
           </a:p>
@@ -4452,9 +4647,19 @@
             <a:pPr marL="0" indent="0">
               <a:buNone/>
             </a:pPr>
+            <a:endParaRPr lang="en-US" altLang="ja-JP" dirty="0" smtClean="0"/>
+          </a:p>
+          <a:p>
+            <a:pPr marL="0" indent="0">
+              <a:buNone/>
+            </a:pPr>
             <a:r>
               <a:rPr lang="ja-JP" altLang="en-US" dirty="0" smtClean="0"/>
-              <a:t>調べることしかしていなので作業を実践してみてわからない部分を勉強する必要がある。</a:t>
+              <a:t>調べる</a:t>
+            </a:r>
+            <a:r>
+              <a:rPr lang="ja-JP" altLang="en-US" dirty="0" smtClean="0"/>
+              <a:t>ことしかしていなので作業を実践してみてわからない部分を勉強する必要がある。</a:t>
             </a:r>
             <a:endParaRPr lang="en-US" altLang="ja-JP" dirty="0" smtClean="0"/>
           </a:p>
@@ -4462,21 +4667,37 @@
             <a:pPr marL="0" indent="0">
               <a:buNone/>
             </a:pPr>
-            <a:r>
-              <a:rPr lang="ja-JP" altLang="en-US" dirty="0"/>
+            <a:endParaRPr lang="en-US" altLang="ja-JP" dirty="0" smtClean="0"/>
+          </a:p>
+          <a:p>
+            <a:pPr marL="0" indent="0">
+              <a:buNone/>
+            </a:pPr>
+            <a:r>
+              <a:rPr lang="ja-JP" altLang="en-US" dirty="0" smtClean="0"/>
               <a:t>日付</a:t>
             </a:r>
             <a:r>
               <a:rPr lang="ja-JP" altLang="en-US" dirty="0" smtClean="0"/>
-              <a:t>を決めないと中々動くことができない性格なので</a:t>
-            </a:r>
-            <a:r>
-              <a:rPr lang="ja-JP" altLang="en-US" dirty="0"/>
-              <a:t>日曜日</a:t>
+              <a:t>を決めないと中々動くことができない性格</a:t>
             </a:r>
             <a:r>
               <a:rPr lang="ja-JP" altLang="en-US" dirty="0" smtClean="0"/>
-              <a:t>を作業日とする。</a:t>
+              <a:t>なので</a:t>
+            </a:r>
+            <a:endParaRPr lang="en-US" altLang="ja-JP" dirty="0" smtClean="0"/>
+          </a:p>
+          <a:p>
+            <a:pPr marL="0" indent="0">
+              <a:buNone/>
+            </a:pPr>
+            <a:r>
+              <a:rPr lang="ja-JP" altLang="en-US" dirty="0" smtClean="0"/>
+              <a:t>日曜日と火曜日を</a:t>
+            </a:r>
+            <a:r>
+              <a:rPr lang="ja-JP" altLang="en-US" dirty="0" smtClean="0"/>
+              <a:t>作業日とする。</a:t>
             </a:r>
             <a:endParaRPr kumimoji="1" lang="en-US" altLang="ja-JP" dirty="0" smtClean="0"/>
           </a:p>
@@ -4505,7 +4726,7 @@
           <a:p>
             <a:fld id="{82B0F181-4DAC-4AF6-AAF0-BC662F10B70B}" type="slidenum">
               <a:rPr kumimoji="1" lang="ja-JP" altLang="en-US" smtClean="0"/>
-              <a:t>14</a:t>
+              <a:t>15</a:t>
             </a:fld>
             <a:endParaRPr kumimoji="1" lang="ja-JP" altLang="en-US"/>
           </a:p>

--- a/1821144_yoshii_sotsuken.pptx
+++ b/1821144_yoshii_sotsuken.pptx
@@ -211,7 +211,7 @@
           <a:p>
             <a:fld id="{BCB9648B-AEFE-42C2-8ABD-77434AB00849}" type="datetimeFigureOut">
               <a:rPr kumimoji="1" lang="ja-JP" altLang="en-US" smtClean="0"/>
-              <a:t>2021/5/14</a:t>
+              <a:t>2021/5/21</a:t>
             </a:fld>
             <a:endParaRPr kumimoji="1" lang="ja-JP" altLang="en-US"/>
           </a:p>
@@ -642,7 +642,7 @@
           <a:p>
             <a:fld id="{BC0FC1BD-A483-4243-B6A9-AEA49E313BC4}" type="datetime1">
               <a:rPr kumimoji="1" lang="ja-JP" altLang="en-US" smtClean="0"/>
-              <a:t>2021/5/14</a:t>
+              <a:t>2021/5/21</a:t>
             </a:fld>
             <a:endParaRPr kumimoji="1" lang="ja-JP" altLang="en-US"/>
           </a:p>
@@ -844,7 +844,7 @@
           <a:p>
             <a:fld id="{AA5417CA-F50F-45D8-8913-A64CBDFEAA11}" type="datetime1">
               <a:rPr kumimoji="1" lang="ja-JP" altLang="en-US" smtClean="0"/>
-              <a:t>2021/5/14</a:t>
+              <a:t>2021/5/21</a:t>
             </a:fld>
             <a:endParaRPr kumimoji="1" lang="ja-JP" altLang="en-US"/>
           </a:p>
@@ -1056,7 +1056,7 @@
           <a:p>
             <a:fld id="{1227B52B-1226-4738-9D37-1BA9FBAC9F1D}" type="datetime1">
               <a:rPr kumimoji="1" lang="ja-JP" altLang="en-US" smtClean="0"/>
-              <a:t>2021/5/14</a:t>
+              <a:t>2021/5/21</a:t>
             </a:fld>
             <a:endParaRPr kumimoji="1" lang="ja-JP" altLang="en-US"/>
           </a:p>
@@ -1258,7 +1258,7 @@
           <a:p>
             <a:fld id="{5C85E33D-31B1-4591-8E9C-3E936DED5E92}" type="datetime1">
               <a:rPr kumimoji="1" lang="ja-JP" altLang="en-US" smtClean="0"/>
-              <a:t>2021/5/14</a:t>
+              <a:t>2021/5/21</a:t>
             </a:fld>
             <a:endParaRPr kumimoji="1" lang="ja-JP" altLang="en-US"/>
           </a:p>
@@ -1504,7 +1504,7 @@
           <a:p>
             <a:fld id="{F27CD682-BF66-4B8E-8A63-21501F91F5E3}" type="datetime1">
               <a:rPr kumimoji="1" lang="ja-JP" altLang="en-US" smtClean="0"/>
-              <a:t>2021/5/14</a:t>
+              <a:t>2021/5/21</a:t>
             </a:fld>
             <a:endParaRPr kumimoji="1" lang="ja-JP" altLang="en-US"/>
           </a:p>
@@ -1800,7 +1800,7 @@
           <a:p>
             <a:fld id="{27378C8D-7596-446D-AFEB-50FDD143704D}" type="datetime1">
               <a:rPr kumimoji="1" lang="ja-JP" altLang="en-US" smtClean="0"/>
-              <a:t>2021/5/14</a:t>
+              <a:t>2021/5/21</a:t>
             </a:fld>
             <a:endParaRPr kumimoji="1" lang="ja-JP" altLang="en-US"/>
           </a:p>
@@ -2231,7 +2231,7 @@
           <a:p>
             <a:fld id="{A040A03A-A697-4819-835E-F2749A1B35C9}" type="datetime1">
               <a:rPr kumimoji="1" lang="ja-JP" altLang="en-US" smtClean="0"/>
-              <a:t>2021/5/14</a:t>
+              <a:t>2021/5/21</a:t>
             </a:fld>
             <a:endParaRPr kumimoji="1" lang="ja-JP" altLang="en-US"/>
           </a:p>
@@ -2349,7 +2349,7 @@
           <a:p>
             <a:fld id="{868B2368-AD31-4716-AEAE-64986817D583}" type="datetime1">
               <a:rPr kumimoji="1" lang="ja-JP" altLang="en-US" smtClean="0"/>
-              <a:t>2021/5/14</a:t>
+              <a:t>2021/5/21</a:t>
             </a:fld>
             <a:endParaRPr kumimoji="1" lang="ja-JP" altLang="en-US"/>
           </a:p>
@@ -2444,7 +2444,7 @@
           <a:p>
             <a:fld id="{756D2065-9F54-400B-9D14-6A1CF037C9AC}" type="datetime1">
               <a:rPr kumimoji="1" lang="ja-JP" altLang="en-US" smtClean="0"/>
-              <a:t>2021/5/14</a:t>
+              <a:t>2021/5/21</a:t>
             </a:fld>
             <a:endParaRPr kumimoji="1" lang="ja-JP" altLang="en-US"/>
           </a:p>
@@ -2753,7 +2753,7 @@
           <a:p>
             <a:fld id="{BE9CA775-0781-467A-832A-6C4D4E629D1E}" type="datetime1">
               <a:rPr kumimoji="1" lang="ja-JP" altLang="en-US" smtClean="0"/>
-              <a:t>2021/5/14</a:t>
+              <a:t>2021/5/21</a:t>
             </a:fld>
             <a:endParaRPr kumimoji="1" lang="ja-JP" altLang="en-US"/>
           </a:p>
@@ -3006,7 +3006,7 @@
           <a:p>
             <a:fld id="{A451F554-8CDE-45DC-9560-FC94B5583924}" type="datetime1">
               <a:rPr kumimoji="1" lang="ja-JP" altLang="en-US" smtClean="0"/>
-              <a:t>2021/5/14</a:t>
+              <a:t>2021/5/21</a:t>
             </a:fld>
             <a:endParaRPr kumimoji="1" lang="ja-JP" altLang="en-US"/>
           </a:p>
@@ -3251,7 +3251,7 @@
           <a:p>
             <a:fld id="{D7A02573-CF0B-4069-B388-0FE957D4161C}" type="datetime1">
               <a:rPr kumimoji="1" lang="ja-JP" altLang="en-US" smtClean="0"/>
-              <a:t>2021/5/14</a:t>
+              <a:t>2021/5/21</a:t>
             </a:fld>
             <a:endParaRPr kumimoji="1" lang="ja-JP" altLang="en-US"/>
           </a:p>
@@ -4309,7 +4309,25 @@
           <a:p>
             <a:r>
               <a:rPr lang="ja-JP" altLang="en-US" dirty="0" smtClean="0"/>
-              <a:t>滑稽（滑稽な、ユーモラスな、おもしろげな、奇抜な、気まぐれ、いたずらっぽい）</a:t>
+              <a:t>滑稽（滑稽な、ユーモラスな、おもしろげな、奇抜な、気まぐれ</a:t>
+            </a:r>
+            <a:r>
+              <a:rPr lang="ja-JP" altLang="en-US" dirty="0" smtClean="0"/>
+              <a:t>、</a:t>
+            </a:r>
+            <a:endParaRPr lang="en-US" altLang="ja-JP" smtClean="0"/>
+          </a:p>
+          <a:p>
+            <a:pPr marL="0" indent="0">
+              <a:buNone/>
+            </a:pPr>
+            <a:r>
+              <a:rPr lang="ja-JP" altLang="en-US" smtClean="0"/>
+              <a:t>いたずらっぽい</a:t>
+            </a:r>
+            <a:r>
+              <a:rPr lang="ja-JP" altLang="en-US" dirty="0" smtClean="0"/>
+              <a:t>）</a:t>
             </a:r>
             <a:endParaRPr lang="en-US" altLang="ja-JP" dirty="0" smtClean="0"/>
           </a:p>
@@ -4635,11 +4653,7 @@
             </a:pPr>
             <a:r>
               <a:rPr kumimoji="1" lang="ja-JP" altLang="en-US" dirty="0" smtClean="0"/>
-              <a:t>大量</a:t>
-            </a:r>
-            <a:r>
-              <a:rPr kumimoji="1" lang="ja-JP" altLang="en-US" dirty="0" smtClean="0"/>
-              <a:t>の音楽データを準備するプログラムの勉強。</a:t>
+              <a:t>大量の音楽データを準備するプログラムの勉強。</a:t>
             </a:r>
             <a:endParaRPr kumimoji="1" lang="en-US" altLang="ja-JP" dirty="0" smtClean="0"/>
           </a:p>
@@ -4655,11 +4669,7 @@
             </a:pPr>
             <a:r>
               <a:rPr lang="ja-JP" altLang="en-US" dirty="0" smtClean="0"/>
-              <a:t>調べる</a:t>
-            </a:r>
-            <a:r>
-              <a:rPr lang="ja-JP" altLang="en-US" dirty="0" smtClean="0"/>
-              <a:t>ことしかしていなので作業を実践してみてわからない部分を勉強する必要がある。</a:t>
+              <a:t>調べることしかしていなので作業を実践してみてわからない部分を勉強する必要がある。</a:t>
             </a:r>
             <a:endParaRPr lang="en-US" altLang="ja-JP" dirty="0" smtClean="0"/>
           </a:p>
@@ -4675,29 +4685,17 @@
             </a:pPr>
             <a:r>
               <a:rPr lang="ja-JP" altLang="en-US" dirty="0" smtClean="0"/>
-              <a:t>日付</a:t>
-            </a:r>
+              <a:t>日付を決めないと中々動くことができない性格なので</a:t>
+            </a:r>
+            <a:endParaRPr lang="en-US" altLang="ja-JP" dirty="0" smtClean="0"/>
+          </a:p>
+          <a:p>
+            <a:pPr marL="0" indent="0">
+              <a:buNone/>
+            </a:pPr>
             <a:r>
               <a:rPr lang="ja-JP" altLang="en-US" dirty="0" smtClean="0"/>
-              <a:t>を決めないと中々動くことができない性格</a:t>
-            </a:r>
-            <a:r>
-              <a:rPr lang="ja-JP" altLang="en-US" dirty="0" smtClean="0"/>
-              <a:t>なので</a:t>
-            </a:r>
-            <a:endParaRPr lang="en-US" altLang="ja-JP" dirty="0" smtClean="0"/>
-          </a:p>
-          <a:p>
-            <a:pPr marL="0" indent="0">
-              <a:buNone/>
-            </a:pPr>
-            <a:r>
-              <a:rPr lang="ja-JP" altLang="en-US" dirty="0" smtClean="0"/>
-              <a:t>日曜日と火曜日を</a:t>
-            </a:r>
-            <a:r>
-              <a:rPr lang="ja-JP" altLang="en-US" dirty="0" smtClean="0"/>
-              <a:t>作業日とする。</a:t>
+              <a:t>日曜日と火曜日を作業日とする。</a:t>
             </a:r>
             <a:endParaRPr kumimoji="1" lang="en-US" altLang="ja-JP" dirty="0" smtClean="0"/>
           </a:p>

--- a/1821144_yoshii_sotsuken.pptx
+++ b/1821144_yoshii_sotsuken.pptx
@@ -5,7 +5,7 @@
     <p:sldMasterId id="2147483648" r:id="rId1"/>
   </p:sldMasterIdLst>
   <p:notesMasterIdLst>
-    <p:notesMasterId r:id="rId17"/>
+    <p:notesMasterId r:id="rId23"/>
   </p:notesMasterIdLst>
   <p:sldIdLst>
     <p:sldId id="256" r:id="rId2"/>
@@ -23,6 +23,12 @@
     <p:sldId id="270" r:id="rId14"/>
     <p:sldId id="268" r:id="rId15"/>
     <p:sldId id="269" r:id="rId16"/>
+    <p:sldId id="271" r:id="rId17"/>
+    <p:sldId id="272" r:id="rId18"/>
+    <p:sldId id="273" r:id="rId19"/>
+    <p:sldId id="274" r:id="rId20"/>
+    <p:sldId id="275" r:id="rId21"/>
+    <p:sldId id="276" r:id="rId22"/>
   </p:sldIdLst>
   <p:sldSz cx="12192000" cy="6858000"/>
   <p:notesSz cx="6858000" cy="9144000"/>
@@ -211,7 +217,7 @@
           <a:p>
             <a:fld id="{BCB9648B-AEFE-42C2-8ABD-77434AB00849}" type="datetimeFigureOut">
               <a:rPr kumimoji="1" lang="ja-JP" altLang="en-US" smtClean="0"/>
-              <a:t>2021/5/21</a:t>
+              <a:t>2021/5/27</a:t>
             </a:fld>
             <a:endParaRPr kumimoji="1" lang="ja-JP" altLang="en-US"/>
           </a:p>
@@ -642,7 +648,7 @@
           <a:p>
             <a:fld id="{BC0FC1BD-A483-4243-B6A9-AEA49E313BC4}" type="datetime1">
               <a:rPr kumimoji="1" lang="ja-JP" altLang="en-US" smtClean="0"/>
-              <a:t>2021/5/21</a:t>
+              <a:t>2021/5/27</a:t>
             </a:fld>
             <a:endParaRPr kumimoji="1" lang="ja-JP" altLang="en-US"/>
           </a:p>
@@ -844,7 +850,7 @@
           <a:p>
             <a:fld id="{AA5417CA-F50F-45D8-8913-A64CBDFEAA11}" type="datetime1">
               <a:rPr kumimoji="1" lang="ja-JP" altLang="en-US" smtClean="0"/>
-              <a:t>2021/5/21</a:t>
+              <a:t>2021/5/27</a:t>
             </a:fld>
             <a:endParaRPr kumimoji="1" lang="ja-JP" altLang="en-US"/>
           </a:p>
@@ -1056,7 +1062,7 @@
           <a:p>
             <a:fld id="{1227B52B-1226-4738-9D37-1BA9FBAC9F1D}" type="datetime1">
               <a:rPr kumimoji="1" lang="ja-JP" altLang="en-US" smtClean="0"/>
-              <a:t>2021/5/21</a:t>
+              <a:t>2021/5/27</a:t>
             </a:fld>
             <a:endParaRPr kumimoji="1" lang="ja-JP" altLang="en-US"/>
           </a:p>
@@ -1258,7 +1264,7 @@
           <a:p>
             <a:fld id="{5C85E33D-31B1-4591-8E9C-3E936DED5E92}" type="datetime1">
               <a:rPr kumimoji="1" lang="ja-JP" altLang="en-US" smtClean="0"/>
-              <a:t>2021/5/21</a:t>
+              <a:t>2021/5/27</a:t>
             </a:fld>
             <a:endParaRPr kumimoji="1" lang="ja-JP" altLang="en-US"/>
           </a:p>
@@ -1504,7 +1510,7 @@
           <a:p>
             <a:fld id="{F27CD682-BF66-4B8E-8A63-21501F91F5E3}" type="datetime1">
               <a:rPr kumimoji="1" lang="ja-JP" altLang="en-US" smtClean="0"/>
-              <a:t>2021/5/21</a:t>
+              <a:t>2021/5/27</a:t>
             </a:fld>
             <a:endParaRPr kumimoji="1" lang="ja-JP" altLang="en-US"/>
           </a:p>
@@ -1800,7 +1806,7 @@
           <a:p>
             <a:fld id="{27378C8D-7596-446D-AFEB-50FDD143704D}" type="datetime1">
               <a:rPr kumimoji="1" lang="ja-JP" altLang="en-US" smtClean="0"/>
-              <a:t>2021/5/21</a:t>
+              <a:t>2021/5/27</a:t>
             </a:fld>
             <a:endParaRPr kumimoji="1" lang="ja-JP" altLang="en-US"/>
           </a:p>
@@ -2231,7 +2237,7 @@
           <a:p>
             <a:fld id="{A040A03A-A697-4819-835E-F2749A1B35C9}" type="datetime1">
               <a:rPr kumimoji="1" lang="ja-JP" altLang="en-US" smtClean="0"/>
-              <a:t>2021/5/21</a:t>
+              <a:t>2021/5/27</a:t>
             </a:fld>
             <a:endParaRPr kumimoji="1" lang="ja-JP" altLang="en-US"/>
           </a:p>
@@ -2349,7 +2355,7 @@
           <a:p>
             <a:fld id="{868B2368-AD31-4716-AEAE-64986817D583}" type="datetime1">
               <a:rPr kumimoji="1" lang="ja-JP" altLang="en-US" smtClean="0"/>
-              <a:t>2021/5/21</a:t>
+              <a:t>2021/5/27</a:t>
             </a:fld>
             <a:endParaRPr kumimoji="1" lang="ja-JP" altLang="en-US"/>
           </a:p>
@@ -2444,7 +2450,7 @@
           <a:p>
             <a:fld id="{756D2065-9F54-400B-9D14-6A1CF037C9AC}" type="datetime1">
               <a:rPr kumimoji="1" lang="ja-JP" altLang="en-US" smtClean="0"/>
-              <a:t>2021/5/21</a:t>
+              <a:t>2021/5/27</a:t>
             </a:fld>
             <a:endParaRPr kumimoji="1" lang="ja-JP" altLang="en-US"/>
           </a:p>
@@ -2753,7 +2759,7 @@
           <a:p>
             <a:fld id="{BE9CA775-0781-467A-832A-6C4D4E629D1E}" type="datetime1">
               <a:rPr kumimoji="1" lang="ja-JP" altLang="en-US" smtClean="0"/>
-              <a:t>2021/5/21</a:t>
+              <a:t>2021/5/27</a:t>
             </a:fld>
             <a:endParaRPr kumimoji="1" lang="ja-JP" altLang="en-US"/>
           </a:p>
@@ -3006,7 +3012,7 @@
           <a:p>
             <a:fld id="{A451F554-8CDE-45DC-9560-FC94B5583924}" type="datetime1">
               <a:rPr kumimoji="1" lang="ja-JP" altLang="en-US" smtClean="0"/>
-              <a:t>2021/5/21</a:t>
+              <a:t>2021/5/27</a:t>
             </a:fld>
             <a:endParaRPr kumimoji="1" lang="ja-JP" altLang="en-US"/>
           </a:p>
@@ -3251,7 +3257,7 @@
           <a:p>
             <a:fld id="{D7A02573-CF0B-4069-B388-0FE957D4161C}" type="datetime1">
               <a:rPr kumimoji="1" lang="ja-JP" altLang="en-US" smtClean="0"/>
-              <a:t>2021/5/21</a:t>
+              <a:t>2021/5/27</a:t>
             </a:fld>
             <a:endParaRPr kumimoji="1" lang="ja-JP" altLang="en-US"/>
           </a:p>
@@ -4309,11 +4315,7 @@
           <a:p>
             <a:r>
               <a:rPr lang="ja-JP" altLang="en-US" dirty="0" smtClean="0"/>
-              <a:t>滑稽（滑稽な、ユーモラスな、おもしろげな、奇抜な、気まぐれ</a:t>
-            </a:r>
-            <a:r>
-              <a:rPr lang="ja-JP" altLang="en-US" dirty="0" smtClean="0"/>
-              <a:t>、</a:t>
+              <a:t>滑稽（滑稽な、ユーモラスな、おもしろげな、奇抜な、気まぐれ、</a:t>
             </a:r>
             <a:endParaRPr lang="en-US" altLang="ja-JP" smtClean="0"/>
           </a:p>
@@ -4743,6 +4745,1136 @@
 </p:sld>
 </file>
 
+<file path=ppt/slides/slide16.xml><?xml version="1.0" encoding="utf-8"?>
+<p:sld xmlns:a="http://schemas.openxmlformats.org/drawingml/2006/main" xmlns:r="http://schemas.openxmlformats.org/officeDocument/2006/relationships" xmlns:p="http://schemas.openxmlformats.org/presentationml/2006/main">
+  <p:cSld>
+    <p:spTree>
+      <p:nvGrpSpPr>
+        <p:cNvPr id="1" name=""/>
+        <p:cNvGrpSpPr/>
+        <p:nvPr/>
+      </p:nvGrpSpPr>
+      <p:grpSpPr>
+        <a:xfrm>
+          <a:off x="0" y="0"/>
+          <a:ext cx="0" cy="0"/>
+          <a:chOff x="0" y="0"/>
+          <a:chExt cx="0" cy="0"/>
+        </a:xfrm>
+      </p:grpSpPr>
+      <p:sp>
+        <p:nvSpPr>
+          <p:cNvPr id="2" name="タイトル 1"/>
+          <p:cNvSpPr>
+            <a:spLocks noGrp="1"/>
+          </p:cNvSpPr>
+          <p:nvPr>
+            <p:ph type="title"/>
+          </p:nvPr>
+        </p:nvSpPr>
+        <p:spPr/>
+        <p:txBody>
+          <a:bodyPr/>
+          <a:lstStyle/>
+          <a:p>
+            <a:r>
+              <a:rPr kumimoji="1" lang="en-US" altLang="ja-JP" dirty="0" smtClean="0"/>
+              <a:t>5/14~5/21</a:t>
+            </a:r>
+            <a:r>
+              <a:rPr kumimoji="1" lang="ja-JP" altLang="en-US" dirty="0" err="1" smtClean="0"/>
+              <a:t>までの</a:t>
+            </a:r>
+            <a:r>
+              <a:rPr kumimoji="1" lang="ja-JP" altLang="en-US" dirty="0" smtClean="0"/>
+              <a:t>作業</a:t>
+            </a:r>
+            <a:endParaRPr kumimoji="1" lang="ja-JP" altLang="en-US" dirty="0"/>
+          </a:p>
+        </p:txBody>
+      </p:sp>
+      <p:sp>
+        <p:nvSpPr>
+          <p:cNvPr id="3" name="コンテンツ プレースホルダー 2"/>
+          <p:cNvSpPr>
+            <a:spLocks noGrp="1"/>
+          </p:cNvSpPr>
+          <p:nvPr>
+            <p:ph idx="1"/>
+          </p:nvPr>
+        </p:nvSpPr>
+        <p:spPr/>
+        <p:txBody>
+          <a:bodyPr/>
+          <a:lstStyle/>
+          <a:p>
+            <a:r>
+              <a:rPr kumimoji="1" lang="ja-JP" altLang="en-US" dirty="0" smtClean="0"/>
+              <a:t>ラウンドロビンとは</a:t>
+            </a:r>
+            <a:endParaRPr kumimoji="1" lang="en-US" altLang="ja-JP" dirty="0" smtClean="0"/>
+          </a:p>
+          <a:p>
+            <a:r>
+              <a:rPr lang="ja-JP" altLang="en-US" dirty="0"/>
+              <a:t>先週見つけた</a:t>
+            </a:r>
+            <a:r>
+              <a:rPr lang="ja-JP" altLang="en-US" dirty="0" smtClean="0"/>
+              <a:t>ラウンドロビンのプログラムの実践</a:t>
+            </a:r>
+            <a:endParaRPr lang="en-US" altLang="ja-JP" dirty="0" smtClean="0"/>
+          </a:p>
+          <a:p>
+            <a:r>
+              <a:rPr kumimoji="1" lang="ja-JP" altLang="en-US" dirty="0"/>
+              <a:t>音楽のタグ付けに</a:t>
+            </a:r>
+            <a:r>
+              <a:rPr kumimoji="1" lang="ja-JP" altLang="en-US" dirty="0" smtClean="0"/>
+              <a:t>関する</a:t>
+            </a:r>
+            <a:r>
+              <a:rPr kumimoji="1" lang="en-US" altLang="ja-JP" dirty="0" smtClean="0"/>
+              <a:t>NN</a:t>
+            </a:r>
+            <a:r>
+              <a:rPr kumimoji="1" lang="ja-JP" altLang="en-US" dirty="0" smtClean="0"/>
+              <a:t>の調査</a:t>
+            </a:r>
+            <a:endParaRPr kumimoji="1" lang="ja-JP" altLang="en-US" dirty="0"/>
+          </a:p>
+        </p:txBody>
+      </p:sp>
+      <p:sp>
+        <p:nvSpPr>
+          <p:cNvPr id="4" name="スライド番号プレースホルダー 3"/>
+          <p:cNvSpPr>
+            <a:spLocks noGrp="1"/>
+          </p:cNvSpPr>
+          <p:nvPr>
+            <p:ph type="sldNum" sz="quarter" idx="12"/>
+          </p:nvPr>
+        </p:nvSpPr>
+        <p:spPr/>
+        <p:txBody>
+          <a:bodyPr/>
+          <a:lstStyle/>
+          <a:p>
+            <a:fld id="{82B0F181-4DAC-4AF6-AAF0-BC662F10B70B}" type="slidenum">
+              <a:rPr kumimoji="1" lang="ja-JP" altLang="en-US" smtClean="0"/>
+              <a:t>16</a:t>
+            </a:fld>
+            <a:endParaRPr kumimoji="1" lang="ja-JP" altLang="en-US"/>
+          </a:p>
+        </p:txBody>
+      </p:sp>
+    </p:spTree>
+    <p:extLst>
+      <p:ext uri="{BB962C8B-B14F-4D97-AF65-F5344CB8AC3E}">
+        <p14:creationId xmlns:p14="http://schemas.microsoft.com/office/powerpoint/2010/main" val="2812876228"/>
+      </p:ext>
+    </p:extLst>
+  </p:cSld>
+  <p:clrMapOvr>
+    <a:masterClrMapping/>
+  </p:clrMapOvr>
+</p:sld>
+</file>
+
+<file path=ppt/slides/slide17.xml><?xml version="1.0" encoding="utf-8"?>
+<p:sld xmlns:a="http://schemas.openxmlformats.org/drawingml/2006/main" xmlns:r="http://schemas.openxmlformats.org/officeDocument/2006/relationships" xmlns:p="http://schemas.openxmlformats.org/presentationml/2006/main">
+  <p:cSld>
+    <p:spTree>
+      <p:nvGrpSpPr>
+        <p:cNvPr id="1" name=""/>
+        <p:cNvGrpSpPr/>
+        <p:nvPr/>
+      </p:nvGrpSpPr>
+      <p:grpSpPr>
+        <a:xfrm>
+          <a:off x="0" y="0"/>
+          <a:ext cx="0" cy="0"/>
+          <a:chOff x="0" y="0"/>
+          <a:chExt cx="0" cy="0"/>
+        </a:xfrm>
+      </p:grpSpPr>
+      <p:sp>
+        <p:nvSpPr>
+          <p:cNvPr id="2" name="タイトル 1"/>
+          <p:cNvSpPr>
+            <a:spLocks noGrp="1"/>
+          </p:cNvSpPr>
+          <p:nvPr>
+            <p:ph type="title"/>
+          </p:nvPr>
+        </p:nvSpPr>
+        <p:spPr/>
+        <p:txBody>
+          <a:bodyPr/>
+          <a:lstStyle/>
+          <a:p>
+            <a:r>
+              <a:rPr kumimoji="1" lang="ja-JP" altLang="en-US" dirty="0" smtClean="0"/>
+              <a:t>ラウンドロビンとは</a:t>
+            </a:r>
+            <a:endParaRPr kumimoji="1" lang="ja-JP" altLang="en-US" dirty="0"/>
+          </a:p>
+        </p:txBody>
+      </p:sp>
+      <p:sp>
+        <p:nvSpPr>
+          <p:cNvPr id="3" name="コンテンツ プレースホルダー 2"/>
+          <p:cNvSpPr>
+            <a:spLocks noGrp="1"/>
+          </p:cNvSpPr>
+          <p:nvPr>
+            <p:ph idx="1"/>
+          </p:nvPr>
+        </p:nvSpPr>
+        <p:spPr>
+          <a:xfrm>
+            <a:off x="838200" y="1813983"/>
+            <a:ext cx="10515600" cy="4351338"/>
+          </a:xfrm>
+        </p:spPr>
+        <p:txBody>
+          <a:bodyPr/>
+          <a:lstStyle/>
+          <a:p>
+            <a:pPr marL="0" indent="0">
+              <a:buNone/>
+            </a:pPr>
+            <a:r>
+              <a:rPr kumimoji="1" lang="ja-JP" altLang="en-US" dirty="0" smtClean="0"/>
+              <a:t>複数のサーバーに均等に処理を振りわけるもの</a:t>
+            </a:r>
+            <a:endParaRPr kumimoji="1" lang="ja-JP" altLang="en-US" dirty="0"/>
+          </a:p>
+        </p:txBody>
+      </p:sp>
+      <p:sp>
+        <p:nvSpPr>
+          <p:cNvPr id="4" name="スライド番号プレースホルダー 3"/>
+          <p:cNvSpPr>
+            <a:spLocks noGrp="1"/>
+          </p:cNvSpPr>
+          <p:nvPr>
+            <p:ph type="sldNum" sz="quarter" idx="12"/>
+          </p:nvPr>
+        </p:nvSpPr>
+        <p:spPr/>
+        <p:txBody>
+          <a:bodyPr/>
+          <a:lstStyle/>
+          <a:p>
+            <a:fld id="{82B0F181-4DAC-4AF6-AAF0-BC662F10B70B}" type="slidenum">
+              <a:rPr kumimoji="1" lang="ja-JP" altLang="en-US" smtClean="0"/>
+              <a:t>17</a:t>
+            </a:fld>
+            <a:endParaRPr kumimoji="1" lang="ja-JP" altLang="en-US"/>
+          </a:p>
+        </p:txBody>
+      </p:sp>
+      <p:sp>
+        <p:nvSpPr>
+          <p:cNvPr id="5" name="正方形/長方形 4"/>
+          <p:cNvSpPr/>
+          <p:nvPr/>
+        </p:nvSpPr>
+        <p:spPr>
+          <a:xfrm>
+            <a:off x="1439333" y="3564467"/>
+            <a:ext cx="2286000" cy="1337733"/>
+          </a:xfrm>
+          <a:prstGeom prst="rect">
+            <a:avLst/>
+          </a:prstGeom>
+          <a:noFill/>
+          <a:ln w="9525" cap="flat" cmpd="sng" algn="ctr">
+            <a:solidFill>
+              <a:schemeClr val="dk1"/>
+            </a:solidFill>
+            <a:prstDash val="solid"/>
+            <a:round/>
+            <a:headEnd type="none" w="med" len="med"/>
+            <a:tailEnd type="none" w="med" len="med"/>
+          </a:ln>
+        </p:spPr>
+        <p:style>
+          <a:lnRef idx="0">
+            <a:scrgbClr r="0" g="0" b="0"/>
+          </a:lnRef>
+          <a:fillRef idx="0">
+            <a:scrgbClr r="0" g="0" b="0"/>
+          </a:fillRef>
+          <a:effectRef idx="0">
+            <a:scrgbClr r="0" g="0" b="0"/>
+          </a:effectRef>
+          <a:fontRef idx="minor">
+            <a:schemeClr val="dk1"/>
+          </a:fontRef>
+        </p:style>
+        <p:txBody>
+          <a:bodyPr rtlCol="0" anchor="ctr"/>
+          <a:lstStyle/>
+          <a:p>
+            <a:pPr algn="ctr"/>
+            <a:r>
+              <a:rPr kumimoji="1" lang="ja-JP" altLang="en-US" dirty="0" smtClean="0"/>
+              <a:t>負荷分散装置</a:t>
+            </a:r>
+            <a:endParaRPr kumimoji="1" lang="ja-JP" altLang="en-US" dirty="0"/>
+          </a:p>
+        </p:txBody>
+      </p:sp>
+      <p:sp>
+        <p:nvSpPr>
+          <p:cNvPr id="6" name="正方形/長方形 5"/>
+          <p:cNvSpPr/>
+          <p:nvPr/>
+        </p:nvSpPr>
+        <p:spPr>
+          <a:xfrm>
+            <a:off x="8195733" y="2569897"/>
+            <a:ext cx="1515534" cy="728134"/>
+          </a:xfrm>
+          <a:prstGeom prst="rect">
+            <a:avLst/>
+          </a:prstGeom>
+          <a:noFill/>
+          <a:ln w="9525" cap="flat" cmpd="sng" algn="ctr">
+            <a:solidFill>
+              <a:schemeClr val="dk1"/>
+            </a:solidFill>
+            <a:prstDash val="solid"/>
+            <a:round/>
+            <a:headEnd type="none" w="med" len="med"/>
+            <a:tailEnd type="none" w="med" len="med"/>
+          </a:ln>
+        </p:spPr>
+        <p:style>
+          <a:lnRef idx="0">
+            <a:scrgbClr r="0" g="0" b="0"/>
+          </a:lnRef>
+          <a:fillRef idx="0">
+            <a:scrgbClr r="0" g="0" b="0"/>
+          </a:fillRef>
+          <a:effectRef idx="0">
+            <a:scrgbClr r="0" g="0" b="0"/>
+          </a:effectRef>
+          <a:fontRef idx="minor">
+            <a:schemeClr val="dk1"/>
+          </a:fontRef>
+        </p:style>
+        <p:txBody>
+          <a:bodyPr rtlCol="0" anchor="ctr"/>
+          <a:lstStyle/>
+          <a:p>
+            <a:pPr algn="ctr"/>
+            <a:r>
+              <a:rPr kumimoji="1" lang="ja-JP" altLang="en-US" dirty="0" smtClean="0"/>
+              <a:t>サーバー</a:t>
+            </a:r>
+            <a:endParaRPr kumimoji="1" lang="ja-JP" altLang="en-US" dirty="0"/>
+          </a:p>
+        </p:txBody>
+      </p:sp>
+      <p:sp>
+        <p:nvSpPr>
+          <p:cNvPr id="7" name="正方形/長方形 6"/>
+          <p:cNvSpPr/>
+          <p:nvPr/>
+        </p:nvSpPr>
+        <p:spPr>
+          <a:xfrm>
+            <a:off x="8195733" y="3869266"/>
+            <a:ext cx="1515534" cy="728134"/>
+          </a:xfrm>
+          <a:prstGeom prst="rect">
+            <a:avLst/>
+          </a:prstGeom>
+          <a:noFill/>
+          <a:ln w="9525" cap="flat" cmpd="sng" algn="ctr">
+            <a:solidFill>
+              <a:schemeClr val="dk1"/>
+            </a:solidFill>
+            <a:prstDash val="solid"/>
+            <a:round/>
+            <a:headEnd type="none" w="med" len="med"/>
+            <a:tailEnd type="none" w="med" len="med"/>
+          </a:ln>
+        </p:spPr>
+        <p:style>
+          <a:lnRef idx="0">
+            <a:scrgbClr r="0" g="0" b="0"/>
+          </a:lnRef>
+          <a:fillRef idx="0">
+            <a:scrgbClr r="0" g="0" b="0"/>
+          </a:fillRef>
+          <a:effectRef idx="0">
+            <a:scrgbClr r="0" g="0" b="0"/>
+          </a:effectRef>
+          <a:fontRef idx="minor">
+            <a:schemeClr val="dk1"/>
+          </a:fontRef>
+        </p:style>
+        <p:txBody>
+          <a:bodyPr rtlCol="0" anchor="ctr"/>
+          <a:lstStyle/>
+          <a:p>
+            <a:pPr algn="ctr"/>
+            <a:r>
+              <a:rPr kumimoji="1" lang="ja-JP" altLang="en-US" dirty="0" smtClean="0"/>
+              <a:t>サーバー</a:t>
+            </a:r>
+            <a:endParaRPr kumimoji="1" lang="ja-JP" altLang="en-US" dirty="0"/>
+          </a:p>
+        </p:txBody>
+      </p:sp>
+      <p:sp>
+        <p:nvSpPr>
+          <p:cNvPr id="8" name="正方形/長方形 7"/>
+          <p:cNvSpPr/>
+          <p:nvPr/>
+        </p:nvSpPr>
+        <p:spPr>
+          <a:xfrm>
+            <a:off x="8195733" y="5168635"/>
+            <a:ext cx="1515534" cy="728134"/>
+          </a:xfrm>
+          <a:prstGeom prst="rect">
+            <a:avLst/>
+          </a:prstGeom>
+          <a:noFill/>
+          <a:ln w="9525" cap="flat" cmpd="sng" algn="ctr">
+            <a:solidFill>
+              <a:schemeClr val="dk1"/>
+            </a:solidFill>
+            <a:prstDash val="solid"/>
+            <a:round/>
+            <a:headEnd type="none" w="med" len="med"/>
+            <a:tailEnd type="none" w="med" len="med"/>
+          </a:ln>
+        </p:spPr>
+        <p:style>
+          <a:lnRef idx="0">
+            <a:scrgbClr r="0" g="0" b="0"/>
+          </a:lnRef>
+          <a:fillRef idx="0">
+            <a:scrgbClr r="0" g="0" b="0"/>
+          </a:fillRef>
+          <a:effectRef idx="0">
+            <a:scrgbClr r="0" g="0" b="0"/>
+          </a:effectRef>
+          <a:fontRef idx="minor">
+            <a:schemeClr val="dk1"/>
+          </a:fontRef>
+        </p:style>
+        <p:txBody>
+          <a:bodyPr rtlCol="0" anchor="ctr"/>
+          <a:lstStyle/>
+          <a:p>
+            <a:pPr algn="ctr"/>
+            <a:r>
+              <a:rPr kumimoji="1" lang="ja-JP" altLang="en-US" dirty="0" smtClean="0"/>
+              <a:t>サーバー</a:t>
+            </a:r>
+            <a:endParaRPr kumimoji="1" lang="ja-JP" altLang="en-US" dirty="0"/>
+          </a:p>
+        </p:txBody>
+      </p:sp>
+      <p:cxnSp>
+        <p:nvCxnSpPr>
+          <p:cNvPr id="10" name="カギ線コネクタ 9"/>
+          <p:cNvCxnSpPr>
+            <a:stCxn id="5" idx="3"/>
+            <a:endCxn id="6" idx="1"/>
+          </p:cNvCxnSpPr>
+          <p:nvPr/>
+        </p:nvCxnSpPr>
+        <p:spPr>
+          <a:xfrm flipV="1">
+            <a:off x="3725333" y="2933964"/>
+            <a:ext cx="4470400" cy="1299370"/>
+          </a:xfrm>
+          <a:prstGeom prst="bentConnector3">
+            <a:avLst/>
+          </a:prstGeom>
+        </p:spPr>
+        <p:style>
+          <a:lnRef idx="1">
+            <a:schemeClr val="dk1"/>
+          </a:lnRef>
+          <a:fillRef idx="0">
+            <a:schemeClr val="dk1"/>
+          </a:fillRef>
+          <a:effectRef idx="0">
+            <a:schemeClr val="dk1"/>
+          </a:effectRef>
+          <a:fontRef idx="minor">
+            <a:schemeClr val="tx1"/>
+          </a:fontRef>
+        </p:style>
+      </p:cxnSp>
+      <p:cxnSp>
+        <p:nvCxnSpPr>
+          <p:cNvPr id="13" name="直線コネクタ 12"/>
+          <p:cNvCxnSpPr>
+            <a:endCxn id="7" idx="1"/>
+          </p:cNvCxnSpPr>
+          <p:nvPr/>
+        </p:nvCxnSpPr>
+        <p:spPr>
+          <a:xfrm>
+            <a:off x="5969000" y="4233333"/>
+            <a:ext cx="2226733" cy="0"/>
+          </a:xfrm>
+          <a:prstGeom prst="line">
+            <a:avLst/>
+          </a:prstGeom>
+        </p:spPr>
+        <p:style>
+          <a:lnRef idx="1">
+            <a:schemeClr val="dk1"/>
+          </a:lnRef>
+          <a:fillRef idx="0">
+            <a:schemeClr val="dk1"/>
+          </a:fillRef>
+          <a:effectRef idx="0">
+            <a:schemeClr val="dk1"/>
+          </a:effectRef>
+          <a:fontRef idx="minor">
+            <a:schemeClr val="tx1"/>
+          </a:fontRef>
+        </p:style>
+      </p:cxnSp>
+      <p:cxnSp>
+        <p:nvCxnSpPr>
+          <p:cNvPr id="15" name="カギ線コネクタ 14"/>
+          <p:cNvCxnSpPr>
+            <a:endCxn id="8" idx="1"/>
+          </p:cNvCxnSpPr>
+          <p:nvPr/>
+        </p:nvCxnSpPr>
+        <p:spPr>
+          <a:xfrm>
+            <a:off x="5960533" y="4233333"/>
+            <a:ext cx="2235200" cy="1299369"/>
+          </a:xfrm>
+          <a:prstGeom prst="bentConnector3">
+            <a:avLst>
+              <a:gd name="adj1" fmla="val 379"/>
+            </a:avLst>
+          </a:prstGeom>
+        </p:spPr>
+        <p:style>
+          <a:lnRef idx="1">
+            <a:schemeClr val="dk1"/>
+          </a:lnRef>
+          <a:fillRef idx="0">
+            <a:schemeClr val="dk1"/>
+          </a:fillRef>
+          <a:effectRef idx="0">
+            <a:schemeClr val="dk1"/>
+          </a:effectRef>
+          <a:fontRef idx="minor">
+            <a:schemeClr val="tx1"/>
+          </a:fontRef>
+        </p:style>
+      </p:cxnSp>
+      <p:sp>
+        <p:nvSpPr>
+          <p:cNvPr id="17" name="正方形/長方形 16"/>
+          <p:cNvSpPr/>
+          <p:nvPr/>
+        </p:nvSpPr>
+        <p:spPr>
+          <a:xfrm>
+            <a:off x="7408333" y="2510630"/>
+            <a:ext cx="660400" cy="364067"/>
+          </a:xfrm>
+          <a:prstGeom prst="rect">
+            <a:avLst/>
+          </a:prstGeom>
+          <a:noFill/>
+          <a:ln w="9525" cap="flat" cmpd="sng" algn="ctr">
+            <a:solidFill>
+              <a:schemeClr val="dk1"/>
+            </a:solidFill>
+            <a:prstDash val="solid"/>
+            <a:round/>
+            <a:headEnd type="none" w="med" len="med"/>
+            <a:tailEnd type="none" w="med" len="med"/>
+          </a:ln>
+        </p:spPr>
+        <p:style>
+          <a:lnRef idx="0">
+            <a:scrgbClr r="0" g="0" b="0"/>
+          </a:lnRef>
+          <a:fillRef idx="0">
+            <a:scrgbClr r="0" g="0" b="0"/>
+          </a:fillRef>
+          <a:effectRef idx="0">
+            <a:scrgbClr r="0" g="0" b="0"/>
+          </a:effectRef>
+          <a:fontRef idx="minor">
+            <a:schemeClr val="dk1"/>
+          </a:fontRef>
+        </p:style>
+        <p:txBody>
+          <a:bodyPr rtlCol="0" anchor="ctr"/>
+          <a:lstStyle/>
+          <a:p>
+            <a:pPr algn="ctr"/>
+            <a:r>
+              <a:rPr kumimoji="1" lang="ja-JP" altLang="en-US" sz="1100" dirty="0" smtClean="0"/>
+              <a:t>処理</a:t>
+            </a:r>
+            <a:r>
+              <a:rPr kumimoji="1" lang="en-US" altLang="ja-JP" sz="1100" dirty="0" smtClean="0"/>
+              <a:t>1</a:t>
+            </a:r>
+            <a:endParaRPr kumimoji="1" lang="ja-JP" altLang="en-US" sz="1100" dirty="0"/>
+          </a:p>
+        </p:txBody>
+      </p:sp>
+      <p:sp>
+        <p:nvSpPr>
+          <p:cNvPr id="18" name="正方形/長方形 17"/>
+          <p:cNvSpPr/>
+          <p:nvPr/>
+        </p:nvSpPr>
+        <p:spPr>
+          <a:xfrm>
+            <a:off x="6517216" y="5082115"/>
+            <a:ext cx="660400" cy="364067"/>
+          </a:xfrm>
+          <a:prstGeom prst="rect">
+            <a:avLst/>
+          </a:prstGeom>
+          <a:noFill/>
+          <a:ln w="9525" cap="flat" cmpd="sng" algn="ctr">
+            <a:solidFill>
+              <a:schemeClr val="dk1"/>
+            </a:solidFill>
+            <a:prstDash val="solid"/>
+            <a:round/>
+            <a:headEnd type="none" w="med" len="med"/>
+            <a:tailEnd type="none" w="med" len="med"/>
+          </a:ln>
+        </p:spPr>
+        <p:style>
+          <a:lnRef idx="0">
+            <a:scrgbClr r="0" g="0" b="0"/>
+          </a:lnRef>
+          <a:fillRef idx="0">
+            <a:scrgbClr r="0" g="0" b="0"/>
+          </a:fillRef>
+          <a:effectRef idx="0">
+            <a:scrgbClr r="0" g="0" b="0"/>
+          </a:effectRef>
+          <a:fontRef idx="minor">
+            <a:schemeClr val="dk1"/>
+          </a:fontRef>
+        </p:style>
+        <p:txBody>
+          <a:bodyPr rtlCol="0" anchor="ctr"/>
+          <a:lstStyle/>
+          <a:p>
+            <a:pPr algn="ctr"/>
+            <a:r>
+              <a:rPr kumimoji="1" lang="ja-JP" altLang="en-US" sz="1100" dirty="0" smtClean="0"/>
+              <a:t>処理</a:t>
+            </a:r>
+            <a:r>
+              <a:rPr lang="ja-JP" altLang="en-US" sz="1100" dirty="0"/>
+              <a:t>６</a:t>
+            </a:r>
+            <a:endParaRPr kumimoji="1" lang="ja-JP" altLang="en-US" sz="1100" dirty="0"/>
+          </a:p>
+        </p:txBody>
+      </p:sp>
+      <p:sp>
+        <p:nvSpPr>
+          <p:cNvPr id="19" name="正方形/長方形 18"/>
+          <p:cNvSpPr/>
+          <p:nvPr/>
+        </p:nvSpPr>
+        <p:spPr>
+          <a:xfrm>
+            <a:off x="6536266" y="3719113"/>
+            <a:ext cx="660400" cy="364067"/>
+          </a:xfrm>
+          <a:prstGeom prst="rect">
+            <a:avLst/>
+          </a:prstGeom>
+          <a:noFill/>
+          <a:ln w="9525" cap="flat" cmpd="sng" algn="ctr">
+            <a:solidFill>
+              <a:schemeClr val="dk1"/>
+            </a:solidFill>
+            <a:prstDash val="solid"/>
+            <a:round/>
+            <a:headEnd type="none" w="med" len="med"/>
+            <a:tailEnd type="none" w="med" len="med"/>
+          </a:ln>
+        </p:spPr>
+        <p:style>
+          <a:lnRef idx="0">
+            <a:scrgbClr r="0" g="0" b="0"/>
+          </a:lnRef>
+          <a:fillRef idx="0">
+            <a:scrgbClr r="0" g="0" b="0"/>
+          </a:fillRef>
+          <a:effectRef idx="0">
+            <a:scrgbClr r="0" g="0" b="0"/>
+          </a:effectRef>
+          <a:fontRef idx="minor">
+            <a:schemeClr val="dk1"/>
+          </a:fontRef>
+        </p:style>
+        <p:txBody>
+          <a:bodyPr rtlCol="0" anchor="ctr"/>
+          <a:lstStyle/>
+          <a:p>
+            <a:pPr algn="ctr"/>
+            <a:r>
+              <a:rPr kumimoji="1" lang="ja-JP" altLang="en-US" sz="1100" dirty="0" smtClean="0"/>
+              <a:t>処理</a:t>
+            </a:r>
+            <a:r>
+              <a:rPr lang="ja-JP" altLang="en-US" sz="1100" dirty="0"/>
+              <a:t>５</a:t>
+            </a:r>
+            <a:endParaRPr kumimoji="1" lang="ja-JP" altLang="en-US" sz="1100" dirty="0"/>
+          </a:p>
+        </p:txBody>
+      </p:sp>
+      <p:sp>
+        <p:nvSpPr>
+          <p:cNvPr id="20" name="正方形/長方形 19"/>
+          <p:cNvSpPr/>
+          <p:nvPr/>
+        </p:nvSpPr>
+        <p:spPr>
+          <a:xfrm>
+            <a:off x="6536266" y="2512877"/>
+            <a:ext cx="660400" cy="364067"/>
+          </a:xfrm>
+          <a:prstGeom prst="rect">
+            <a:avLst/>
+          </a:prstGeom>
+          <a:noFill/>
+          <a:ln w="9525" cap="flat" cmpd="sng" algn="ctr">
+            <a:solidFill>
+              <a:schemeClr val="dk1"/>
+            </a:solidFill>
+            <a:prstDash val="solid"/>
+            <a:round/>
+            <a:headEnd type="none" w="med" len="med"/>
+            <a:tailEnd type="none" w="med" len="med"/>
+          </a:ln>
+        </p:spPr>
+        <p:style>
+          <a:lnRef idx="0">
+            <a:scrgbClr r="0" g="0" b="0"/>
+          </a:lnRef>
+          <a:fillRef idx="0">
+            <a:scrgbClr r="0" g="0" b="0"/>
+          </a:fillRef>
+          <a:effectRef idx="0">
+            <a:scrgbClr r="0" g="0" b="0"/>
+          </a:effectRef>
+          <a:fontRef idx="minor">
+            <a:schemeClr val="dk1"/>
+          </a:fontRef>
+        </p:style>
+        <p:txBody>
+          <a:bodyPr rtlCol="0" anchor="ctr"/>
+          <a:lstStyle/>
+          <a:p>
+            <a:pPr algn="ctr"/>
+            <a:r>
+              <a:rPr kumimoji="1" lang="ja-JP" altLang="en-US" sz="1100" dirty="0" smtClean="0"/>
+              <a:t>処理</a:t>
+            </a:r>
+            <a:r>
+              <a:rPr lang="ja-JP" altLang="en-US" sz="1100" dirty="0"/>
+              <a:t>４</a:t>
+            </a:r>
+            <a:endParaRPr kumimoji="1" lang="ja-JP" altLang="en-US" sz="1100" dirty="0"/>
+          </a:p>
+        </p:txBody>
+      </p:sp>
+      <p:sp>
+        <p:nvSpPr>
+          <p:cNvPr id="21" name="正方形/長方形 20"/>
+          <p:cNvSpPr/>
+          <p:nvPr/>
+        </p:nvSpPr>
+        <p:spPr>
+          <a:xfrm>
+            <a:off x="7421033" y="3723479"/>
+            <a:ext cx="660400" cy="364067"/>
+          </a:xfrm>
+          <a:prstGeom prst="rect">
+            <a:avLst/>
+          </a:prstGeom>
+          <a:noFill/>
+          <a:ln w="9525" cap="flat" cmpd="sng" algn="ctr">
+            <a:solidFill>
+              <a:schemeClr val="dk1"/>
+            </a:solidFill>
+            <a:prstDash val="solid"/>
+            <a:round/>
+            <a:headEnd type="none" w="med" len="med"/>
+            <a:tailEnd type="none" w="med" len="med"/>
+          </a:ln>
+        </p:spPr>
+        <p:style>
+          <a:lnRef idx="0">
+            <a:scrgbClr r="0" g="0" b="0"/>
+          </a:lnRef>
+          <a:fillRef idx="0">
+            <a:scrgbClr r="0" g="0" b="0"/>
+          </a:fillRef>
+          <a:effectRef idx="0">
+            <a:scrgbClr r="0" g="0" b="0"/>
+          </a:effectRef>
+          <a:fontRef idx="minor">
+            <a:schemeClr val="dk1"/>
+          </a:fontRef>
+        </p:style>
+        <p:txBody>
+          <a:bodyPr rtlCol="0" anchor="ctr"/>
+          <a:lstStyle/>
+          <a:p>
+            <a:pPr algn="ctr"/>
+            <a:r>
+              <a:rPr kumimoji="1" lang="ja-JP" altLang="en-US" sz="1100" dirty="0" smtClean="0"/>
+              <a:t>処理</a:t>
+            </a:r>
+            <a:r>
+              <a:rPr lang="ja-JP" altLang="en-US" sz="1100" dirty="0"/>
+              <a:t>２</a:t>
+            </a:r>
+            <a:endParaRPr kumimoji="1" lang="ja-JP" altLang="en-US" sz="1100" dirty="0"/>
+          </a:p>
+        </p:txBody>
+      </p:sp>
+      <p:sp>
+        <p:nvSpPr>
+          <p:cNvPr id="22" name="正方形/長方形 21"/>
+          <p:cNvSpPr/>
+          <p:nvPr/>
+        </p:nvSpPr>
+        <p:spPr>
+          <a:xfrm>
+            <a:off x="7408333" y="5082116"/>
+            <a:ext cx="660400" cy="364067"/>
+          </a:xfrm>
+          <a:prstGeom prst="rect">
+            <a:avLst/>
+          </a:prstGeom>
+          <a:noFill/>
+          <a:ln w="9525" cap="flat" cmpd="sng" algn="ctr">
+            <a:solidFill>
+              <a:schemeClr val="dk1"/>
+            </a:solidFill>
+            <a:prstDash val="solid"/>
+            <a:round/>
+            <a:headEnd type="none" w="med" len="med"/>
+            <a:tailEnd type="none" w="med" len="med"/>
+          </a:ln>
+        </p:spPr>
+        <p:style>
+          <a:lnRef idx="0">
+            <a:scrgbClr r="0" g="0" b="0"/>
+          </a:lnRef>
+          <a:fillRef idx="0">
+            <a:scrgbClr r="0" g="0" b="0"/>
+          </a:fillRef>
+          <a:effectRef idx="0">
+            <a:scrgbClr r="0" g="0" b="0"/>
+          </a:effectRef>
+          <a:fontRef idx="minor">
+            <a:schemeClr val="dk1"/>
+          </a:fontRef>
+        </p:style>
+        <p:txBody>
+          <a:bodyPr rtlCol="0" anchor="ctr"/>
+          <a:lstStyle/>
+          <a:p>
+            <a:pPr algn="ctr"/>
+            <a:r>
+              <a:rPr kumimoji="1" lang="ja-JP" altLang="en-US" sz="1100" dirty="0" smtClean="0"/>
+              <a:t>処理</a:t>
+            </a:r>
+            <a:r>
+              <a:rPr lang="ja-JP" altLang="en-US" sz="1100" dirty="0"/>
+              <a:t>３</a:t>
+            </a:r>
+            <a:endParaRPr kumimoji="1" lang="ja-JP" altLang="en-US" sz="1100" dirty="0"/>
+          </a:p>
+        </p:txBody>
+      </p:sp>
+    </p:spTree>
+    <p:extLst>
+      <p:ext uri="{BB962C8B-B14F-4D97-AF65-F5344CB8AC3E}">
+        <p14:creationId xmlns:p14="http://schemas.microsoft.com/office/powerpoint/2010/main" val="977202542"/>
+      </p:ext>
+    </p:extLst>
+  </p:cSld>
+  <p:clrMapOvr>
+    <a:masterClrMapping/>
+  </p:clrMapOvr>
+</p:sld>
+</file>
+
+<file path=ppt/slides/slide18.xml><?xml version="1.0" encoding="utf-8"?>
+<p:sld xmlns:a="http://schemas.openxmlformats.org/drawingml/2006/main" xmlns:r="http://schemas.openxmlformats.org/officeDocument/2006/relationships" xmlns:p="http://schemas.openxmlformats.org/presentationml/2006/main">
+  <p:cSld>
+    <p:spTree>
+      <p:nvGrpSpPr>
+        <p:cNvPr id="1" name=""/>
+        <p:cNvGrpSpPr/>
+        <p:nvPr/>
+      </p:nvGrpSpPr>
+      <p:grpSpPr>
+        <a:xfrm>
+          <a:off x="0" y="0"/>
+          <a:ext cx="0" cy="0"/>
+          <a:chOff x="0" y="0"/>
+          <a:chExt cx="0" cy="0"/>
+        </a:xfrm>
+      </p:grpSpPr>
+      <p:sp>
+        <p:nvSpPr>
+          <p:cNvPr id="2" name="タイトル 1"/>
+          <p:cNvSpPr>
+            <a:spLocks noGrp="1"/>
+          </p:cNvSpPr>
+          <p:nvPr>
+            <p:ph type="title"/>
+          </p:nvPr>
+        </p:nvSpPr>
+        <p:spPr/>
+        <p:txBody>
+          <a:bodyPr/>
+          <a:lstStyle/>
+          <a:p>
+            <a:r>
+              <a:rPr kumimoji="1" lang="ja-JP" altLang="en-US" dirty="0" smtClean="0"/>
+              <a:t>音楽のタグ付けに関する</a:t>
+            </a:r>
+            <a:r>
+              <a:rPr kumimoji="1" lang="en-US" altLang="ja-JP" dirty="0" smtClean="0"/>
+              <a:t>NN</a:t>
+            </a:r>
+            <a:r>
+              <a:rPr kumimoji="1" lang="ja-JP" altLang="en-US" dirty="0" smtClean="0"/>
+              <a:t>の調査</a:t>
+            </a:r>
+            <a:endParaRPr kumimoji="1" lang="ja-JP" altLang="en-US" dirty="0"/>
+          </a:p>
+        </p:txBody>
+      </p:sp>
+      <p:sp>
+        <p:nvSpPr>
+          <p:cNvPr id="3" name="コンテンツ プレースホルダー 2"/>
+          <p:cNvSpPr>
+            <a:spLocks noGrp="1"/>
+          </p:cNvSpPr>
+          <p:nvPr>
+            <p:ph idx="1"/>
+          </p:nvPr>
+        </p:nvSpPr>
+        <p:spPr/>
+        <p:txBody>
+          <a:bodyPr/>
+          <a:lstStyle/>
+          <a:p>
+            <a:r>
+              <a:rPr kumimoji="1" lang="ja-JP" altLang="en-US" dirty="0" smtClean="0"/>
+              <a:t>色々調査しているが学習済みのものはなかなか見つからない調査を続行する。</a:t>
+            </a:r>
+            <a:endParaRPr kumimoji="1" lang="ja-JP" altLang="en-US" dirty="0"/>
+          </a:p>
+        </p:txBody>
+      </p:sp>
+      <p:sp>
+        <p:nvSpPr>
+          <p:cNvPr id="4" name="スライド番号プレースホルダー 3"/>
+          <p:cNvSpPr>
+            <a:spLocks noGrp="1"/>
+          </p:cNvSpPr>
+          <p:nvPr>
+            <p:ph type="sldNum" sz="quarter" idx="12"/>
+          </p:nvPr>
+        </p:nvSpPr>
+        <p:spPr/>
+        <p:txBody>
+          <a:bodyPr/>
+          <a:lstStyle/>
+          <a:p>
+            <a:fld id="{82B0F181-4DAC-4AF6-AAF0-BC662F10B70B}" type="slidenum">
+              <a:rPr kumimoji="1" lang="ja-JP" altLang="en-US" smtClean="0"/>
+              <a:t>18</a:t>
+            </a:fld>
+            <a:endParaRPr kumimoji="1" lang="ja-JP" altLang="en-US"/>
+          </a:p>
+        </p:txBody>
+      </p:sp>
+    </p:spTree>
+    <p:extLst>
+      <p:ext uri="{BB962C8B-B14F-4D97-AF65-F5344CB8AC3E}">
+        <p14:creationId xmlns:p14="http://schemas.microsoft.com/office/powerpoint/2010/main" val="4293835603"/>
+      </p:ext>
+    </p:extLst>
+  </p:cSld>
+  <p:clrMapOvr>
+    <a:masterClrMapping/>
+  </p:clrMapOvr>
+</p:sld>
+</file>
+
+<file path=ppt/slides/slide19.xml><?xml version="1.0" encoding="utf-8"?>
+<p:sld xmlns:a="http://schemas.openxmlformats.org/drawingml/2006/main" xmlns:r="http://schemas.openxmlformats.org/officeDocument/2006/relationships" xmlns:p="http://schemas.openxmlformats.org/presentationml/2006/main">
+  <p:cSld>
+    <p:spTree>
+      <p:nvGrpSpPr>
+        <p:cNvPr id="1" name=""/>
+        <p:cNvGrpSpPr/>
+        <p:nvPr/>
+      </p:nvGrpSpPr>
+      <p:grpSpPr>
+        <a:xfrm>
+          <a:off x="0" y="0"/>
+          <a:ext cx="0" cy="0"/>
+          <a:chOff x="0" y="0"/>
+          <a:chExt cx="0" cy="0"/>
+        </a:xfrm>
+      </p:grpSpPr>
+      <p:sp>
+        <p:nvSpPr>
+          <p:cNvPr id="2" name="タイトル 1"/>
+          <p:cNvSpPr>
+            <a:spLocks noGrp="1"/>
+          </p:cNvSpPr>
+          <p:nvPr>
+            <p:ph type="title"/>
+          </p:nvPr>
+        </p:nvSpPr>
+        <p:spPr/>
+        <p:txBody>
+          <a:bodyPr/>
+          <a:lstStyle/>
+          <a:p>
+            <a:r>
+              <a:rPr kumimoji="1" lang="en-US" altLang="ja-JP" dirty="0" smtClean="0"/>
+              <a:t>5/21</a:t>
+            </a:r>
+            <a:r>
+              <a:rPr kumimoji="1" lang="ja-JP" altLang="en-US" dirty="0" smtClean="0"/>
+              <a:t>～</a:t>
+            </a:r>
+            <a:r>
+              <a:rPr kumimoji="1" lang="en-US" altLang="ja-JP" dirty="0" smtClean="0"/>
+              <a:t>5/28</a:t>
+            </a:r>
+            <a:r>
+              <a:rPr kumimoji="1" lang="ja-JP" altLang="en-US" dirty="0" smtClean="0"/>
+              <a:t>の作業</a:t>
+            </a:r>
+            <a:endParaRPr kumimoji="1" lang="ja-JP" altLang="en-US" dirty="0"/>
+          </a:p>
+        </p:txBody>
+      </p:sp>
+      <p:sp>
+        <p:nvSpPr>
+          <p:cNvPr id="3" name="コンテンツ プレースホルダー 2"/>
+          <p:cNvSpPr>
+            <a:spLocks noGrp="1"/>
+          </p:cNvSpPr>
+          <p:nvPr>
+            <p:ph idx="1"/>
+          </p:nvPr>
+        </p:nvSpPr>
+        <p:spPr/>
+        <p:txBody>
+          <a:bodyPr/>
+          <a:lstStyle/>
+          <a:p>
+            <a:r>
+              <a:rPr kumimoji="1" lang="ja-JP" altLang="en-US" dirty="0" smtClean="0"/>
+              <a:t>ラウンドロビンの勉強</a:t>
+            </a:r>
+            <a:endParaRPr kumimoji="1" lang="en-US" altLang="ja-JP" dirty="0" smtClean="0"/>
+          </a:p>
+          <a:p>
+            <a:r>
+              <a:rPr lang="ja-JP" altLang="en-US" dirty="0"/>
+              <a:t>音楽</a:t>
+            </a:r>
+            <a:r>
+              <a:rPr lang="ja-JP" altLang="en-US" dirty="0" smtClean="0"/>
+              <a:t>のタグ付けに関する</a:t>
+            </a:r>
+            <a:r>
+              <a:rPr lang="en-US" altLang="ja-JP" dirty="0" smtClean="0"/>
+              <a:t>NN</a:t>
+            </a:r>
+            <a:r>
+              <a:rPr lang="ja-JP" altLang="en-US" dirty="0" smtClean="0"/>
+              <a:t>の調査</a:t>
+            </a:r>
+            <a:endParaRPr lang="en-US" altLang="ja-JP" dirty="0" smtClean="0"/>
+          </a:p>
+          <a:p>
+            <a:pPr marL="0" indent="0">
+              <a:buNone/>
+            </a:pPr>
+            <a:endParaRPr kumimoji="1" lang="ja-JP" altLang="en-US" dirty="0"/>
+          </a:p>
+        </p:txBody>
+      </p:sp>
+      <p:sp>
+        <p:nvSpPr>
+          <p:cNvPr id="4" name="スライド番号プレースホルダー 3"/>
+          <p:cNvSpPr>
+            <a:spLocks noGrp="1"/>
+          </p:cNvSpPr>
+          <p:nvPr>
+            <p:ph type="sldNum" sz="quarter" idx="12"/>
+          </p:nvPr>
+        </p:nvSpPr>
+        <p:spPr/>
+        <p:txBody>
+          <a:bodyPr/>
+          <a:lstStyle/>
+          <a:p>
+            <a:fld id="{82B0F181-4DAC-4AF6-AAF0-BC662F10B70B}" type="slidenum">
+              <a:rPr kumimoji="1" lang="ja-JP" altLang="en-US" smtClean="0"/>
+              <a:t>19</a:t>
+            </a:fld>
+            <a:endParaRPr kumimoji="1" lang="ja-JP" altLang="en-US"/>
+          </a:p>
+        </p:txBody>
+      </p:sp>
+    </p:spTree>
+    <p:extLst>
+      <p:ext uri="{BB962C8B-B14F-4D97-AF65-F5344CB8AC3E}">
+        <p14:creationId xmlns:p14="http://schemas.microsoft.com/office/powerpoint/2010/main" val="755547247"/>
+      </p:ext>
+    </p:extLst>
+  </p:cSld>
+  <p:clrMapOvr>
+    <a:masterClrMapping/>
+  </p:clrMapOvr>
+</p:sld>
+</file>
+
 <file path=ppt/slides/slide2.xml><?xml version="1.0" encoding="utf-8"?>
 <p:sld xmlns:a="http://schemas.openxmlformats.org/drawingml/2006/main" xmlns:r="http://schemas.openxmlformats.org/officeDocument/2006/relationships" xmlns:p="http://schemas.openxmlformats.org/presentationml/2006/main">
   <p:cSld>
@@ -4882,6 +6014,257 @@
     <p:extLst>
       <p:ext uri="{BB962C8B-B14F-4D97-AF65-F5344CB8AC3E}">
         <p14:creationId xmlns:p14="http://schemas.microsoft.com/office/powerpoint/2010/main" val="2602878787"/>
+      </p:ext>
+    </p:extLst>
+  </p:cSld>
+  <p:clrMapOvr>
+    <a:masterClrMapping/>
+  </p:clrMapOvr>
+</p:sld>
+</file>
+
+<file path=ppt/slides/slide20.xml><?xml version="1.0" encoding="utf-8"?>
+<p:sld xmlns:a="http://schemas.openxmlformats.org/drawingml/2006/main" xmlns:r="http://schemas.openxmlformats.org/officeDocument/2006/relationships" xmlns:p="http://schemas.openxmlformats.org/presentationml/2006/main">
+  <p:cSld>
+    <p:spTree>
+      <p:nvGrpSpPr>
+        <p:cNvPr id="1" name=""/>
+        <p:cNvGrpSpPr/>
+        <p:nvPr/>
+      </p:nvGrpSpPr>
+      <p:grpSpPr>
+        <a:xfrm>
+          <a:off x="0" y="0"/>
+          <a:ext cx="0" cy="0"/>
+          <a:chOff x="0" y="0"/>
+          <a:chExt cx="0" cy="0"/>
+        </a:xfrm>
+      </p:grpSpPr>
+      <p:sp>
+        <p:nvSpPr>
+          <p:cNvPr id="2" name="タイトル 1"/>
+          <p:cNvSpPr>
+            <a:spLocks noGrp="1"/>
+          </p:cNvSpPr>
+          <p:nvPr>
+            <p:ph type="title"/>
+          </p:nvPr>
+        </p:nvSpPr>
+        <p:spPr/>
+        <p:txBody>
+          <a:bodyPr/>
+          <a:lstStyle/>
+          <a:p>
+            <a:r>
+              <a:rPr kumimoji="1" lang="ja-JP" altLang="en-US" dirty="0" smtClean="0"/>
+              <a:t>ラウンドロビンの勉強</a:t>
+            </a:r>
+            <a:endParaRPr kumimoji="1" lang="ja-JP" altLang="en-US" dirty="0"/>
+          </a:p>
+        </p:txBody>
+      </p:sp>
+      <p:sp>
+        <p:nvSpPr>
+          <p:cNvPr id="3" name="コンテンツ プレースホルダー 2"/>
+          <p:cNvSpPr>
+            <a:spLocks noGrp="1"/>
+          </p:cNvSpPr>
+          <p:nvPr>
+            <p:ph idx="1"/>
+          </p:nvPr>
+        </p:nvSpPr>
+        <p:spPr/>
+        <p:txBody>
+          <a:bodyPr/>
+          <a:lstStyle/>
+          <a:p>
+            <a:pPr marL="0" indent="0">
+              <a:buNone/>
+            </a:pPr>
+            <a:r>
+              <a:rPr lang="ja-JP" altLang="en-US" dirty="0"/>
+              <a:t>今</a:t>
+            </a:r>
+            <a:r>
+              <a:rPr lang="ja-JP" altLang="en-US" dirty="0" smtClean="0"/>
+              <a:t>まで勘違いしてプログラムを勉強していたのはタスクスケジューリング方式のラウンドロビンだった。</a:t>
+            </a:r>
+            <a:endParaRPr lang="en-US" altLang="ja-JP" dirty="0" smtClean="0"/>
+          </a:p>
+          <a:p>
+            <a:pPr marL="0" indent="0">
+              <a:buNone/>
+            </a:pPr>
+            <a:endParaRPr kumimoji="1" lang="en-US" altLang="ja-JP" dirty="0" smtClean="0"/>
+          </a:p>
+          <a:p>
+            <a:pPr marL="0" indent="0">
+              <a:buNone/>
+            </a:pPr>
+            <a:r>
+              <a:rPr kumimoji="1" lang="ja-JP" altLang="en-US" dirty="0" smtClean="0"/>
+              <a:t>勉強するべきは</a:t>
+            </a:r>
+            <a:r>
+              <a:rPr lang="ja-JP" altLang="en-US" dirty="0"/>
+              <a:t>負荷分散</a:t>
+            </a:r>
+            <a:r>
+              <a:rPr lang="ja-JP" altLang="en-US" dirty="0" smtClean="0"/>
+              <a:t>のラウンドロビン</a:t>
+            </a:r>
+            <a:endParaRPr lang="en-US" altLang="ja-JP" dirty="0" smtClean="0"/>
+          </a:p>
+          <a:p>
+            <a:pPr marL="0" indent="0">
+              <a:buNone/>
+            </a:pPr>
+            <a:r>
+              <a:rPr lang="ja-JP" altLang="en-US" dirty="0" smtClean="0"/>
+              <a:t>先週実践したプログラミングで勘違いに気づいた</a:t>
+            </a:r>
+            <a:endParaRPr kumimoji="1" lang="ja-JP" altLang="en-US" dirty="0"/>
+          </a:p>
+        </p:txBody>
+      </p:sp>
+      <p:sp>
+        <p:nvSpPr>
+          <p:cNvPr id="4" name="スライド番号プレースホルダー 3"/>
+          <p:cNvSpPr>
+            <a:spLocks noGrp="1"/>
+          </p:cNvSpPr>
+          <p:nvPr>
+            <p:ph type="sldNum" sz="quarter" idx="12"/>
+          </p:nvPr>
+        </p:nvSpPr>
+        <p:spPr/>
+        <p:txBody>
+          <a:bodyPr/>
+          <a:lstStyle/>
+          <a:p>
+            <a:fld id="{82B0F181-4DAC-4AF6-AAF0-BC662F10B70B}" type="slidenum">
+              <a:rPr kumimoji="1" lang="ja-JP" altLang="en-US" smtClean="0"/>
+              <a:t>20</a:t>
+            </a:fld>
+            <a:endParaRPr kumimoji="1" lang="ja-JP" altLang="en-US"/>
+          </a:p>
+        </p:txBody>
+      </p:sp>
+    </p:spTree>
+    <p:extLst>
+      <p:ext uri="{BB962C8B-B14F-4D97-AF65-F5344CB8AC3E}">
+        <p14:creationId xmlns:p14="http://schemas.microsoft.com/office/powerpoint/2010/main" val="1818861138"/>
+      </p:ext>
+    </p:extLst>
+  </p:cSld>
+  <p:clrMapOvr>
+    <a:masterClrMapping/>
+  </p:clrMapOvr>
+</p:sld>
+</file>
+
+<file path=ppt/slides/slide21.xml><?xml version="1.0" encoding="utf-8"?>
+<p:sld xmlns:a="http://schemas.openxmlformats.org/drawingml/2006/main" xmlns:r="http://schemas.openxmlformats.org/officeDocument/2006/relationships" xmlns:p="http://schemas.openxmlformats.org/presentationml/2006/main">
+  <p:cSld>
+    <p:spTree>
+      <p:nvGrpSpPr>
+        <p:cNvPr id="1" name=""/>
+        <p:cNvGrpSpPr/>
+        <p:nvPr/>
+      </p:nvGrpSpPr>
+      <p:grpSpPr>
+        <a:xfrm>
+          <a:off x="0" y="0"/>
+          <a:ext cx="0" cy="0"/>
+          <a:chOff x="0" y="0"/>
+          <a:chExt cx="0" cy="0"/>
+        </a:xfrm>
+      </p:grpSpPr>
+      <p:sp>
+        <p:nvSpPr>
+          <p:cNvPr id="2" name="タイトル 1"/>
+          <p:cNvSpPr>
+            <a:spLocks noGrp="1"/>
+          </p:cNvSpPr>
+          <p:nvPr>
+            <p:ph type="title"/>
+          </p:nvPr>
+        </p:nvSpPr>
+        <p:spPr/>
+        <p:txBody>
+          <a:bodyPr/>
+          <a:lstStyle/>
+          <a:p>
+            <a:r>
+              <a:rPr lang="ja-JP" altLang="en-US" dirty="0"/>
+              <a:t>音楽のタグ付けに</a:t>
+            </a:r>
+            <a:r>
+              <a:rPr lang="ja-JP" altLang="en-US" dirty="0" smtClean="0"/>
+              <a:t>関する</a:t>
+            </a:r>
+            <a:r>
+              <a:rPr lang="en-US" altLang="ja-JP" dirty="0" smtClean="0"/>
+              <a:t>NN</a:t>
+            </a:r>
+            <a:r>
+              <a:rPr lang="ja-JP" altLang="en-US" dirty="0" smtClean="0"/>
+              <a:t>の調査</a:t>
+            </a:r>
+            <a:endParaRPr kumimoji="1" lang="ja-JP" altLang="en-US" dirty="0"/>
+          </a:p>
+        </p:txBody>
+      </p:sp>
+      <p:sp>
+        <p:nvSpPr>
+          <p:cNvPr id="3" name="コンテンツ プレースホルダー 2"/>
+          <p:cNvSpPr>
+            <a:spLocks noGrp="1"/>
+          </p:cNvSpPr>
+          <p:nvPr>
+            <p:ph idx="1"/>
+          </p:nvPr>
+        </p:nvSpPr>
+        <p:spPr/>
+        <p:txBody>
+          <a:bodyPr/>
+          <a:lstStyle/>
+          <a:p>
+            <a:r>
+              <a:rPr kumimoji="1" lang="ja-JP" altLang="en-US" dirty="0" smtClean="0"/>
+              <a:t>いくつかそういった記事は見つけたが学習済みのものは見つからない。</a:t>
+            </a:r>
+            <a:endParaRPr kumimoji="1" lang="ja-JP" altLang="en-US" dirty="0"/>
+          </a:p>
+        </p:txBody>
+      </p:sp>
+      <p:sp>
+        <p:nvSpPr>
+          <p:cNvPr id="4" name="スライド番号プレースホルダー 3"/>
+          <p:cNvSpPr>
+            <a:spLocks noGrp="1"/>
+          </p:cNvSpPr>
+          <p:nvPr>
+            <p:ph type="sldNum" sz="quarter" idx="12"/>
+          </p:nvPr>
+        </p:nvSpPr>
+        <p:spPr/>
+        <p:txBody>
+          <a:bodyPr/>
+          <a:lstStyle/>
+          <a:p>
+            <a:fld id="{82B0F181-4DAC-4AF6-AAF0-BC662F10B70B}" type="slidenum">
+              <a:rPr kumimoji="1" lang="ja-JP" altLang="en-US" smtClean="0"/>
+              <a:t>21</a:t>
+            </a:fld>
+            <a:endParaRPr kumimoji="1" lang="ja-JP" altLang="en-US"/>
+          </a:p>
+        </p:txBody>
+      </p:sp>
+    </p:spTree>
+    <p:extLst>
+      <p:ext uri="{BB962C8B-B14F-4D97-AF65-F5344CB8AC3E}">
+        <p14:creationId xmlns:p14="http://schemas.microsoft.com/office/powerpoint/2010/main" val="2196933083"/>
       </p:ext>
     </p:extLst>
   </p:cSld>

--- a/1821144_yoshii_sotsuken.pptx
+++ b/1821144_yoshii_sotsuken.pptx
@@ -5,7 +5,7 @@
     <p:sldMasterId id="2147483648" r:id="rId1"/>
   </p:sldMasterIdLst>
   <p:notesMasterIdLst>
-    <p:notesMasterId r:id="rId23"/>
+    <p:notesMasterId r:id="rId24"/>
   </p:notesMasterIdLst>
   <p:sldIdLst>
     <p:sldId id="256" r:id="rId2"/>
@@ -29,6 +29,7 @@
     <p:sldId id="274" r:id="rId20"/>
     <p:sldId id="275" r:id="rId21"/>
     <p:sldId id="276" r:id="rId22"/>
+    <p:sldId id="277" r:id="rId23"/>
   </p:sldIdLst>
   <p:sldSz cx="12192000" cy="6858000"/>
   <p:notesSz cx="6858000" cy="9144000"/>
@@ -217,7 +218,7 @@
           <a:p>
             <a:fld id="{BCB9648B-AEFE-42C2-8ABD-77434AB00849}" type="datetimeFigureOut">
               <a:rPr kumimoji="1" lang="ja-JP" altLang="en-US" smtClean="0"/>
-              <a:t>2021/5/27</a:t>
+              <a:t>2021/5/28</a:t>
             </a:fld>
             <a:endParaRPr kumimoji="1" lang="ja-JP" altLang="en-US"/>
           </a:p>
@@ -648,7 +649,7 @@
           <a:p>
             <a:fld id="{BC0FC1BD-A483-4243-B6A9-AEA49E313BC4}" type="datetime1">
               <a:rPr kumimoji="1" lang="ja-JP" altLang="en-US" smtClean="0"/>
-              <a:t>2021/5/27</a:t>
+              <a:t>2021/5/28</a:t>
             </a:fld>
             <a:endParaRPr kumimoji="1" lang="ja-JP" altLang="en-US"/>
           </a:p>
@@ -850,7 +851,7 @@
           <a:p>
             <a:fld id="{AA5417CA-F50F-45D8-8913-A64CBDFEAA11}" type="datetime1">
               <a:rPr kumimoji="1" lang="ja-JP" altLang="en-US" smtClean="0"/>
-              <a:t>2021/5/27</a:t>
+              <a:t>2021/5/28</a:t>
             </a:fld>
             <a:endParaRPr kumimoji="1" lang="ja-JP" altLang="en-US"/>
           </a:p>
@@ -1062,7 +1063,7 @@
           <a:p>
             <a:fld id="{1227B52B-1226-4738-9D37-1BA9FBAC9F1D}" type="datetime1">
               <a:rPr kumimoji="1" lang="ja-JP" altLang="en-US" smtClean="0"/>
-              <a:t>2021/5/27</a:t>
+              <a:t>2021/5/28</a:t>
             </a:fld>
             <a:endParaRPr kumimoji="1" lang="ja-JP" altLang="en-US"/>
           </a:p>
@@ -1264,7 +1265,7 @@
           <a:p>
             <a:fld id="{5C85E33D-31B1-4591-8E9C-3E936DED5E92}" type="datetime1">
               <a:rPr kumimoji="1" lang="ja-JP" altLang="en-US" smtClean="0"/>
-              <a:t>2021/5/27</a:t>
+              <a:t>2021/5/28</a:t>
             </a:fld>
             <a:endParaRPr kumimoji="1" lang="ja-JP" altLang="en-US"/>
           </a:p>
@@ -1510,7 +1511,7 @@
           <a:p>
             <a:fld id="{F27CD682-BF66-4B8E-8A63-21501F91F5E3}" type="datetime1">
               <a:rPr kumimoji="1" lang="ja-JP" altLang="en-US" smtClean="0"/>
-              <a:t>2021/5/27</a:t>
+              <a:t>2021/5/28</a:t>
             </a:fld>
             <a:endParaRPr kumimoji="1" lang="ja-JP" altLang="en-US"/>
           </a:p>
@@ -1806,7 +1807,7 @@
           <a:p>
             <a:fld id="{27378C8D-7596-446D-AFEB-50FDD143704D}" type="datetime1">
               <a:rPr kumimoji="1" lang="ja-JP" altLang="en-US" smtClean="0"/>
-              <a:t>2021/5/27</a:t>
+              <a:t>2021/5/28</a:t>
             </a:fld>
             <a:endParaRPr kumimoji="1" lang="ja-JP" altLang="en-US"/>
           </a:p>
@@ -2237,7 +2238,7 @@
           <a:p>
             <a:fld id="{A040A03A-A697-4819-835E-F2749A1B35C9}" type="datetime1">
               <a:rPr kumimoji="1" lang="ja-JP" altLang="en-US" smtClean="0"/>
-              <a:t>2021/5/27</a:t>
+              <a:t>2021/5/28</a:t>
             </a:fld>
             <a:endParaRPr kumimoji="1" lang="ja-JP" altLang="en-US"/>
           </a:p>
@@ -2355,7 +2356,7 @@
           <a:p>
             <a:fld id="{868B2368-AD31-4716-AEAE-64986817D583}" type="datetime1">
               <a:rPr kumimoji="1" lang="ja-JP" altLang="en-US" smtClean="0"/>
-              <a:t>2021/5/27</a:t>
+              <a:t>2021/5/28</a:t>
             </a:fld>
             <a:endParaRPr kumimoji="1" lang="ja-JP" altLang="en-US"/>
           </a:p>
@@ -2450,7 +2451,7 @@
           <a:p>
             <a:fld id="{756D2065-9F54-400B-9D14-6A1CF037C9AC}" type="datetime1">
               <a:rPr kumimoji="1" lang="ja-JP" altLang="en-US" smtClean="0"/>
-              <a:t>2021/5/27</a:t>
+              <a:t>2021/5/28</a:t>
             </a:fld>
             <a:endParaRPr kumimoji="1" lang="ja-JP" altLang="en-US"/>
           </a:p>
@@ -2759,7 +2760,7 @@
           <a:p>
             <a:fld id="{BE9CA775-0781-467A-832A-6C4D4E629D1E}" type="datetime1">
               <a:rPr kumimoji="1" lang="ja-JP" altLang="en-US" smtClean="0"/>
-              <a:t>2021/5/27</a:t>
+              <a:t>2021/5/28</a:t>
             </a:fld>
             <a:endParaRPr kumimoji="1" lang="ja-JP" altLang="en-US"/>
           </a:p>
@@ -3012,7 +3013,7 @@
           <a:p>
             <a:fld id="{A451F554-8CDE-45DC-9560-FC94B5583924}" type="datetime1">
               <a:rPr kumimoji="1" lang="ja-JP" altLang="en-US" smtClean="0"/>
-              <a:t>2021/5/27</a:t>
+              <a:t>2021/5/28</a:t>
             </a:fld>
             <a:endParaRPr kumimoji="1" lang="ja-JP" altLang="en-US"/>
           </a:p>
@@ -3257,7 +3258,7 @@
           <a:p>
             <a:fld id="{D7A02573-CF0B-4069-B388-0FE957D4161C}" type="datetime1">
               <a:rPr kumimoji="1" lang="ja-JP" altLang="en-US" smtClean="0"/>
-              <a:t>2021/5/27</a:t>
+              <a:t>2021/5/28</a:t>
             </a:fld>
             <a:endParaRPr kumimoji="1" lang="ja-JP" altLang="en-US"/>
           </a:p>
@@ -5827,8 +5828,29 @@
             </a:r>
             <a:r>
               <a:rPr lang="ja-JP" altLang="en-US" dirty="0" smtClean="0"/>
-              <a:t>の調査</a:t>
-            </a:r>
+              <a:t>の</a:t>
+            </a:r>
+            <a:r>
+              <a:rPr lang="ja-JP" altLang="en-US" dirty="0" smtClean="0"/>
+              <a:t>調査</a:t>
+            </a:r>
+            <a:endParaRPr lang="en-US" altLang="ja-JP" dirty="0" smtClean="0"/>
+          </a:p>
+          <a:p>
+            <a:r>
+              <a:rPr lang="en-US" altLang="ja-JP" dirty="0" smtClean="0"/>
+              <a:t>Python</a:t>
+            </a:r>
+            <a:r>
+              <a:rPr lang="ja-JP" altLang="en-US" dirty="0" smtClean="0"/>
+              <a:t>の勉強</a:t>
+            </a:r>
+            <a:endParaRPr lang="en-US" altLang="ja-JP" dirty="0" smtClean="0"/>
+          </a:p>
+          <a:p>
+            <a:pPr marL="0" indent="0">
+              <a:buNone/>
+            </a:pPr>
             <a:endParaRPr lang="en-US" altLang="ja-JP" dirty="0" smtClean="0"/>
           </a:p>
           <a:p>
@@ -6111,7 +6133,11 @@
             </a:r>
             <a:r>
               <a:rPr lang="ja-JP" altLang="en-US" dirty="0" smtClean="0"/>
-              <a:t>のラウンドロビン</a:t>
+              <a:t>の</a:t>
+            </a:r>
+            <a:r>
+              <a:rPr lang="ja-JP" altLang="en-US" dirty="0" smtClean="0"/>
+              <a:t>ラウンドロビンのプログラム</a:t>
             </a:r>
             <a:endParaRPr lang="en-US" altLang="ja-JP" dirty="0" smtClean="0"/>
           </a:p>
@@ -6192,26 +6218,28 @@
         </p:nvSpPr>
         <p:spPr/>
         <p:txBody>
-          <a:bodyPr/>
-          <a:lstStyle/>
-          <a:p>
-            <a:r>
-              <a:rPr lang="ja-JP" altLang="en-US" dirty="0"/>
+          <a:bodyPr>
+            <a:normAutofit/>
+          </a:bodyPr>
+          <a:lstStyle/>
+          <a:p>
+            <a:r>
+              <a:rPr lang="ja-JP" altLang="en-US" sz="4000" dirty="0"/>
               <a:t>音楽のタグ付けに</a:t>
             </a:r>
             <a:r>
-              <a:rPr lang="ja-JP" altLang="en-US" dirty="0" smtClean="0"/>
-              <a:t>関する</a:t>
-            </a:r>
-            <a:r>
-              <a:rPr lang="en-US" altLang="ja-JP" dirty="0" smtClean="0"/>
+              <a:rPr lang="ja-JP" altLang="en-US" sz="4000" dirty="0" smtClean="0"/>
+              <a:t>関する学習済み</a:t>
+            </a:r>
+            <a:r>
+              <a:rPr lang="en-US" altLang="ja-JP" sz="4000" dirty="0" smtClean="0"/>
               <a:t>NN</a:t>
             </a:r>
             <a:r>
-              <a:rPr lang="ja-JP" altLang="en-US" dirty="0" smtClean="0"/>
+              <a:rPr lang="ja-JP" altLang="en-US" sz="4000" dirty="0" smtClean="0"/>
               <a:t>の調査</a:t>
             </a:r>
-            <a:endParaRPr kumimoji="1" lang="ja-JP" altLang="en-US" dirty="0"/>
+            <a:endParaRPr kumimoji="1" lang="ja-JP" altLang="en-US" sz="4000" dirty="0"/>
           </a:p>
         </p:txBody>
       </p:sp>
@@ -6232,7 +6260,24 @@
           <a:p>
             <a:r>
               <a:rPr kumimoji="1" lang="ja-JP" altLang="en-US" dirty="0" smtClean="0"/>
-              <a:t>いくつかそういった記事は見つけたが学習済みのものは見つからない。</a:t>
+              <a:t>いくつかそういった記事は見つけたが学習済みのものは見つからない</a:t>
+            </a:r>
+            <a:r>
+              <a:rPr kumimoji="1" lang="ja-JP" altLang="en-US" dirty="0" smtClean="0"/>
+              <a:t>。</a:t>
+            </a:r>
+            <a:endParaRPr kumimoji="1" lang="en-US" altLang="ja-JP" dirty="0" smtClean="0"/>
+          </a:p>
+          <a:p>
+            <a:endParaRPr lang="en-US" altLang="ja-JP" dirty="0"/>
+          </a:p>
+          <a:p>
+            <a:pPr marL="0" indent="0">
+              <a:buNone/>
+            </a:pPr>
+            <a:r>
+              <a:rPr kumimoji="1" lang="ja-JP" altLang="en-US" dirty="0" smtClean="0"/>
+              <a:t>転移学習で調べてみる</a:t>
             </a:r>
             <a:endParaRPr kumimoji="1" lang="ja-JP" altLang="en-US" dirty="0"/>
           </a:p>
@@ -6265,6 +6310,154 @@
     <p:extLst>
       <p:ext uri="{BB962C8B-B14F-4D97-AF65-F5344CB8AC3E}">
         <p14:creationId xmlns:p14="http://schemas.microsoft.com/office/powerpoint/2010/main" val="2196933083"/>
+      </p:ext>
+    </p:extLst>
+  </p:cSld>
+  <p:clrMapOvr>
+    <a:masterClrMapping/>
+  </p:clrMapOvr>
+</p:sld>
+</file>
+
+<file path=ppt/slides/slide22.xml><?xml version="1.0" encoding="utf-8"?>
+<p:sld xmlns:a="http://schemas.openxmlformats.org/drawingml/2006/main" xmlns:r="http://schemas.openxmlformats.org/officeDocument/2006/relationships" xmlns:p="http://schemas.openxmlformats.org/presentationml/2006/main">
+  <p:cSld>
+    <p:spTree>
+      <p:nvGrpSpPr>
+        <p:cNvPr id="1" name=""/>
+        <p:cNvGrpSpPr/>
+        <p:nvPr/>
+      </p:nvGrpSpPr>
+      <p:grpSpPr>
+        <a:xfrm>
+          <a:off x="0" y="0"/>
+          <a:ext cx="0" cy="0"/>
+          <a:chOff x="0" y="0"/>
+          <a:chExt cx="0" cy="0"/>
+        </a:xfrm>
+      </p:grpSpPr>
+      <p:sp>
+        <p:nvSpPr>
+          <p:cNvPr id="2" name="タイトル 1"/>
+          <p:cNvSpPr>
+            <a:spLocks noGrp="1"/>
+          </p:cNvSpPr>
+          <p:nvPr>
+            <p:ph type="title"/>
+          </p:nvPr>
+        </p:nvSpPr>
+        <p:spPr/>
+        <p:txBody>
+          <a:bodyPr/>
+          <a:lstStyle/>
+          <a:p>
+            <a:r>
+              <a:rPr kumimoji="1" lang="ja-JP" altLang="en-US" dirty="0" smtClean="0"/>
+              <a:t>これからやるべきこと</a:t>
+            </a:r>
+            <a:endParaRPr kumimoji="1" lang="ja-JP" altLang="en-US" dirty="0"/>
+          </a:p>
+        </p:txBody>
+      </p:sp>
+      <p:sp>
+        <p:nvSpPr>
+          <p:cNvPr id="3" name="コンテンツ プレースホルダー 2"/>
+          <p:cNvSpPr>
+            <a:spLocks noGrp="1"/>
+          </p:cNvSpPr>
+          <p:nvPr>
+            <p:ph idx="1"/>
+          </p:nvPr>
+        </p:nvSpPr>
+        <p:spPr/>
+        <p:txBody>
+          <a:bodyPr/>
+          <a:lstStyle/>
+          <a:p>
+            <a:pPr marL="0" indent="0">
+              <a:buNone/>
+            </a:pPr>
+            <a:r>
+              <a:rPr kumimoji="1" lang="ja-JP" altLang="en-US" dirty="0" smtClean="0"/>
+              <a:t>・技術的課題の模索</a:t>
+            </a:r>
+            <a:endParaRPr kumimoji="1" lang="en-US" altLang="ja-JP" dirty="0" smtClean="0"/>
+          </a:p>
+          <a:p>
+            <a:pPr marL="0" indent="0">
+              <a:buNone/>
+            </a:pPr>
+            <a:r>
+              <a:rPr lang="ja-JP" altLang="en-US" dirty="0" smtClean="0"/>
+              <a:t>・音楽のタグ付けをする</a:t>
+            </a:r>
+            <a:r>
+              <a:rPr lang="en-US" altLang="ja-JP" dirty="0" smtClean="0"/>
+              <a:t>NN</a:t>
+            </a:r>
+            <a:r>
+              <a:rPr lang="ja-JP" altLang="en-US" dirty="0" smtClean="0"/>
+              <a:t>の調査</a:t>
+            </a:r>
+            <a:endParaRPr lang="en-US" altLang="ja-JP" dirty="0" smtClean="0"/>
+          </a:p>
+          <a:p>
+            <a:pPr marL="0" indent="0">
+              <a:buNone/>
+            </a:pPr>
+            <a:r>
+              <a:rPr kumimoji="1" lang="ja-JP" altLang="en-US" dirty="0" smtClean="0"/>
+              <a:t>・</a:t>
+            </a:r>
+            <a:r>
+              <a:rPr kumimoji="1" lang="en-US" altLang="ja-JP" dirty="0" smtClean="0"/>
+              <a:t>Python</a:t>
+            </a:r>
+            <a:r>
+              <a:rPr kumimoji="1" lang="ja-JP" altLang="en-US" dirty="0" smtClean="0"/>
+              <a:t>の勉強</a:t>
+            </a:r>
+            <a:endParaRPr lang="en-US" altLang="ja-JP" dirty="0" smtClean="0"/>
+          </a:p>
+          <a:p>
+            <a:pPr marL="0" indent="0">
+              <a:buNone/>
+            </a:pPr>
+            <a:r>
+              <a:rPr kumimoji="1" lang="ja-JP" altLang="en-US" dirty="0" smtClean="0"/>
+              <a:t>・プログラミングしてみる</a:t>
+            </a:r>
+            <a:endParaRPr kumimoji="1" lang="en-US" altLang="ja-JP" dirty="0" smtClean="0"/>
+          </a:p>
+        </p:txBody>
+      </p:sp>
+      <p:sp>
+        <p:nvSpPr>
+          <p:cNvPr id="4" name="スライド番号プレースホルダー 3"/>
+          <p:cNvSpPr>
+            <a:spLocks noGrp="1"/>
+          </p:cNvSpPr>
+          <p:nvPr>
+            <p:ph type="sldNum" sz="quarter" idx="12"/>
+          </p:nvPr>
+        </p:nvSpPr>
+        <p:spPr/>
+        <p:txBody>
+          <a:bodyPr/>
+          <a:lstStyle/>
+          <a:p>
+            <a:fld id="{82B0F181-4DAC-4AF6-AAF0-BC662F10B70B}" type="slidenum">
+              <a:rPr kumimoji="1" lang="ja-JP" altLang="en-US" smtClean="0"/>
+              <a:t>22</a:t>
+            </a:fld>
+            <a:endParaRPr kumimoji="1" lang="ja-JP" altLang="en-US"/>
+          </a:p>
+        </p:txBody>
+      </p:sp>
+    </p:spTree>
+    <p:extLst>
+      <p:ext uri="{BB962C8B-B14F-4D97-AF65-F5344CB8AC3E}">
+        <p14:creationId xmlns:p14="http://schemas.microsoft.com/office/powerpoint/2010/main" val="3338801525"/>
       </p:ext>
     </p:extLst>
   </p:cSld>
